--- a/Presentation/Intro_to_Relational_Databases_with_MySQL_Day2and3.pptx
+++ b/Presentation/Intro_to_Relational_Databases_with_MySQL_Day2and3.pptx
@@ -5,51 +5,55 @@
     <p:sldMasterId id="2147483648" r:id="rId1"/>
   </p:sldMasterIdLst>
   <p:notesMasterIdLst>
-    <p:notesMasterId r:id="rId44"/>
+    <p:notesMasterId r:id="rId48"/>
   </p:notesMasterIdLst>
   <p:sldIdLst>
     <p:sldId id="397" r:id="rId2"/>
     <p:sldId id="338" r:id="rId3"/>
     <p:sldId id="402" r:id="rId4"/>
-    <p:sldId id="344" r:id="rId5"/>
-    <p:sldId id="345" r:id="rId6"/>
-    <p:sldId id="343" r:id="rId7"/>
-    <p:sldId id="349" r:id="rId8"/>
-    <p:sldId id="348" r:id="rId9"/>
-    <p:sldId id="346" r:id="rId10"/>
-    <p:sldId id="350" r:id="rId11"/>
-    <p:sldId id="352" r:id="rId12"/>
-    <p:sldId id="351" r:id="rId13"/>
-    <p:sldId id="294" r:id="rId14"/>
-    <p:sldId id="275" r:id="rId15"/>
-    <p:sldId id="358" r:id="rId16"/>
-    <p:sldId id="354" r:id="rId17"/>
-    <p:sldId id="357" r:id="rId18"/>
-    <p:sldId id="355" r:id="rId19"/>
-    <p:sldId id="359" r:id="rId20"/>
-    <p:sldId id="360" r:id="rId21"/>
-    <p:sldId id="356" r:id="rId22"/>
-    <p:sldId id="361" r:id="rId23"/>
-    <p:sldId id="362" r:id="rId24"/>
-    <p:sldId id="363" r:id="rId25"/>
-    <p:sldId id="364" r:id="rId26"/>
-    <p:sldId id="365" r:id="rId27"/>
-    <p:sldId id="366" r:id="rId28"/>
-    <p:sldId id="367" r:id="rId29"/>
-    <p:sldId id="368" r:id="rId30"/>
-    <p:sldId id="398" r:id="rId31"/>
-    <p:sldId id="400" r:id="rId32"/>
-    <p:sldId id="401" r:id="rId33"/>
-    <p:sldId id="370" r:id="rId34"/>
-    <p:sldId id="369" r:id="rId35"/>
-    <p:sldId id="372" r:id="rId36"/>
-    <p:sldId id="371" r:id="rId37"/>
-    <p:sldId id="381" r:id="rId38"/>
-    <p:sldId id="376" r:id="rId39"/>
-    <p:sldId id="375" r:id="rId40"/>
-    <p:sldId id="373" r:id="rId41"/>
-    <p:sldId id="374" r:id="rId42"/>
-    <p:sldId id="379" r:id="rId43"/>
+    <p:sldId id="403" r:id="rId5"/>
+    <p:sldId id="404" r:id="rId6"/>
+    <p:sldId id="405" r:id="rId7"/>
+    <p:sldId id="406" r:id="rId8"/>
+    <p:sldId id="344" r:id="rId9"/>
+    <p:sldId id="345" r:id="rId10"/>
+    <p:sldId id="343" r:id="rId11"/>
+    <p:sldId id="349" r:id="rId12"/>
+    <p:sldId id="348" r:id="rId13"/>
+    <p:sldId id="346" r:id="rId14"/>
+    <p:sldId id="350" r:id="rId15"/>
+    <p:sldId id="352" r:id="rId16"/>
+    <p:sldId id="351" r:id="rId17"/>
+    <p:sldId id="294" r:id="rId18"/>
+    <p:sldId id="275" r:id="rId19"/>
+    <p:sldId id="358" r:id="rId20"/>
+    <p:sldId id="354" r:id="rId21"/>
+    <p:sldId id="357" r:id="rId22"/>
+    <p:sldId id="355" r:id="rId23"/>
+    <p:sldId id="359" r:id="rId24"/>
+    <p:sldId id="360" r:id="rId25"/>
+    <p:sldId id="356" r:id="rId26"/>
+    <p:sldId id="361" r:id="rId27"/>
+    <p:sldId id="362" r:id="rId28"/>
+    <p:sldId id="363" r:id="rId29"/>
+    <p:sldId id="364" r:id="rId30"/>
+    <p:sldId id="365" r:id="rId31"/>
+    <p:sldId id="366" r:id="rId32"/>
+    <p:sldId id="367" r:id="rId33"/>
+    <p:sldId id="368" r:id="rId34"/>
+    <p:sldId id="398" r:id="rId35"/>
+    <p:sldId id="400" r:id="rId36"/>
+    <p:sldId id="401" r:id="rId37"/>
+    <p:sldId id="370" r:id="rId38"/>
+    <p:sldId id="369" r:id="rId39"/>
+    <p:sldId id="372" r:id="rId40"/>
+    <p:sldId id="371" r:id="rId41"/>
+    <p:sldId id="381" r:id="rId42"/>
+    <p:sldId id="376" r:id="rId43"/>
+    <p:sldId id="375" r:id="rId44"/>
+    <p:sldId id="373" r:id="rId45"/>
+    <p:sldId id="374" r:id="rId46"/>
+    <p:sldId id="379" r:id="rId47"/>
   </p:sldIdLst>
   <p:sldSz cx="9144000" cy="6858000" type="screen4x3"/>
   <p:notesSz cx="6858000" cy="9144000"/>
@@ -233,7 +237,7 @@
           <a:p>
             <a:fld id="{D1B1421D-D1D7-43CF-8189-F1719A8EF528}" type="datetimeFigureOut">
               <a:rPr lang="en-US" smtClean="0"/>
-              <a:t>04/07/2014</a:t>
+              <a:t>04/09/2014</a:t>
             </a:fld>
             <a:endParaRPr lang="en-US"/>
           </a:p>
@@ -683,7 +687,7 @@
             <a:fld id="{69B9444E-84D0-4282-A3BA-51F93019E7F6}" type="datetimeFigureOut">
               <a:rPr lang="en-US" smtClean="0"/>
               <a:pPr/>
-              <a:t>04/07/2014</a:t>
+              <a:t>04/09/2014</a:t>
             </a:fld>
             <a:endParaRPr lang="en-US"/>
           </a:p>
@@ -850,7 +854,7 @@
             <a:fld id="{69B9444E-84D0-4282-A3BA-51F93019E7F6}" type="datetimeFigureOut">
               <a:rPr lang="en-US" smtClean="0"/>
               <a:pPr/>
-              <a:t>04/07/2014</a:t>
+              <a:t>04/09/2014</a:t>
             </a:fld>
             <a:endParaRPr lang="en-US"/>
           </a:p>
@@ -1027,7 +1031,7 @@
             <a:fld id="{69B9444E-84D0-4282-A3BA-51F93019E7F6}" type="datetimeFigureOut">
               <a:rPr lang="en-US" smtClean="0"/>
               <a:pPr/>
-              <a:t>04/07/2014</a:t>
+              <a:t>04/09/2014</a:t>
             </a:fld>
             <a:endParaRPr lang="en-US"/>
           </a:p>
@@ -1194,7 +1198,7 @@
             <a:fld id="{69B9444E-84D0-4282-A3BA-51F93019E7F6}" type="datetimeFigureOut">
               <a:rPr lang="en-US" smtClean="0"/>
               <a:pPr/>
-              <a:t>04/07/2014</a:t>
+              <a:t>04/09/2014</a:t>
             </a:fld>
             <a:endParaRPr lang="en-US"/>
           </a:p>
@@ -1437,7 +1441,7 @@
             <a:fld id="{69B9444E-84D0-4282-A3BA-51F93019E7F6}" type="datetimeFigureOut">
               <a:rPr lang="en-US" smtClean="0"/>
               <a:pPr/>
-              <a:t>04/07/2014</a:t>
+              <a:t>04/09/2014</a:t>
             </a:fld>
             <a:endParaRPr lang="en-US"/>
           </a:p>
@@ -1722,7 +1726,7 @@
             <a:fld id="{69B9444E-84D0-4282-A3BA-51F93019E7F6}" type="datetimeFigureOut">
               <a:rPr lang="en-US" smtClean="0"/>
               <a:pPr/>
-              <a:t>04/07/2014</a:t>
+              <a:t>04/09/2014</a:t>
             </a:fld>
             <a:endParaRPr lang="en-US"/>
           </a:p>
@@ -2141,7 +2145,7 @@
             <a:fld id="{69B9444E-84D0-4282-A3BA-51F93019E7F6}" type="datetimeFigureOut">
               <a:rPr lang="en-US" smtClean="0"/>
               <a:pPr/>
-              <a:t>04/07/2014</a:t>
+              <a:t>04/09/2014</a:t>
             </a:fld>
             <a:endParaRPr lang="en-US"/>
           </a:p>
@@ -2256,7 +2260,7 @@
             <a:fld id="{69B9444E-84D0-4282-A3BA-51F93019E7F6}" type="datetimeFigureOut">
               <a:rPr lang="en-US" smtClean="0"/>
               <a:pPr/>
-              <a:t>04/07/2014</a:t>
+              <a:t>04/09/2014</a:t>
             </a:fld>
             <a:endParaRPr lang="en-US"/>
           </a:p>
@@ -2348,7 +2352,7 @@
             <a:fld id="{69B9444E-84D0-4282-A3BA-51F93019E7F6}" type="datetimeFigureOut">
               <a:rPr lang="en-US" smtClean="0"/>
               <a:pPr/>
-              <a:t>04/07/2014</a:t>
+              <a:t>04/09/2014</a:t>
             </a:fld>
             <a:endParaRPr lang="en-US"/>
           </a:p>
@@ -2622,7 +2626,7 @@
             <a:fld id="{69B9444E-84D0-4282-A3BA-51F93019E7F6}" type="datetimeFigureOut">
               <a:rPr lang="en-US" smtClean="0"/>
               <a:pPr/>
-              <a:t>04/07/2014</a:t>
+              <a:t>04/09/2014</a:t>
             </a:fld>
             <a:endParaRPr lang="en-US"/>
           </a:p>
@@ -2872,7 +2876,7 @@
             <a:fld id="{69B9444E-84D0-4282-A3BA-51F93019E7F6}" type="datetimeFigureOut">
               <a:rPr lang="en-US" smtClean="0"/>
               <a:pPr/>
-              <a:t>04/07/2014</a:t>
+              <a:t>04/09/2014</a:t>
             </a:fld>
             <a:endParaRPr lang="en-US"/>
           </a:p>
@@ -3082,7 +3086,7 @@
             <a:fld id="{69B9444E-84D0-4282-A3BA-51F93019E7F6}" type="datetimeFigureOut">
               <a:rPr lang="en-US" smtClean="0"/>
               <a:pPr/>
-              <a:t>04/07/2014</a:t>
+              <a:t>04/09/2014</a:t>
             </a:fld>
             <a:endParaRPr lang="en-US"/>
           </a:p>
@@ -3566,29 +3570,21 @@
             <p:ph type="title"/>
           </p:nvPr>
         </p:nvSpPr>
-        <p:spPr>
-          <a:xfrm>
-            <a:off x="457200" y="685800"/>
-            <a:ext cx="8229600" cy="1143000"/>
-          </a:xfrm>
-        </p:spPr>
+        <p:spPr/>
         <p:txBody>
           <a:bodyPr>
-            <a:normAutofit fontScale="90000"/>
+            <a:normAutofit/>
           </a:bodyPr>
           <a:lstStyle/>
           <a:p>
             <a:r>
+              <a:rPr lang="en-US" b="1" cap="all" dirty="0"/>
+              <a:t>Select </a:t>
+            </a:r>
+            <a:r>
               <a:rPr lang="en-US" b="1" cap="all" dirty="0" smtClean="0"/>
-              <a:t>Exercise 3:  </a:t>
-            </a:r>
-            <a:r>
-              <a:rPr lang="en-US" b="1" cap="all" dirty="0"/>
-              <a:t>Taking the WHERE clause for a spin</a:t>
-            </a:r>
-            <a:br>
-              <a:rPr lang="en-US" b="1" cap="all" dirty="0"/>
-            </a:br>
+              <a:t>Statements</a:t>
+            </a:r>
             <a:endParaRPr lang="en-US" dirty="0"/>
           </a:p>
         </p:txBody>
@@ -3603,91 +3599,69 @@
             <p:ph idx="1"/>
           </p:nvPr>
         </p:nvSpPr>
-        <p:spPr>
-          <a:xfrm>
-            <a:off x="457200" y="4953000"/>
-            <a:ext cx="8229600" cy="1173163"/>
-          </a:xfrm>
-        </p:spPr>
+        <p:spPr/>
         <p:txBody>
           <a:bodyPr/>
           <a:lstStyle/>
           <a:p>
             <a:r>
               <a:rPr lang="en-US" dirty="0" smtClean="0"/>
-              <a:t>Page </a:t>
-            </a:r>
-            <a:r>
-              <a:rPr lang="en-US" dirty="0" smtClean="0"/>
-              <a:t>34</a:t>
-            </a:r>
-            <a:endParaRPr lang="en-US" dirty="0"/>
-          </a:p>
-        </p:txBody>
-      </p:sp>
-      <p:sp>
-        <p:nvSpPr>
-          <p:cNvPr id="4" name="Title 1"/>
-          <p:cNvSpPr txBox="1">
-            <a:spLocks/>
-          </p:cNvSpPr>
-          <p:nvPr/>
-        </p:nvSpPr>
-        <p:spPr>
-          <a:xfrm>
-            <a:off x="457200" y="3429000"/>
-            <a:ext cx="8229600" cy="1143000"/>
-          </a:xfrm>
-          <a:prstGeom prst="rect">
-            <a:avLst/>
-          </a:prstGeom>
-        </p:spPr>
-        <p:txBody>
-          <a:bodyPr vert="horz" lIns="91440" tIns="45720" rIns="91440" bIns="45720" rtlCol="0" anchor="ctr">
-            <a:noAutofit/>
-          </a:bodyPr>
-          <a:lstStyle>
-            <a:lvl1pPr algn="ctr" defTabSz="914400" rtl="0" eaLnBrk="1" latinLnBrk="0" hangingPunct="1">
-              <a:spcBef>
-                <a:spcPct val="0"/>
-              </a:spcBef>
-              <a:buNone/>
-              <a:defRPr sz="4400" kern="1200">
-                <a:solidFill>
-                  <a:schemeClr val="tx1"/>
-                </a:solidFill>
-                <a:latin typeface="+mj-lt"/>
-                <a:ea typeface="+mj-ea"/>
-                <a:cs typeface="+mj-cs"/>
-              </a:defRPr>
-            </a:lvl1pPr>
-          </a:lstStyle>
-          <a:p>
-            <a:r>
-              <a:rPr lang="en-US" sz="4000" b="1" cap="all" dirty="0" smtClean="0"/>
-              <a:t>Exercise 4:  </a:t>
-            </a:r>
-            <a:r>
-              <a:rPr lang="en-US" sz="4000" b="1" cap="all" dirty="0"/>
-              <a:t>Translating Requirements to SQL statements</a:t>
-            </a:r>
-          </a:p>
-          <a:p>
-            <a:r>
-              <a:rPr lang="en-US" sz="4000" b="1" cap="all" dirty="0" smtClean="0"/>
-              <a:t/>
-            </a:r>
-            <a:br>
-              <a:rPr lang="en-US" sz="4000" b="1" cap="all" dirty="0" smtClean="0"/>
-            </a:br>
-            <a:endParaRPr lang="en-US" sz="4000" dirty="0"/>
+              <a:t>Using </a:t>
+            </a:r>
+            <a:r>
+              <a:rPr lang="en-US" dirty="0"/>
+              <a:t>SQL you can retrieve data and even change </a:t>
+            </a:r>
+            <a:r>
+              <a:rPr lang="en-US" dirty="0" smtClean="0"/>
+              <a:t>data</a:t>
+            </a:r>
+          </a:p>
+          <a:p>
+            <a:pPr lvl="1"/>
+            <a:r>
+              <a:rPr lang="en-US" dirty="0"/>
+              <a:t>Data Manipulation Language statements (DML</a:t>
+            </a:r>
+            <a:r>
+              <a:rPr lang="en-US" dirty="0" smtClean="0"/>
+              <a:t>)</a:t>
+            </a:r>
+          </a:p>
+          <a:p>
+            <a:pPr lvl="1"/>
+            <a:r>
+              <a:rPr lang="en-US" dirty="0" smtClean="0"/>
+              <a:t>Ex: SELECT * FROM CUSTOMER</a:t>
+            </a:r>
+          </a:p>
+          <a:p>
+            <a:r>
+              <a:rPr lang="en-US" dirty="0" smtClean="0"/>
+              <a:t>define </a:t>
+            </a:r>
+            <a:r>
+              <a:rPr lang="en-US" dirty="0"/>
+              <a:t>the data </a:t>
+            </a:r>
+            <a:r>
+              <a:rPr lang="en-US" dirty="0" smtClean="0"/>
+              <a:t>structures i.e. create tables</a:t>
+            </a:r>
+          </a:p>
+          <a:p>
+            <a:pPr lvl="1"/>
+            <a:r>
+              <a:rPr lang="en-US" dirty="0"/>
+              <a:t>Data Definition Language (DDL)</a:t>
+            </a:r>
           </a:p>
         </p:txBody>
       </p:sp>
     </p:spTree>
     <p:extLst>
       <p:ext uri="{BB962C8B-B14F-4D97-AF65-F5344CB8AC3E}">
-        <p14:creationId xmlns:p14="http://schemas.microsoft.com/office/powerpoint/2010/main" val="84830357"/>
+        <p14:creationId xmlns:p14="http://schemas.microsoft.com/office/powerpoint/2010/main" val="1351389207"/>
       </p:ext>
     </p:extLst>
   </p:cSld>
@@ -3731,12 +3705,7 @@
             <p:ph type="title"/>
           </p:nvPr>
         </p:nvSpPr>
-        <p:spPr>
-          <a:xfrm>
-            <a:off x="457200" y="274638"/>
-            <a:ext cx="8229600" cy="792162"/>
-          </a:xfrm>
-        </p:spPr>
+        <p:spPr/>
         <p:txBody>
           <a:bodyPr>
             <a:normAutofit/>
@@ -3745,11 +3714,11 @@
           <a:p>
             <a:r>
               <a:rPr lang="en-US" b="1" cap="all" dirty="0"/>
-              <a:t>SQL </a:t>
+              <a:t>The SELECT </a:t>
             </a:r>
             <a:r>
               <a:rPr lang="en-US" b="1" cap="all" dirty="0" smtClean="0"/>
-              <a:t>Wildcards</a:t>
+              <a:t>Clause</a:t>
             </a:r>
             <a:endParaRPr lang="en-US" dirty="0"/>
           </a:p>
@@ -3765,31 +3734,34 @@
             <p:ph idx="1"/>
           </p:nvPr>
         </p:nvSpPr>
-        <p:spPr>
-          <a:xfrm>
-            <a:off x="457200" y="1066800"/>
-            <a:ext cx="8229600" cy="5486400"/>
-          </a:xfrm>
-        </p:spPr>
-        <p:txBody>
-          <a:bodyPr/>
-          <a:lstStyle/>
-          <a:p>
-            <a:r>
-              <a:rPr lang="en-US" dirty="0" smtClean="0"/>
-              <a:t>Use Wildcards with the LIKE operator within a WHERE clause</a:t>
-            </a:r>
-          </a:p>
-          <a:p>
-            <a:r>
-              <a:rPr lang="en-US" dirty="0" smtClean="0"/>
-              <a:t>Wildcards enable pattern matching</a:t>
+        <p:spPr/>
+        <p:txBody>
+          <a:bodyPr>
+            <a:normAutofit fontScale="92500" lnSpcReduction="10000"/>
+          </a:bodyPr>
+          <a:lstStyle/>
+          <a:p>
+            <a:r>
+              <a:rPr lang="en-US" dirty="0" smtClean="0"/>
+              <a:t>Use the SELECT clause to retrieve data</a:t>
+            </a:r>
+          </a:p>
+          <a:p>
+            <a:r>
+              <a:rPr lang="en-US" dirty="0" smtClean="0"/>
+              <a:t>Use * to grab all the columns.  Not usually a good idea.</a:t>
+            </a:r>
+          </a:p>
+          <a:p>
+            <a:r>
+              <a:rPr lang="en-US" dirty="0" smtClean="0"/>
+              <a:t>Specify columns in SELECT </a:t>
             </a:r>
           </a:p>
           <a:p>
             <a:r>
               <a:rPr lang="en-US" b="1" dirty="0"/>
-              <a:t>Select * from Individual WHERE </a:t>
+              <a:t>SELECT ID, </a:t>
             </a:r>
             <a:r>
               <a:rPr lang="en-US" b="1" dirty="0" err="1"/>
@@ -3797,53 +3769,52 @@
             </a:r>
             <a:r>
               <a:rPr lang="en-US" b="1" dirty="0"/>
-              <a:t> LIKE ‘L</a:t>
+              <a:t>, </a:t>
+            </a:r>
+            <a:r>
+              <a:rPr lang="en-US" b="1" dirty="0" err="1"/>
+              <a:t>LastName</a:t>
+            </a:r>
+            <a:r>
+              <a:rPr lang="en-US" b="1" dirty="0"/>
+              <a:t>, </a:t>
+            </a:r>
+            <a:r>
+              <a:rPr lang="en-US" b="1" dirty="0" err="1"/>
+              <a:t>BirthDate</a:t>
+            </a:r>
+            <a:r>
+              <a:rPr lang="en-US" b="1" dirty="0"/>
+              <a:t> FROM Individual</a:t>
             </a:r>
             <a:r>
               <a:rPr lang="en-US" b="1" dirty="0" smtClean="0"/>
-              <a:t>%’;</a:t>
-            </a:r>
-          </a:p>
-          <a:p>
-            <a:r>
-              <a:rPr lang="en-US" b="1" dirty="0"/>
-              <a:t>SELECT * FROM Band WHERE Name LIKE ‘%Stones</a:t>
-            </a:r>
-            <a:r>
-              <a:rPr lang="en-US" b="1" dirty="0" smtClean="0"/>
-              <a:t>’;</a:t>
-            </a:r>
-          </a:p>
-          <a:p>
-            <a:r>
-              <a:rPr lang="en-US" b="1" dirty="0"/>
-              <a:t>Select * from Individual WHERE </a:t>
-            </a:r>
-            <a:r>
-              <a:rPr lang="en-US" b="1" dirty="0" err="1"/>
-              <a:t>FirstName</a:t>
-            </a:r>
-            <a:r>
-              <a:rPr lang="en-US" b="1" dirty="0"/>
-              <a:t> Like ‘_</a:t>
-            </a:r>
-            <a:r>
-              <a:rPr lang="en-US" b="1" dirty="0" err="1"/>
-              <a:t>ob</a:t>
-            </a:r>
-            <a:r>
-              <a:rPr lang="en-US" b="1" dirty="0"/>
-              <a:t>’;</a:t>
-            </a:r>
-            <a:r>
-              <a:rPr lang="en-US" dirty="0"/>
-              <a:t> </a:t>
-            </a:r>
-            <a:r>
-              <a:rPr lang="en-US" b="1" dirty="0" smtClean="0"/>
-              <a:t>  </a:t>
-            </a:r>
-            <a:endParaRPr lang="en-US" dirty="0"/>
+              <a:t>;</a:t>
+            </a:r>
+          </a:p>
+          <a:p>
+            <a:r>
+              <a:rPr lang="en-US" dirty="0"/>
+              <a:t>U</a:t>
+            </a:r>
+            <a:r>
+              <a:rPr lang="en-US" dirty="0" smtClean="0"/>
+              <a:t>se </a:t>
+            </a:r>
+            <a:r>
+              <a:rPr lang="en-US" dirty="0"/>
+              <a:t>only use the least amount of columns in your SELECT </a:t>
+            </a:r>
+            <a:r>
+              <a:rPr lang="en-US" dirty="0" smtClean="0"/>
+              <a:t>statement</a:t>
+            </a:r>
+          </a:p>
+          <a:p>
+            <a:r>
+              <a:rPr lang="en-US" dirty="0"/>
+              <a:t>SHOW COLUMNS FROM Band</a:t>
+            </a:r>
           </a:p>
           <a:p>
             <a:endParaRPr lang="en-US" dirty="0"/>
@@ -3853,7 +3824,7 @@
     </p:spTree>
     <p:extLst>
       <p:ext uri="{BB962C8B-B14F-4D97-AF65-F5344CB8AC3E}">
-        <p14:creationId xmlns:p14="http://schemas.microsoft.com/office/powerpoint/2010/main" val="1568647568"/>
+        <p14:creationId xmlns:p14="http://schemas.microsoft.com/office/powerpoint/2010/main" val="2114644828"/>
       </p:ext>
     </p:extLst>
   </p:cSld>
@@ -3897,6 +3868,542 @@
             <p:ph type="title"/>
           </p:nvPr>
         </p:nvSpPr>
+        <p:spPr>
+          <a:xfrm>
+            <a:off x="457200" y="533400"/>
+            <a:ext cx="8229600" cy="1143000"/>
+          </a:xfrm>
+        </p:spPr>
+        <p:txBody>
+          <a:bodyPr>
+            <a:normAutofit fontScale="90000"/>
+          </a:bodyPr>
+          <a:lstStyle/>
+          <a:p>
+            <a:r>
+              <a:rPr lang="en-US" b="1" i="1" cap="all" dirty="0" smtClean="0"/>
+              <a:t>Exercise 2:  </a:t>
+            </a:r>
+            <a:r>
+              <a:rPr lang="en-US" b="1" i="1" cap="all" dirty="0"/>
+              <a:t>Building a SELECT Statement</a:t>
+            </a:r>
+            <a:r>
+              <a:rPr lang="en-US" b="1" cap="all" dirty="0"/>
+              <a:t/>
+            </a:r>
+            <a:br>
+              <a:rPr lang="en-US" b="1" cap="all" dirty="0"/>
+            </a:br>
+            <a:r>
+              <a:rPr lang="en-US" b="1" cap="all" dirty="0" smtClean="0"/>
+              <a:t> </a:t>
+            </a:r>
+            <a:endParaRPr lang="en-US" dirty="0"/>
+          </a:p>
+        </p:txBody>
+      </p:sp>
+      <p:sp>
+        <p:nvSpPr>
+          <p:cNvPr id="3" name="Content Placeholder 2"/>
+          <p:cNvSpPr>
+            <a:spLocks noGrp="1"/>
+          </p:cNvSpPr>
+          <p:nvPr>
+            <p:ph idx="1"/>
+          </p:nvPr>
+        </p:nvSpPr>
+        <p:spPr/>
+        <p:txBody>
+          <a:bodyPr/>
+          <a:lstStyle/>
+          <a:p>
+            <a:r>
+              <a:rPr lang="en-US" b="1" dirty="0"/>
+              <a:t>USE RockStarDay2;</a:t>
+            </a:r>
+          </a:p>
+          <a:p>
+            <a:r>
+              <a:rPr lang="en-US" b="1" dirty="0"/>
+              <a:t>SELECT * FROM INDIVIDUAL</a:t>
+            </a:r>
+            <a:r>
+              <a:rPr lang="en-US" b="1" dirty="0" smtClean="0"/>
+              <a:t>;</a:t>
+            </a:r>
+          </a:p>
+        </p:txBody>
+      </p:sp>
+    </p:spTree>
+    <p:extLst>
+      <p:ext uri="{BB962C8B-B14F-4D97-AF65-F5344CB8AC3E}">
+        <p14:creationId xmlns:p14="http://schemas.microsoft.com/office/powerpoint/2010/main" val="3166139635"/>
+      </p:ext>
+    </p:extLst>
+  </p:cSld>
+  <p:clrMapOvr>
+    <a:masterClrMapping/>
+  </p:clrMapOvr>
+  <p:timing>
+    <p:tnLst>
+      <p:par>
+        <p:cTn id="1" dur="indefinite" restart="never" nodeType="tmRoot"/>
+      </p:par>
+    </p:tnLst>
+  </p:timing>
+</p:sld>
+</file>
+
+<file path=ppt/slides/slide13.xml><?xml version="1.0" encoding="utf-8"?>
+<p:sld xmlns:a="http://schemas.openxmlformats.org/drawingml/2006/main" xmlns:r="http://schemas.openxmlformats.org/officeDocument/2006/relationships" xmlns:p="http://schemas.openxmlformats.org/presentationml/2006/main">
+  <p:cSld>
+    <p:spTree>
+      <p:nvGrpSpPr>
+        <p:cNvPr id="1" name=""/>
+        <p:cNvGrpSpPr/>
+        <p:nvPr/>
+      </p:nvGrpSpPr>
+      <p:grpSpPr>
+        <a:xfrm>
+          <a:off x="0" y="0"/>
+          <a:ext cx="0" cy="0"/>
+          <a:chOff x="0" y="0"/>
+          <a:chExt cx="0" cy="0"/>
+        </a:xfrm>
+      </p:grpSpPr>
+      <p:sp>
+        <p:nvSpPr>
+          <p:cNvPr id="2" name="Title 1"/>
+          <p:cNvSpPr>
+            <a:spLocks noGrp="1"/>
+          </p:cNvSpPr>
+          <p:nvPr>
+            <p:ph type="title"/>
+          </p:nvPr>
+        </p:nvSpPr>
+        <p:spPr/>
+        <p:txBody>
+          <a:bodyPr>
+            <a:normAutofit fontScale="90000"/>
+          </a:bodyPr>
+          <a:lstStyle/>
+          <a:p>
+            <a:r>
+              <a:rPr lang="en-US" b="1" cap="all" dirty="0"/>
+              <a:t>Restricting the Rows </a:t>
+            </a:r>
+            <a:r>
+              <a:rPr lang="en-US" b="1" cap="all" dirty="0" smtClean="0"/>
+              <a:t>Returned</a:t>
+            </a:r>
+            <a:endParaRPr lang="en-US" dirty="0"/>
+          </a:p>
+        </p:txBody>
+      </p:sp>
+      <p:sp>
+        <p:nvSpPr>
+          <p:cNvPr id="3" name="Content Placeholder 2"/>
+          <p:cNvSpPr>
+            <a:spLocks noGrp="1"/>
+          </p:cNvSpPr>
+          <p:nvPr>
+            <p:ph idx="1"/>
+          </p:nvPr>
+        </p:nvSpPr>
+        <p:spPr/>
+        <p:txBody>
+          <a:bodyPr/>
+          <a:lstStyle/>
+          <a:p>
+            <a:r>
+              <a:rPr lang="en-US" dirty="0" smtClean="0"/>
+              <a:t>SELECT identified the columns to return</a:t>
+            </a:r>
+          </a:p>
+          <a:p>
+            <a:r>
+              <a:rPr lang="en-US" dirty="0" smtClean="0"/>
+              <a:t>WHERE clause determines the rows to return</a:t>
+            </a:r>
+            <a:endParaRPr lang="en-US" dirty="0"/>
+          </a:p>
+        </p:txBody>
+      </p:sp>
+    </p:spTree>
+    <p:extLst>
+      <p:ext uri="{BB962C8B-B14F-4D97-AF65-F5344CB8AC3E}">
+        <p14:creationId xmlns:p14="http://schemas.microsoft.com/office/powerpoint/2010/main" val="1831350020"/>
+      </p:ext>
+    </p:extLst>
+  </p:cSld>
+  <p:clrMapOvr>
+    <a:masterClrMapping/>
+  </p:clrMapOvr>
+  <p:timing>
+    <p:tnLst>
+      <p:par>
+        <p:cTn id="1" dur="indefinite" restart="never" nodeType="tmRoot"/>
+      </p:par>
+    </p:tnLst>
+  </p:timing>
+</p:sld>
+</file>
+
+<file path=ppt/slides/slide14.xml><?xml version="1.0" encoding="utf-8"?>
+<p:sld xmlns:a="http://schemas.openxmlformats.org/drawingml/2006/main" xmlns:r="http://schemas.openxmlformats.org/officeDocument/2006/relationships" xmlns:p="http://schemas.openxmlformats.org/presentationml/2006/main">
+  <p:cSld>
+    <p:spTree>
+      <p:nvGrpSpPr>
+        <p:cNvPr id="1" name=""/>
+        <p:cNvGrpSpPr/>
+        <p:nvPr/>
+      </p:nvGrpSpPr>
+      <p:grpSpPr>
+        <a:xfrm>
+          <a:off x="0" y="0"/>
+          <a:ext cx="0" cy="0"/>
+          <a:chOff x="0" y="0"/>
+          <a:chExt cx="0" cy="0"/>
+        </a:xfrm>
+      </p:grpSpPr>
+      <p:sp>
+        <p:nvSpPr>
+          <p:cNvPr id="2" name="Title 1"/>
+          <p:cNvSpPr>
+            <a:spLocks noGrp="1"/>
+          </p:cNvSpPr>
+          <p:nvPr>
+            <p:ph type="title"/>
+          </p:nvPr>
+        </p:nvSpPr>
+        <p:spPr>
+          <a:xfrm>
+            <a:off x="457200" y="685800"/>
+            <a:ext cx="8229600" cy="1143000"/>
+          </a:xfrm>
+        </p:spPr>
+        <p:txBody>
+          <a:bodyPr>
+            <a:normAutofit fontScale="90000"/>
+          </a:bodyPr>
+          <a:lstStyle/>
+          <a:p>
+            <a:r>
+              <a:rPr lang="en-US" b="1" cap="all" dirty="0" smtClean="0"/>
+              <a:t>Exercise 3:  </a:t>
+            </a:r>
+            <a:r>
+              <a:rPr lang="en-US" b="1" cap="all" dirty="0"/>
+              <a:t>Taking the WHERE clause for a spin</a:t>
+            </a:r>
+            <a:br>
+              <a:rPr lang="en-US" b="1" cap="all" dirty="0"/>
+            </a:br>
+            <a:endParaRPr lang="en-US" dirty="0"/>
+          </a:p>
+        </p:txBody>
+      </p:sp>
+      <p:sp>
+        <p:nvSpPr>
+          <p:cNvPr id="3" name="Content Placeholder 2"/>
+          <p:cNvSpPr>
+            <a:spLocks noGrp="1"/>
+          </p:cNvSpPr>
+          <p:nvPr>
+            <p:ph idx="1"/>
+          </p:nvPr>
+        </p:nvSpPr>
+        <p:spPr>
+          <a:xfrm>
+            <a:off x="457200" y="4953000"/>
+            <a:ext cx="8229600" cy="1173163"/>
+          </a:xfrm>
+        </p:spPr>
+        <p:txBody>
+          <a:bodyPr/>
+          <a:lstStyle/>
+          <a:p>
+            <a:r>
+              <a:rPr lang="en-US" dirty="0" smtClean="0"/>
+              <a:t>Page 34</a:t>
+            </a:r>
+            <a:endParaRPr lang="en-US" dirty="0"/>
+          </a:p>
+        </p:txBody>
+      </p:sp>
+      <p:sp>
+        <p:nvSpPr>
+          <p:cNvPr id="4" name="Title 1"/>
+          <p:cNvSpPr txBox="1">
+            <a:spLocks/>
+          </p:cNvSpPr>
+          <p:nvPr/>
+        </p:nvSpPr>
+        <p:spPr>
+          <a:xfrm>
+            <a:off x="457200" y="3429000"/>
+            <a:ext cx="8229600" cy="1143000"/>
+          </a:xfrm>
+          <a:prstGeom prst="rect">
+            <a:avLst/>
+          </a:prstGeom>
+        </p:spPr>
+        <p:txBody>
+          <a:bodyPr vert="horz" lIns="91440" tIns="45720" rIns="91440" bIns="45720" rtlCol="0" anchor="ctr">
+            <a:noAutofit/>
+          </a:bodyPr>
+          <a:lstStyle>
+            <a:lvl1pPr algn="ctr" defTabSz="914400" rtl="0" eaLnBrk="1" latinLnBrk="0" hangingPunct="1">
+              <a:spcBef>
+                <a:spcPct val="0"/>
+              </a:spcBef>
+              <a:buNone/>
+              <a:defRPr sz="4400" kern="1200">
+                <a:solidFill>
+                  <a:schemeClr val="tx1"/>
+                </a:solidFill>
+                <a:latin typeface="+mj-lt"/>
+                <a:ea typeface="+mj-ea"/>
+                <a:cs typeface="+mj-cs"/>
+              </a:defRPr>
+            </a:lvl1pPr>
+          </a:lstStyle>
+          <a:p>
+            <a:r>
+              <a:rPr lang="en-US" sz="4000" b="1" cap="all" dirty="0" smtClean="0"/>
+              <a:t>Exercise 4:  </a:t>
+            </a:r>
+            <a:r>
+              <a:rPr lang="en-US" sz="4000" b="1" cap="all" dirty="0"/>
+              <a:t>Translating Requirements to SQL statements</a:t>
+            </a:r>
+          </a:p>
+          <a:p>
+            <a:r>
+              <a:rPr lang="en-US" sz="4000" b="1" cap="all" dirty="0" smtClean="0"/>
+              <a:t/>
+            </a:r>
+            <a:br>
+              <a:rPr lang="en-US" sz="4000" b="1" cap="all" dirty="0" smtClean="0"/>
+            </a:br>
+            <a:endParaRPr lang="en-US" sz="4000" dirty="0"/>
+          </a:p>
+        </p:txBody>
+      </p:sp>
+    </p:spTree>
+    <p:extLst>
+      <p:ext uri="{BB962C8B-B14F-4D97-AF65-F5344CB8AC3E}">
+        <p14:creationId xmlns:p14="http://schemas.microsoft.com/office/powerpoint/2010/main" val="84830357"/>
+      </p:ext>
+    </p:extLst>
+  </p:cSld>
+  <p:clrMapOvr>
+    <a:masterClrMapping/>
+  </p:clrMapOvr>
+  <p:timing>
+    <p:tnLst>
+      <p:par>
+        <p:cTn id="1" dur="indefinite" restart="never" nodeType="tmRoot"/>
+      </p:par>
+    </p:tnLst>
+  </p:timing>
+</p:sld>
+</file>
+
+<file path=ppt/slides/slide15.xml><?xml version="1.0" encoding="utf-8"?>
+<p:sld xmlns:a="http://schemas.openxmlformats.org/drawingml/2006/main" xmlns:r="http://schemas.openxmlformats.org/officeDocument/2006/relationships" xmlns:p="http://schemas.openxmlformats.org/presentationml/2006/main">
+  <p:cSld>
+    <p:spTree>
+      <p:nvGrpSpPr>
+        <p:cNvPr id="1" name=""/>
+        <p:cNvGrpSpPr/>
+        <p:nvPr/>
+      </p:nvGrpSpPr>
+      <p:grpSpPr>
+        <a:xfrm>
+          <a:off x="0" y="0"/>
+          <a:ext cx="0" cy="0"/>
+          <a:chOff x="0" y="0"/>
+          <a:chExt cx="0" cy="0"/>
+        </a:xfrm>
+      </p:grpSpPr>
+      <p:sp>
+        <p:nvSpPr>
+          <p:cNvPr id="2" name="Title 1"/>
+          <p:cNvSpPr>
+            <a:spLocks noGrp="1"/>
+          </p:cNvSpPr>
+          <p:nvPr>
+            <p:ph type="title"/>
+          </p:nvPr>
+        </p:nvSpPr>
+        <p:spPr>
+          <a:xfrm>
+            <a:off x="457200" y="274638"/>
+            <a:ext cx="8229600" cy="792162"/>
+          </a:xfrm>
+        </p:spPr>
+        <p:txBody>
+          <a:bodyPr>
+            <a:normAutofit/>
+          </a:bodyPr>
+          <a:lstStyle/>
+          <a:p>
+            <a:r>
+              <a:rPr lang="en-US" b="1" cap="all" dirty="0"/>
+              <a:t>SQL </a:t>
+            </a:r>
+            <a:r>
+              <a:rPr lang="en-US" b="1" cap="all" dirty="0" smtClean="0"/>
+              <a:t>Wildcards</a:t>
+            </a:r>
+            <a:endParaRPr lang="en-US" dirty="0"/>
+          </a:p>
+        </p:txBody>
+      </p:sp>
+      <p:sp>
+        <p:nvSpPr>
+          <p:cNvPr id="3" name="Content Placeholder 2"/>
+          <p:cNvSpPr>
+            <a:spLocks noGrp="1"/>
+          </p:cNvSpPr>
+          <p:nvPr>
+            <p:ph idx="1"/>
+          </p:nvPr>
+        </p:nvSpPr>
+        <p:spPr>
+          <a:xfrm>
+            <a:off x="457200" y="1066800"/>
+            <a:ext cx="8229600" cy="5486400"/>
+          </a:xfrm>
+        </p:spPr>
+        <p:txBody>
+          <a:bodyPr/>
+          <a:lstStyle/>
+          <a:p>
+            <a:r>
+              <a:rPr lang="en-US" dirty="0" smtClean="0"/>
+              <a:t>Use Wildcards with the LIKE operator within a WHERE clause</a:t>
+            </a:r>
+          </a:p>
+          <a:p>
+            <a:r>
+              <a:rPr lang="en-US" dirty="0" smtClean="0"/>
+              <a:t>Wildcards enable pattern matching</a:t>
+            </a:r>
+          </a:p>
+          <a:p>
+            <a:r>
+              <a:rPr lang="en-US" b="1" dirty="0"/>
+              <a:t>Select * from Individual WHERE </a:t>
+            </a:r>
+            <a:r>
+              <a:rPr lang="en-US" b="1" dirty="0" err="1"/>
+              <a:t>FirstName</a:t>
+            </a:r>
+            <a:r>
+              <a:rPr lang="en-US" b="1" dirty="0"/>
+              <a:t> LIKE ‘L</a:t>
+            </a:r>
+            <a:r>
+              <a:rPr lang="en-US" b="1" dirty="0" smtClean="0"/>
+              <a:t>%’;</a:t>
+            </a:r>
+          </a:p>
+          <a:p>
+            <a:r>
+              <a:rPr lang="en-US" b="1" dirty="0"/>
+              <a:t>SELECT * FROM Band WHERE Name LIKE ‘%Stones</a:t>
+            </a:r>
+            <a:r>
+              <a:rPr lang="en-US" b="1" dirty="0" smtClean="0"/>
+              <a:t>’;</a:t>
+            </a:r>
+          </a:p>
+          <a:p>
+            <a:r>
+              <a:rPr lang="en-US" b="1" dirty="0"/>
+              <a:t>Select * from Individual WHERE </a:t>
+            </a:r>
+            <a:r>
+              <a:rPr lang="en-US" b="1" dirty="0" err="1"/>
+              <a:t>FirstName</a:t>
+            </a:r>
+            <a:r>
+              <a:rPr lang="en-US" b="1" dirty="0"/>
+              <a:t> Like ‘_</a:t>
+            </a:r>
+            <a:r>
+              <a:rPr lang="en-US" b="1" dirty="0" err="1"/>
+              <a:t>ob</a:t>
+            </a:r>
+            <a:r>
+              <a:rPr lang="en-US" b="1" dirty="0"/>
+              <a:t>’;</a:t>
+            </a:r>
+            <a:r>
+              <a:rPr lang="en-US" dirty="0"/>
+              <a:t> </a:t>
+            </a:r>
+            <a:r>
+              <a:rPr lang="en-US" b="1" dirty="0" smtClean="0"/>
+              <a:t>  </a:t>
+            </a:r>
+            <a:endParaRPr lang="en-US" dirty="0"/>
+          </a:p>
+          <a:p>
+            <a:endParaRPr lang="en-US" dirty="0"/>
+          </a:p>
+        </p:txBody>
+      </p:sp>
+    </p:spTree>
+    <p:extLst>
+      <p:ext uri="{BB962C8B-B14F-4D97-AF65-F5344CB8AC3E}">
+        <p14:creationId xmlns:p14="http://schemas.microsoft.com/office/powerpoint/2010/main" val="1568647568"/>
+      </p:ext>
+    </p:extLst>
+  </p:cSld>
+  <p:clrMapOvr>
+    <a:masterClrMapping/>
+  </p:clrMapOvr>
+  <p:timing>
+    <p:tnLst>
+      <p:par>
+        <p:cTn id="1" dur="indefinite" restart="never" nodeType="tmRoot"/>
+      </p:par>
+    </p:tnLst>
+  </p:timing>
+</p:sld>
+</file>
+
+<file path=ppt/slides/slide16.xml><?xml version="1.0" encoding="utf-8"?>
+<p:sld xmlns:a="http://schemas.openxmlformats.org/drawingml/2006/main" xmlns:r="http://schemas.openxmlformats.org/officeDocument/2006/relationships" xmlns:p="http://schemas.openxmlformats.org/presentationml/2006/main">
+  <p:cSld>
+    <p:spTree>
+      <p:nvGrpSpPr>
+        <p:cNvPr id="1" name=""/>
+        <p:cNvGrpSpPr/>
+        <p:nvPr/>
+      </p:nvGrpSpPr>
+      <p:grpSpPr>
+        <a:xfrm>
+          <a:off x="0" y="0"/>
+          <a:ext cx="0" cy="0"/>
+          <a:chOff x="0" y="0"/>
+          <a:chExt cx="0" cy="0"/>
+        </a:xfrm>
+      </p:grpSpPr>
+      <p:sp>
+        <p:nvSpPr>
+          <p:cNvPr id="2" name="Title 1"/>
+          <p:cNvSpPr>
+            <a:spLocks noGrp="1"/>
+          </p:cNvSpPr>
+          <p:nvPr>
+            <p:ph type="title"/>
+          </p:nvPr>
+        </p:nvSpPr>
         <p:spPr/>
         <p:txBody>
           <a:bodyPr>
@@ -3988,7 +4495,7 @@
 </p:sld>
 </file>
 
-<file path=ppt/slides/slide13.xml><?xml version="1.0" encoding="utf-8"?>
+<file path=ppt/slides/slide17.xml><?xml version="1.0" encoding="utf-8"?>
 <p:sld xmlns:a="http://schemas.openxmlformats.org/drawingml/2006/main" xmlns:r="http://schemas.openxmlformats.org/officeDocument/2006/relationships" xmlns:p="http://schemas.openxmlformats.org/presentationml/2006/main">
   <p:cSld>
     <p:spTree>
@@ -4406,7 +4913,7 @@
 </p:sld>
 </file>
 
-<file path=ppt/slides/slide14.xml><?xml version="1.0" encoding="utf-8"?>
+<file path=ppt/slides/slide18.xml><?xml version="1.0" encoding="utf-8"?>
 <p:sld xmlns:a="http://schemas.openxmlformats.org/drawingml/2006/main" xmlns:r="http://schemas.openxmlformats.org/officeDocument/2006/relationships" xmlns:p="http://schemas.openxmlformats.org/presentationml/2006/main">
   <p:cSld>
     <p:spTree>
@@ -4594,7 +5101,7 @@
 </p:sld>
 </file>
 
-<file path=ppt/slides/slide15.xml><?xml version="1.0" encoding="utf-8"?>
+<file path=ppt/slides/slide19.xml><?xml version="1.0" encoding="utf-8"?>
 <p:sld xmlns:a="http://schemas.openxmlformats.org/drawingml/2006/main" xmlns:r="http://schemas.openxmlformats.org/officeDocument/2006/relationships" xmlns:p="http://schemas.openxmlformats.org/presentationml/2006/main">
   <p:cSld>
     <p:spTree>
@@ -4739,7 +5246,115 @@
 </p:sld>
 </file>
 
-<file path=ppt/slides/slide16.xml><?xml version="1.0" encoding="utf-8"?>
+<file path=ppt/slides/slide2.xml><?xml version="1.0" encoding="utf-8"?>
+<p:sld xmlns:a="http://schemas.openxmlformats.org/drawingml/2006/main" xmlns:r="http://schemas.openxmlformats.org/officeDocument/2006/relationships" xmlns:p="http://schemas.openxmlformats.org/presentationml/2006/main">
+  <p:cSld>
+    <p:spTree>
+      <p:nvGrpSpPr>
+        <p:cNvPr id="1" name=""/>
+        <p:cNvGrpSpPr/>
+        <p:nvPr/>
+      </p:nvGrpSpPr>
+      <p:grpSpPr>
+        <a:xfrm>
+          <a:off x="0" y="0"/>
+          <a:ext cx="0" cy="0"/>
+          <a:chOff x="0" y="0"/>
+          <a:chExt cx="0" cy="0"/>
+        </a:xfrm>
+      </p:grpSpPr>
+      <p:sp>
+        <p:nvSpPr>
+          <p:cNvPr id="2" name="Title 1"/>
+          <p:cNvSpPr>
+            <a:spLocks noGrp="1"/>
+          </p:cNvSpPr>
+          <p:nvPr>
+            <p:ph type="title"/>
+          </p:nvPr>
+        </p:nvSpPr>
+        <p:spPr/>
+        <p:txBody>
+          <a:bodyPr/>
+          <a:lstStyle/>
+          <a:p>
+            <a:r>
+              <a:rPr lang="en-US" dirty="0" smtClean="0"/>
+              <a:t>DAY 2</a:t>
+            </a:r>
+            <a:endParaRPr lang="en-US" dirty="0"/>
+          </a:p>
+        </p:txBody>
+      </p:sp>
+      <p:sp>
+        <p:nvSpPr>
+          <p:cNvPr id="3" name="Content Placeholder 2"/>
+          <p:cNvSpPr>
+            <a:spLocks noGrp="1"/>
+          </p:cNvSpPr>
+          <p:nvPr>
+            <p:ph idx="1"/>
+          </p:nvPr>
+        </p:nvSpPr>
+        <p:spPr/>
+        <p:txBody>
+          <a:bodyPr>
+            <a:normAutofit/>
+          </a:bodyPr>
+          <a:lstStyle/>
+          <a:p>
+            <a:r>
+              <a:rPr lang="en-US" dirty="0" smtClean="0"/>
+              <a:t>Basic SQL Statements</a:t>
+            </a:r>
+          </a:p>
+          <a:p>
+            <a:r>
+              <a:rPr lang="en-US" dirty="0" smtClean="0"/>
+              <a:t>SELECT</a:t>
+            </a:r>
+          </a:p>
+          <a:p>
+            <a:r>
+              <a:rPr lang="en-US" dirty="0" smtClean="0"/>
+              <a:t>JOINS</a:t>
+            </a:r>
+          </a:p>
+          <a:p>
+            <a:r>
+              <a:rPr lang="en-US" dirty="0" smtClean="0"/>
+              <a:t>GROUP BY</a:t>
+            </a:r>
+          </a:p>
+          <a:p>
+            <a:r>
+              <a:rPr lang="en-US" dirty="0" smtClean="0"/>
+              <a:t>HAVING</a:t>
+            </a:r>
+          </a:p>
+        </p:txBody>
+      </p:sp>
+    </p:spTree>
+    <p:extLst>
+      <p:ext uri="{BB962C8B-B14F-4D97-AF65-F5344CB8AC3E}">
+        <p14:creationId xmlns:p14="http://schemas.microsoft.com/office/powerpoint/2010/main" val="2450392823"/>
+      </p:ext>
+    </p:extLst>
+  </p:cSld>
+  <p:clrMapOvr>
+    <a:masterClrMapping/>
+  </p:clrMapOvr>
+  <p:timing>
+    <p:tnLst>
+      <p:par>
+        <p:cTn id="1" dur="indefinite" restart="never" nodeType="tmRoot"/>
+      </p:par>
+    </p:tnLst>
+  </p:timing>
+</p:sld>
+</file>
+
+<file path=ppt/slides/slide20.xml><?xml version="1.0" encoding="utf-8"?>
 <p:sld xmlns:a="http://schemas.openxmlformats.org/drawingml/2006/main" xmlns:r="http://schemas.openxmlformats.org/officeDocument/2006/relationships" xmlns:p="http://schemas.openxmlformats.org/presentationml/2006/main">
   <p:cSld>
     <p:spTree>
@@ -4945,7 +5560,7 @@
 </p:sld>
 </file>
 
-<file path=ppt/slides/slide17.xml><?xml version="1.0" encoding="utf-8"?>
+<file path=ppt/slides/slide21.xml><?xml version="1.0" encoding="utf-8"?>
 <p:sld xmlns:a="http://schemas.openxmlformats.org/drawingml/2006/main" xmlns:r="http://schemas.openxmlformats.org/officeDocument/2006/relationships" xmlns:p="http://schemas.openxmlformats.org/presentationml/2006/main">
   <p:cSld>
     <p:spTree>
@@ -5073,7 +5688,7 @@
 </p:sld>
 </file>
 
-<file path=ppt/slides/slide18.xml><?xml version="1.0" encoding="utf-8"?>
+<file path=ppt/slides/slide22.xml><?xml version="1.0" encoding="utf-8"?>
 <p:sld xmlns:a="http://schemas.openxmlformats.org/drawingml/2006/main" xmlns:r="http://schemas.openxmlformats.org/officeDocument/2006/relationships" xmlns:p="http://schemas.openxmlformats.org/presentationml/2006/main">
   <p:cSld>
     <p:spTree>
@@ -5187,7 +5802,7 @@
 </p:sld>
 </file>
 
-<file path=ppt/slides/slide19.xml><?xml version="1.0" encoding="utf-8"?>
+<file path=ppt/slides/slide23.xml><?xml version="1.0" encoding="utf-8"?>
 <p:sld xmlns:a="http://schemas.openxmlformats.org/drawingml/2006/main" xmlns:r="http://schemas.openxmlformats.org/officeDocument/2006/relationships" xmlns:p="http://schemas.openxmlformats.org/presentationml/2006/main">
   <p:cSld>
     <p:spTree>
@@ -5477,115 +6092,7 @@
 </p:sld>
 </file>
 
-<file path=ppt/slides/slide2.xml><?xml version="1.0" encoding="utf-8"?>
-<p:sld xmlns:a="http://schemas.openxmlformats.org/drawingml/2006/main" xmlns:r="http://schemas.openxmlformats.org/officeDocument/2006/relationships" xmlns:p="http://schemas.openxmlformats.org/presentationml/2006/main">
-  <p:cSld>
-    <p:spTree>
-      <p:nvGrpSpPr>
-        <p:cNvPr id="1" name=""/>
-        <p:cNvGrpSpPr/>
-        <p:nvPr/>
-      </p:nvGrpSpPr>
-      <p:grpSpPr>
-        <a:xfrm>
-          <a:off x="0" y="0"/>
-          <a:ext cx="0" cy="0"/>
-          <a:chOff x="0" y="0"/>
-          <a:chExt cx="0" cy="0"/>
-        </a:xfrm>
-      </p:grpSpPr>
-      <p:sp>
-        <p:nvSpPr>
-          <p:cNvPr id="2" name="Title 1"/>
-          <p:cNvSpPr>
-            <a:spLocks noGrp="1"/>
-          </p:cNvSpPr>
-          <p:nvPr>
-            <p:ph type="title"/>
-          </p:nvPr>
-        </p:nvSpPr>
-        <p:spPr/>
-        <p:txBody>
-          <a:bodyPr/>
-          <a:lstStyle/>
-          <a:p>
-            <a:r>
-              <a:rPr lang="en-US" dirty="0" smtClean="0"/>
-              <a:t>DAY 2</a:t>
-            </a:r>
-            <a:endParaRPr lang="en-US" dirty="0"/>
-          </a:p>
-        </p:txBody>
-      </p:sp>
-      <p:sp>
-        <p:nvSpPr>
-          <p:cNvPr id="3" name="Content Placeholder 2"/>
-          <p:cNvSpPr>
-            <a:spLocks noGrp="1"/>
-          </p:cNvSpPr>
-          <p:nvPr>
-            <p:ph idx="1"/>
-          </p:nvPr>
-        </p:nvSpPr>
-        <p:spPr/>
-        <p:txBody>
-          <a:bodyPr>
-            <a:normAutofit/>
-          </a:bodyPr>
-          <a:lstStyle/>
-          <a:p>
-            <a:r>
-              <a:rPr lang="en-US" dirty="0" smtClean="0"/>
-              <a:t>Basic SQL Statements</a:t>
-            </a:r>
-          </a:p>
-          <a:p>
-            <a:r>
-              <a:rPr lang="en-US" dirty="0" smtClean="0"/>
-              <a:t>SELECT</a:t>
-            </a:r>
-          </a:p>
-          <a:p>
-            <a:r>
-              <a:rPr lang="en-US" dirty="0" smtClean="0"/>
-              <a:t>JOINS</a:t>
-            </a:r>
-          </a:p>
-          <a:p>
-            <a:r>
-              <a:rPr lang="en-US" dirty="0" smtClean="0"/>
-              <a:t>GROUP BY</a:t>
-            </a:r>
-          </a:p>
-          <a:p>
-            <a:r>
-              <a:rPr lang="en-US" dirty="0" smtClean="0"/>
-              <a:t>HAVING</a:t>
-            </a:r>
-          </a:p>
-        </p:txBody>
-      </p:sp>
-    </p:spTree>
-    <p:extLst>
-      <p:ext uri="{BB962C8B-B14F-4D97-AF65-F5344CB8AC3E}">
-        <p14:creationId xmlns:p14="http://schemas.microsoft.com/office/powerpoint/2010/main" val="2450392823"/>
-      </p:ext>
-    </p:extLst>
-  </p:cSld>
-  <p:clrMapOvr>
-    <a:masterClrMapping/>
-  </p:clrMapOvr>
-  <p:timing>
-    <p:tnLst>
-      <p:par>
-        <p:cTn id="1" dur="indefinite" restart="never" nodeType="tmRoot"/>
-      </p:par>
-    </p:tnLst>
-  </p:timing>
-</p:sld>
-</file>
-
-<file path=ppt/slides/slide20.xml><?xml version="1.0" encoding="utf-8"?>
+<file path=ppt/slides/slide24.xml><?xml version="1.0" encoding="utf-8"?>
 <p:sld xmlns:a="http://schemas.openxmlformats.org/drawingml/2006/main" xmlns:r="http://schemas.openxmlformats.org/officeDocument/2006/relationships" xmlns:p="http://schemas.openxmlformats.org/presentationml/2006/main">
   <p:cSld>
     <p:spTree>
@@ -5922,7 +6429,7 @@
 </p:sld>
 </file>
 
-<file path=ppt/slides/slide21.xml><?xml version="1.0" encoding="utf-8"?>
+<file path=ppt/slides/slide25.xml><?xml version="1.0" encoding="utf-8"?>
 <p:sld xmlns:a="http://schemas.openxmlformats.org/drawingml/2006/main" xmlns:r="http://schemas.openxmlformats.org/officeDocument/2006/relationships" xmlns:p="http://schemas.openxmlformats.org/presentationml/2006/main">
   <p:cSld>
     <p:spTree>
@@ -6036,7 +6543,7 @@
 </p:sld>
 </file>
 
-<file path=ppt/slides/slide22.xml><?xml version="1.0" encoding="utf-8"?>
+<file path=ppt/slides/slide26.xml><?xml version="1.0" encoding="utf-8"?>
 <p:sld xmlns:a="http://schemas.openxmlformats.org/drawingml/2006/main" xmlns:r="http://schemas.openxmlformats.org/officeDocument/2006/relationships" xmlns:p="http://schemas.openxmlformats.org/presentationml/2006/main">
   <p:cSld>
     <p:spTree>
@@ -6437,7 +6944,7 @@
 </p:sld>
 </file>
 
-<file path=ppt/slides/slide23.xml><?xml version="1.0" encoding="utf-8"?>
+<file path=ppt/slides/slide27.xml><?xml version="1.0" encoding="utf-8"?>
 <p:sld xmlns:a="http://schemas.openxmlformats.org/drawingml/2006/main" xmlns:r="http://schemas.openxmlformats.org/officeDocument/2006/relationships" xmlns:p="http://schemas.openxmlformats.org/presentationml/2006/main">
   <p:cSld>
     <p:spTree>
@@ -6634,7 +7141,7 @@
 </p:sld>
 </file>
 
-<file path=ppt/slides/slide24.xml><?xml version="1.0" encoding="utf-8"?>
+<file path=ppt/slides/slide28.xml><?xml version="1.0" encoding="utf-8"?>
 <p:sld xmlns:a="http://schemas.openxmlformats.org/drawingml/2006/main" xmlns:r="http://schemas.openxmlformats.org/officeDocument/2006/relationships" xmlns:p="http://schemas.openxmlformats.org/presentationml/2006/main">
   <p:cSld>
     <p:spTree>
@@ -6731,7 +7238,7 @@
 </p:sld>
 </file>
 
-<file path=ppt/slides/slide25.xml><?xml version="1.0" encoding="utf-8"?>
+<file path=ppt/slides/slide29.xml><?xml version="1.0" encoding="utf-8"?>
 <p:sld xmlns:a="http://schemas.openxmlformats.org/drawingml/2006/main" xmlns:r="http://schemas.openxmlformats.org/officeDocument/2006/relationships" xmlns:p="http://schemas.openxmlformats.org/presentationml/2006/main">
   <p:cSld>
     <p:spTree>
@@ -6873,7 +7380,109 @@
 </p:sld>
 </file>
 
-<file path=ppt/slides/slide26.xml><?xml version="1.0" encoding="utf-8"?>
+<file path=ppt/slides/slide3.xml><?xml version="1.0" encoding="utf-8"?>
+<p:sld xmlns:a="http://schemas.openxmlformats.org/drawingml/2006/main" xmlns:r="http://schemas.openxmlformats.org/officeDocument/2006/relationships" xmlns:p="http://schemas.openxmlformats.org/presentationml/2006/main">
+  <p:cSld>
+    <p:spTree>
+      <p:nvGrpSpPr>
+        <p:cNvPr id="1" name=""/>
+        <p:cNvGrpSpPr/>
+        <p:nvPr/>
+      </p:nvGrpSpPr>
+      <p:grpSpPr>
+        <a:xfrm>
+          <a:off x="0" y="0"/>
+          <a:ext cx="0" cy="0"/>
+          <a:chOff x="0" y="0"/>
+          <a:chExt cx="0" cy="0"/>
+        </a:xfrm>
+      </p:grpSpPr>
+      <p:sp>
+        <p:nvSpPr>
+          <p:cNvPr id="2" name="Title 1"/>
+          <p:cNvSpPr>
+            <a:spLocks noGrp="1"/>
+          </p:cNvSpPr>
+          <p:nvPr>
+            <p:ph type="title"/>
+          </p:nvPr>
+        </p:nvSpPr>
+        <p:spPr>
+          <a:xfrm>
+            <a:off x="381000" y="609600"/>
+            <a:ext cx="8229600" cy="5334000"/>
+          </a:xfrm>
+        </p:spPr>
+        <p:txBody>
+          <a:bodyPr>
+            <a:normAutofit fontScale="90000"/>
+          </a:bodyPr>
+          <a:lstStyle/>
+          <a:p>
+            <a:r>
+              <a:rPr lang="en-US" b="1" cap="all" dirty="0" err="1"/>
+              <a:t>Git</a:t>
+            </a:r>
+            <a:r>
+              <a:rPr lang="en-US" b="1" cap="all" dirty="0"/>
+              <a:t> Hub Exercise:  Syncing your Local Fork with the Instructor’s new files.</a:t>
+            </a:r>
+            <a:br>
+              <a:rPr lang="en-US" b="1" cap="all" dirty="0"/>
+            </a:br>
+            <a:r>
+              <a:rPr lang="en-US" dirty="0"/>
+              <a:t>In this exercise we will </a:t>
+            </a:r>
+            <a:r>
+              <a:rPr lang="en-US" dirty="0" smtClean="0"/>
+              <a:t>sync </a:t>
+            </a:r>
+            <a:r>
+              <a:rPr lang="en-US" dirty="0"/>
+              <a:t>your </a:t>
+            </a:r>
+            <a:r>
+              <a:rPr lang="en-US" dirty="0" smtClean="0"/>
+              <a:t>local fork </a:t>
+            </a:r>
+            <a:r>
+              <a:rPr lang="en-US" dirty="0"/>
+              <a:t>to the changes made in the instructor’s </a:t>
+            </a:r>
+            <a:r>
+              <a:rPr lang="en-US" b="1" dirty="0" err="1"/>
+              <a:t>chscodecamp</a:t>
+            </a:r>
+            <a:r>
+              <a:rPr lang="en-US" b="1" dirty="0"/>
+              <a:t>/mysql101</a:t>
+            </a:r>
+            <a:r>
+              <a:rPr lang="en-US" dirty="0"/>
+              <a:t> repository’s master branch. </a:t>
+            </a:r>
+            <a:br>
+              <a:rPr lang="en-US" dirty="0"/>
+            </a:br>
+            <a:endParaRPr lang="en-US" dirty="0"/>
+          </a:p>
+        </p:txBody>
+      </p:sp>
+    </p:spTree>
+    <p:extLst>
+      <p:ext uri="{BB962C8B-B14F-4D97-AF65-F5344CB8AC3E}">
+        <p14:creationId xmlns:p14="http://schemas.microsoft.com/office/powerpoint/2010/main" val="888633604"/>
+      </p:ext>
+    </p:extLst>
+  </p:cSld>
+  <p:clrMapOvr>
+    <a:masterClrMapping/>
+  </p:clrMapOvr>
+</p:sld>
+</file>
+
+<file path=ppt/slides/slide30.xml><?xml version="1.0" encoding="utf-8"?>
 <p:sld xmlns:a="http://schemas.openxmlformats.org/drawingml/2006/main" xmlns:r="http://schemas.openxmlformats.org/officeDocument/2006/relationships" xmlns:p="http://schemas.openxmlformats.org/presentationml/2006/main">
   <p:cSld>
     <p:spTree>
@@ -7098,647 +7707,6 @@
 </p:sld>
 </file>
 
-<file path=ppt/slides/slide27.xml><?xml version="1.0" encoding="utf-8"?>
-<p:sld xmlns:a="http://schemas.openxmlformats.org/drawingml/2006/main" xmlns:r="http://schemas.openxmlformats.org/officeDocument/2006/relationships" xmlns:p="http://schemas.openxmlformats.org/presentationml/2006/main">
-  <p:cSld>
-    <p:spTree>
-      <p:nvGrpSpPr>
-        <p:cNvPr id="1" name=""/>
-        <p:cNvGrpSpPr/>
-        <p:nvPr/>
-      </p:nvGrpSpPr>
-      <p:grpSpPr>
-        <a:xfrm>
-          <a:off x="0" y="0"/>
-          <a:ext cx="0" cy="0"/>
-          <a:chOff x="0" y="0"/>
-          <a:chExt cx="0" cy="0"/>
-        </a:xfrm>
-      </p:grpSpPr>
-      <p:sp>
-        <p:nvSpPr>
-          <p:cNvPr id="2" name="Title 1"/>
-          <p:cNvSpPr>
-            <a:spLocks noGrp="1"/>
-          </p:cNvSpPr>
-          <p:nvPr>
-            <p:ph type="title"/>
-          </p:nvPr>
-        </p:nvSpPr>
-        <p:spPr/>
-        <p:txBody>
-          <a:bodyPr/>
-          <a:lstStyle/>
-          <a:p>
-            <a:r>
-              <a:rPr lang="en-US" dirty="0" smtClean="0"/>
-              <a:t>HOMEWORK</a:t>
-            </a:r>
-            <a:endParaRPr lang="en-US" dirty="0"/>
-          </a:p>
-        </p:txBody>
-      </p:sp>
-      <p:sp>
-        <p:nvSpPr>
-          <p:cNvPr id="3" name="Content Placeholder 2"/>
-          <p:cNvSpPr>
-            <a:spLocks noGrp="1"/>
-          </p:cNvSpPr>
-          <p:nvPr>
-            <p:ph idx="1"/>
-          </p:nvPr>
-        </p:nvSpPr>
-        <p:spPr/>
-        <p:txBody>
-          <a:bodyPr>
-            <a:normAutofit fontScale="92500" lnSpcReduction="10000"/>
-          </a:bodyPr>
-          <a:lstStyle/>
-          <a:p>
-            <a:r>
-              <a:rPr lang="en-US" dirty="0" smtClean="0"/>
-              <a:t>Any remaining exercises or homework for Day 2.</a:t>
-            </a:r>
-          </a:p>
-          <a:p>
-            <a:r>
-              <a:rPr lang="en-US" dirty="0" smtClean="0"/>
-              <a:t>You will need to clone your fork to your home machine.</a:t>
-            </a:r>
-          </a:p>
-          <a:p>
-            <a:r>
-              <a:rPr lang="en-US" dirty="0" smtClean="0"/>
-              <a:t>Create a new folder.</a:t>
-            </a:r>
-          </a:p>
-          <a:p>
-            <a:r>
-              <a:rPr lang="en-US" dirty="0" smtClean="0"/>
-              <a:t>Put folder and files within “SQL Scripts” folder within your local repo.</a:t>
-            </a:r>
-          </a:p>
-          <a:p>
-            <a:r>
-              <a:rPr lang="en-US" dirty="0" smtClean="0"/>
-              <a:t>Commit your local changes to your fork up to GitHub.com</a:t>
-            </a:r>
-          </a:p>
-          <a:p>
-            <a:r>
-              <a:rPr lang="en-US" dirty="0" smtClean="0"/>
-              <a:t>Submit </a:t>
-            </a:r>
-            <a:r>
-              <a:rPr lang="en-US" dirty="0" smtClean="0"/>
-              <a:t>a pull </a:t>
-            </a:r>
-            <a:r>
-              <a:rPr lang="en-US" dirty="0" smtClean="0"/>
-              <a:t>request</a:t>
-            </a:r>
-            <a:endParaRPr lang="en-US" dirty="0" smtClean="0"/>
-          </a:p>
-        </p:txBody>
-      </p:sp>
-    </p:spTree>
-    <p:extLst>
-      <p:ext uri="{BB962C8B-B14F-4D97-AF65-F5344CB8AC3E}">
-        <p14:creationId xmlns:p14="http://schemas.microsoft.com/office/powerpoint/2010/main" val="223303197"/>
-      </p:ext>
-    </p:extLst>
-  </p:cSld>
-  <p:clrMapOvr>
-    <a:masterClrMapping/>
-  </p:clrMapOvr>
-  <p:timing>
-    <p:tnLst>
-      <p:par>
-        <p:cTn id="1" dur="indefinite" restart="never" nodeType="tmRoot"/>
-      </p:par>
-    </p:tnLst>
-  </p:timing>
-</p:sld>
-</file>
-
-<file path=ppt/slides/slide28.xml><?xml version="1.0" encoding="utf-8"?>
-<p:sld xmlns:a="http://schemas.openxmlformats.org/drawingml/2006/main" xmlns:r="http://schemas.openxmlformats.org/officeDocument/2006/relationships" xmlns:p="http://schemas.openxmlformats.org/presentationml/2006/main">
-  <p:cSld>
-    <p:spTree>
-      <p:nvGrpSpPr>
-        <p:cNvPr id="1" name=""/>
-        <p:cNvGrpSpPr/>
-        <p:nvPr/>
-      </p:nvGrpSpPr>
-      <p:grpSpPr>
-        <a:xfrm>
-          <a:off x="0" y="0"/>
-          <a:ext cx="0" cy="0"/>
-          <a:chOff x="0" y="0"/>
-          <a:chExt cx="0" cy="0"/>
-        </a:xfrm>
-      </p:grpSpPr>
-      <p:sp>
-        <p:nvSpPr>
-          <p:cNvPr id="2" name="Title 1"/>
-          <p:cNvSpPr>
-            <a:spLocks noGrp="1"/>
-          </p:cNvSpPr>
-          <p:nvPr>
-            <p:ph type="title"/>
-          </p:nvPr>
-        </p:nvSpPr>
-        <p:spPr/>
-        <p:txBody>
-          <a:bodyPr/>
-          <a:lstStyle/>
-          <a:p>
-            <a:r>
-              <a:rPr lang="en-US" dirty="0" smtClean="0"/>
-              <a:t>DAY 3</a:t>
-            </a:r>
-            <a:endParaRPr lang="en-US" dirty="0"/>
-          </a:p>
-        </p:txBody>
-      </p:sp>
-      <p:sp>
-        <p:nvSpPr>
-          <p:cNvPr id="3" name="Content Placeholder 2"/>
-          <p:cNvSpPr>
-            <a:spLocks noGrp="1"/>
-          </p:cNvSpPr>
-          <p:nvPr>
-            <p:ph idx="1"/>
-          </p:nvPr>
-        </p:nvSpPr>
-        <p:spPr/>
-        <p:txBody>
-          <a:bodyPr>
-            <a:normAutofit/>
-          </a:bodyPr>
-          <a:lstStyle/>
-          <a:p>
-            <a:r>
-              <a:rPr lang="en-US" dirty="0" smtClean="0"/>
-              <a:t>INSERT</a:t>
-            </a:r>
-          </a:p>
-          <a:p>
-            <a:r>
-              <a:rPr lang="en-US" dirty="0" smtClean="0"/>
-              <a:t>DELETE</a:t>
-            </a:r>
-          </a:p>
-          <a:p>
-            <a:r>
-              <a:rPr lang="en-US" dirty="0" smtClean="0"/>
-              <a:t>UPDATE</a:t>
-            </a:r>
-          </a:p>
-          <a:p>
-            <a:r>
-              <a:rPr lang="en-US" dirty="0" smtClean="0"/>
-              <a:t>VIEWS</a:t>
-            </a:r>
-          </a:p>
-          <a:p>
-            <a:r>
-              <a:rPr lang="en-US" dirty="0" smtClean="0"/>
-              <a:t>DISTINCT ROWS</a:t>
-            </a:r>
-          </a:p>
-          <a:p>
-            <a:r>
-              <a:rPr lang="en-US" dirty="0" smtClean="0"/>
-              <a:t>COLUMN ALIASES</a:t>
-            </a:r>
-          </a:p>
-          <a:p>
-            <a:r>
-              <a:rPr lang="en-US" dirty="0" smtClean="0"/>
-              <a:t>OPERATORS AND FUNCTIONS</a:t>
-            </a:r>
-            <a:endParaRPr lang="en-US" dirty="0"/>
-          </a:p>
-        </p:txBody>
-      </p:sp>
-    </p:spTree>
-    <p:extLst>
-      <p:ext uri="{BB962C8B-B14F-4D97-AF65-F5344CB8AC3E}">
-        <p14:creationId xmlns:p14="http://schemas.microsoft.com/office/powerpoint/2010/main" val="2134087041"/>
-      </p:ext>
-    </p:extLst>
-  </p:cSld>
-  <p:clrMapOvr>
-    <a:masterClrMapping/>
-  </p:clrMapOvr>
-  <p:timing>
-    <p:tnLst>
-      <p:par>
-        <p:cTn id="1" dur="indefinite" restart="never" nodeType="tmRoot"/>
-      </p:par>
-    </p:tnLst>
-  </p:timing>
-</p:sld>
-</file>
-
-<file path=ppt/slides/slide29.xml><?xml version="1.0" encoding="utf-8"?>
-<p:sld xmlns:a="http://schemas.openxmlformats.org/drawingml/2006/main" xmlns:r="http://schemas.openxmlformats.org/officeDocument/2006/relationships" xmlns:p="http://schemas.openxmlformats.org/presentationml/2006/main">
-  <p:cSld>
-    <p:spTree>
-      <p:nvGrpSpPr>
-        <p:cNvPr id="1" name=""/>
-        <p:cNvGrpSpPr/>
-        <p:nvPr/>
-      </p:nvGrpSpPr>
-      <p:grpSpPr>
-        <a:xfrm>
-          <a:off x="0" y="0"/>
-          <a:ext cx="0" cy="0"/>
-          <a:chOff x="0" y="0"/>
-          <a:chExt cx="0" cy="0"/>
-        </a:xfrm>
-      </p:grpSpPr>
-      <p:sp>
-        <p:nvSpPr>
-          <p:cNvPr id="2" name="Title 1"/>
-          <p:cNvSpPr>
-            <a:spLocks noGrp="1"/>
-          </p:cNvSpPr>
-          <p:nvPr>
-            <p:ph type="title"/>
-          </p:nvPr>
-        </p:nvSpPr>
-        <p:spPr/>
-        <p:txBody>
-          <a:bodyPr/>
-          <a:lstStyle/>
-          <a:p>
-            <a:r>
-              <a:rPr lang="en-US" dirty="0" smtClean="0"/>
-              <a:t>INSERT INTO</a:t>
-            </a:r>
-            <a:endParaRPr lang="en-US" dirty="0"/>
-          </a:p>
-        </p:txBody>
-      </p:sp>
-      <p:sp>
-        <p:nvSpPr>
-          <p:cNvPr id="3" name="Content Placeholder 2"/>
-          <p:cNvSpPr>
-            <a:spLocks noGrp="1"/>
-          </p:cNvSpPr>
-          <p:nvPr>
-            <p:ph idx="1"/>
-          </p:nvPr>
-        </p:nvSpPr>
-        <p:spPr/>
-        <p:txBody>
-          <a:bodyPr/>
-          <a:lstStyle/>
-          <a:p>
-            <a:r>
-              <a:rPr lang="en-US" b="1" dirty="0"/>
-              <a:t>INSERT INTO </a:t>
-            </a:r>
-            <a:r>
-              <a:rPr lang="en-US" b="1" dirty="0" err="1"/>
-              <a:t>tablename</a:t>
-            </a:r>
-            <a:r>
-              <a:rPr lang="en-US" b="1" dirty="0"/>
-              <a:t> (Col1, Col2, Col3, ...) VALUES (Value1, Value2, Value3, </a:t>
-            </a:r>
-            <a:r>
-              <a:rPr lang="en-US" b="1" dirty="0" smtClean="0"/>
-              <a:t>…)</a:t>
-            </a:r>
-          </a:p>
-          <a:p>
-            <a:r>
-              <a:rPr lang="en-US" dirty="0"/>
-              <a:t>The order of the values should correspond to the column names.</a:t>
-            </a:r>
-          </a:p>
-        </p:txBody>
-      </p:sp>
-    </p:spTree>
-    <p:extLst>
-      <p:ext uri="{BB962C8B-B14F-4D97-AF65-F5344CB8AC3E}">
-        <p14:creationId xmlns:p14="http://schemas.microsoft.com/office/powerpoint/2010/main" val="3325655844"/>
-      </p:ext>
-    </p:extLst>
-  </p:cSld>
-  <p:clrMapOvr>
-    <a:masterClrMapping/>
-  </p:clrMapOvr>
-  <p:timing>
-    <p:tnLst>
-      <p:par>
-        <p:cTn id="1" dur="indefinite" restart="never" nodeType="tmRoot"/>
-      </p:par>
-    </p:tnLst>
-  </p:timing>
-</p:sld>
-</file>
-
-<file path=ppt/slides/slide3.xml><?xml version="1.0" encoding="utf-8"?>
-<p:sld xmlns:a="http://schemas.openxmlformats.org/drawingml/2006/main" xmlns:r="http://schemas.openxmlformats.org/officeDocument/2006/relationships" xmlns:p="http://schemas.openxmlformats.org/presentationml/2006/main">
-  <p:cSld>
-    <p:spTree>
-      <p:nvGrpSpPr>
-        <p:cNvPr id="1" name=""/>
-        <p:cNvGrpSpPr/>
-        <p:nvPr/>
-      </p:nvGrpSpPr>
-      <p:grpSpPr>
-        <a:xfrm>
-          <a:off x="0" y="0"/>
-          <a:ext cx="0" cy="0"/>
-          <a:chOff x="0" y="0"/>
-          <a:chExt cx="0" cy="0"/>
-        </a:xfrm>
-      </p:grpSpPr>
-      <p:sp>
-        <p:nvSpPr>
-          <p:cNvPr id="2" name="Title 1"/>
-          <p:cNvSpPr>
-            <a:spLocks noGrp="1"/>
-          </p:cNvSpPr>
-          <p:nvPr>
-            <p:ph type="title"/>
-          </p:nvPr>
-        </p:nvSpPr>
-        <p:spPr>
-          <a:xfrm>
-            <a:off x="381000" y="609600"/>
-            <a:ext cx="8229600" cy="5334000"/>
-          </a:xfrm>
-        </p:spPr>
-        <p:txBody>
-          <a:bodyPr>
-            <a:normAutofit fontScale="90000"/>
-          </a:bodyPr>
-          <a:lstStyle/>
-          <a:p>
-            <a:r>
-              <a:rPr lang="en-US" b="1" cap="all" dirty="0" err="1"/>
-              <a:t>Git</a:t>
-            </a:r>
-            <a:r>
-              <a:rPr lang="en-US" b="1" cap="all" dirty="0"/>
-              <a:t> Hub Exercise:  Syncing your Local Fork with the Instructor’s new files.</a:t>
-            </a:r>
-            <a:br>
-              <a:rPr lang="en-US" b="1" cap="all" dirty="0"/>
-            </a:br>
-            <a:r>
-              <a:rPr lang="en-US" dirty="0"/>
-              <a:t>In this exercise we will </a:t>
-            </a:r>
-            <a:r>
-              <a:rPr lang="en-US" dirty="0" smtClean="0"/>
-              <a:t>sync </a:t>
-            </a:r>
-            <a:r>
-              <a:rPr lang="en-US" dirty="0"/>
-              <a:t>your Fork to the changes made in the instructor’s </a:t>
-            </a:r>
-            <a:r>
-              <a:rPr lang="en-US" b="1" dirty="0" err="1"/>
-              <a:t>chscodecamp</a:t>
-            </a:r>
-            <a:r>
-              <a:rPr lang="en-US" b="1" dirty="0"/>
-              <a:t>/mysql101</a:t>
-            </a:r>
-            <a:r>
-              <a:rPr lang="en-US" dirty="0"/>
-              <a:t> repository’s master branch. </a:t>
-            </a:r>
-            <a:br>
-              <a:rPr lang="en-US" dirty="0"/>
-            </a:br>
-            <a:endParaRPr lang="en-US" dirty="0"/>
-          </a:p>
-        </p:txBody>
-      </p:sp>
-    </p:spTree>
-    <p:extLst>
-      <p:ext uri="{BB962C8B-B14F-4D97-AF65-F5344CB8AC3E}">
-        <p14:creationId xmlns:p14="http://schemas.microsoft.com/office/powerpoint/2010/main" val="888633604"/>
-      </p:ext>
-    </p:extLst>
-  </p:cSld>
-  <p:clrMapOvr>
-    <a:masterClrMapping/>
-  </p:clrMapOvr>
-</p:sld>
-</file>
-
-<file path=ppt/slides/slide30.xml><?xml version="1.0" encoding="utf-8"?>
-<p:sld xmlns:a="http://schemas.openxmlformats.org/drawingml/2006/main" xmlns:r="http://schemas.openxmlformats.org/officeDocument/2006/relationships" xmlns:p="http://schemas.openxmlformats.org/presentationml/2006/main">
-  <p:cSld>
-    <p:spTree>
-      <p:nvGrpSpPr>
-        <p:cNvPr id="1" name=""/>
-        <p:cNvGrpSpPr/>
-        <p:nvPr/>
-      </p:nvGrpSpPr>
-      <p:grpSpPr>
-        <a:xfrm>
-          <a:off x="0" y="0"/>
-          <a:ext cx="0" cy="0"/>
-          <a:chOff x="0" y="0"/>
-          <a:chExt cx="0" cy="0"/>
-        </a:xfrm>
-      </p:grpSpPr>
-      <p:sp>
-        <p:nvSpPr>
-          <p:cNvPr id="2" name="Title 1"/>
-          <p:cNvSpPr>
-            <a:spLocks noGrp="1"/>
-          </p:cNvSpPr>
-          <p:nvPr>
-            <p:ph type="title"/>
-          </p:nvPr>
-        </p:nvSpPr>
-        <p:spPr>
-          <a:xfrm>
-            <a:off x="457200" y="457200"/>
-            <a:ext cx="8229600" cy="1143000"/>
-          </a:xfrm>
-        </p:spPr>
-        <p:txBody>
-          <a:bodyPr>
-            <a:normAutofit fontScale="90000"/>
-          </a:bodyPr>
-          <a:lstStyle/>
-          <a:p>
-            <a:r>
-              <a:rPr lang="en-US" cap="all" dirty="0"/>
-              <a:t>INSERT Statements Add Rows to a Table</a:t>
-            </a:r>
-            <a:br>
-              <a:rPr lang="en-US" cap="all" dirty="0"/>
-            </a:br>
-            <a:endParaRPr lang="en-US" dirty="0"/>
-          </a:p>
-        </p:txBody>
-      </p:sp>
-      <p:sp>
-        <p:nvSpPr>
-          <p:cNvPr id="3" name="Content Placeholder 2"/>
-          <p:cNvSpPr>
-            <a:spLocks noGrp="1"/>
-          </p:cNvSpPr>
-          <p:nvPr>
-            <p:ph idx="1"/>
-          </p:nvPr>
-        </p:nvSpPr>
-        <p:spPr>
-          <a:xfrm>
-            <a:off x="457200" y="1371600"/>
-            <a:ext cx="8229600" cy="4525963"/>
-          </a:xfrm>
-        </p:spPr>
-        <p:txBody>
-          <a:bodyPr>
-            <a:normAutofit fontScale="77500" lnSpcReduction="20000"/>
-          </a:bodyPr>
-          <a:lstStyle/>
-          <a:p>
-            <a:r>
-              <a:rPr lang="en-US" dirty="0" smtClean="0"/>
-              <a:t>Use SQL to add rows to a table</a:t>
-            </a:r>
-          </a:p>
-          <a:p>
-            <a:r>
-              <a:rPr lang="en-US" dirty="0" smtClean="0"/>
-              <a:t>INSERT statement </a:t>
-            </a:r>
-          </a:p>
-          <a:p>
-            <a:r>
-              <a:rPr lang="en-US" dirty="0" smtClean="0"/>
-              <a:t>With </a:t>
-            </a:r>
-            <a:r>
-              <a:rPr lang="en-US" dirty="0"/>
-              <a:t>this </a:t>
-            </a:r>
-            <a:r>
-              <a:rPr lang="en-US" dirty="0" smtClean="0"/>
-              <a:t>syntax, values </a:t>
-            </a:r>
-            <a:r>
-              <a:rPr lang="en-US" dirty="0"/>
-              <a:t>must contain a value for each column.  </a:t>
-            </a:r>
-            <a:endParaRPr lang="en-US" dirty="0" smtClean="0"/>
-          </a:p>
-          <a:p>
-            <a:r>
-              <a:rPr lang="en-US" dirty="0"/>
-              <a:t>V</a:t>
-            </a:r>
-            <a:r>
-              <a:rPr lang="en-US" dirty="0" smtClean="0"/>
-              <a:t>alues </a:t>
-            </a:r>
-            <a:r>
-              <a:rPr lang="en-US" dirty="0"/>
-              <a:t>should be in the order in which you created the </a:t>
-            </a:r>
-            <a:r>
-              <a:rPr lang="en-US" dirty="0" smtClean="0"/>
-              <a:t>table:</a:t>
-            </a:r>
-          </a:p>
-          <a:p>
-            <a:endParaRPr lang="en-US" dirty="0"/>
-          </a:p>
-          <a:p>
-            <a:pPr marL="0" indent="0">
-              <a:buNone/>
-            </a:pPr>
-            <a:r>
-              <a:rPr lang="en-US" dirty="0"/>
-              <a:t>INSERT INTO </a:t>
-            </a:r>
-            <a:r>
-              <a:rPr lang="en-US" dirty="0" err="1"/>
-              <a:t>table_name</a:t>
-            </a:r>
-            <a:r>
-              <a:rPr lang="en-US" dirty="0"/>
-              <a:t> VALUES (value1, value2,…);</a:t>
-            </a:r>
-          </a:p>
-          <a:p>
-            <a:pPr marL="0" indent="0">
-              <a:buNone/>
-            </a:pPr>
-            <a:endParaRPr lang="en-US" dirty="0" smtClean="0"/>
-          </a:p>
-          <a:p>
-            <a:pPr marL="0" indent="0">
-              <a:buNone/>
-            </a:pPr>
-            <a:r>
-              <a:rPr lang="en-US" dirty="0" smtClean="0"/>
-              <a:t>An </a:t>
-            </a:r>
-            <a:r>
-              <a:rPr lang="en-US" dirty="0"/>
-              <a:t>example would be:</a:t>
-            </a:r>
-          </a:p>
-          <a:p>
-            <a:pPr marL="0" indent="0">
-              <a:buNone/>
-            </a:pPr>
-            <a:endParaRPr lang="en-US" dirty="0" smtClean="0"/>
-          </a:p>
-          <a:p>
-            <a:pPr marL="0" indent="0">
-              <a:buNone/>
-            </a:pPr>
-            <a:r>
-              <a:rPr lang="en-US" dirty="0" smtClean="0"/>
-              <a:t>INSERT </a:t>
-            </a:r>
-            <a:r>
-              <a:rPr lang="en-US" dirty="0"/>
-              <a:t>INTO Individual Values (’Hendrix’,’Jimi’,’1942-11-27’);</a:t>
-            </a:r>
-          </a:p>
-          <a:p>
-            <a:endParaRPr lang="en-US" dirty="0"/>
-          </a:p>
-        </p:txBody>
-      </p:sp>
-    </p:spTree>
-    <p:extLst>
-      <p:ext uri="{BB962C8B-B14F-4D97-AF65-F5344CB8AC3E}">
-        <p14:creationId xmlns:p14="http://schemas.microsoft.com/office/powerpoint/2010/main" val="1371765716"/>
-      </p:ext>
-    </p:extLst>
-  </p:cSld>
-  <p:clrMapOvr>
-    <a:masterClrMapping/>
-  </p:clrMapOvr>
-  <p:timing>
-    <p:tnLst>
-      <p:par>
-        <p:cTn id="1" dur="indefinite" restart="never" nodeType="tmRoot"/>
-      </p:par>
-    </p:tnLst>
-  </p:timing>
-</p:sld>
-</file>
-
 <file path=ppt/slides/slide31.xml><?xml version="1.0" encoding="utf-8"?>
 <p:sld xmlns:a="http://schemas.openxmlformats.org/drawingml/2006/main" xmlns:r="http://schemas.openxmlformats.org/officeDocument/2006/relationships" xmlns:p="http://schemas.openxmlformats.org/presentationml/2006/main">
   <p:cSld>
@@ -7773,7 +7741,7 @@
           <a:p>
             <a:r>
               <a:rPr lang="en-US" dirty="0" smtClean="0"/>
-              <a:t>Another INSERT Syntax</a:t>
+              <a:t>HOMEWORK</a:t>
             </a:r>
             <a:endParaRPr lang="en-US" dirty="0"/>
           </a:p>
@@ -7791,96 +7759,52 @@
         </p:nvSpPr>
         <p:spPr/>
         <p:txBody>
-          <a:bodyPr/>
-          <a:lstStyle/>
-          <a:p>
-            <a:pPr marL="0" indent="0">
-              <a:buNone/>
-            </a:pPr>
-            <a:r>
-              <a:rPr lang="en-US" dirty="0"/>
-              <a:t>INSERT INTO </a:t>
-            </a:r>
-            <a:r>
-              <a:rPr lang="en-US" dirty="0" err="1"/>
-              <a:t>table_name</a:t>
-            </a:r>
-            <a:r>
-              <a:rPr lang="en-US" dirty="0"/>
-              <a:t> (Column1, Column2, Column3,…) Values (value1, value2, value3,…);</a:t>
-            </a:r>
-          </a:p>
-          <a:p>
-            <a:pPr marL="0" indent="0">
-              <a:buNone/>
-            </a:pPr>
-            <a:endParaRPr lang="en-US" dirty="0" smtClean="0"/>
-          </a:p>
-          <a:p>
-            <a:pPr marL="0" indent="0">
-              <a:buNone/>
-            </a:pPr>
-            <a:r>
-              <a:rPr lang="en-US" dirty="0" smtClean="0"/>
-              <a:t>An </a:t>
-            </a:r>
-            <a:r>
-              <a:rPr lang="en-US" dirty="0"/>
-              <a:t>example would be</a:t>
-            </a:r>
-            <a:r>
-              <a:rPr lang="en-US" dirty="0" smtClean="0"/>
-              <a:t>:</a:t>
-            </a:r>
-          </a:p>
-          <a:p>
-            <a:pPr marL="0" indent="0">
-              <a:buNone/>
-            </a:pPr>
-            <a:endParaRPr lang="en-US" dirty="0"/>
-          </a:p>
-          <a:p>
-            <a:pPr marL="0" indent="0">
-              <a:buNone/>
-            </a:pPr>
-            <a:r>
-              <a:rPr lang="en-US" dirty="0"/>
-              <a:t>INSERT INTO Individual (</a:t>
-            </a:r>
-            <a:r>
-              <a:rPr lang="en-US" dirty="0" err="1"/>
-              <a:t>LastName</a:t>
-            </a:r>
-            <a:r>
-              <a:rPr lang="en-US" dirty="0"/>
-              <a:t>, </a:t>
-            </a:r>
-            <a:r>
-              <a:rPr lang="en-US" dirty="0" err="1"/>
-              <a:t>FirstName</a:t>
-            </a:r>
-            <a:r>
-              <a:rPr lang="en-US" dirty="0"/>
-              <a:t>, </a:t>
-            </a:r>
-            <a:r>
-              <a:rPr lang="en-US" dirty="0" err="1"/>
-              <a:t>BirthDate</a:t>
-            </a:r>
-            <a:r>
-              <a:rPr lang="en-US" dirty="0"/>
-              <a:t>) VALUES (‘Jagger’, ‘Mick’, ‘1943-07-26’);</a:t>
-            </a:r>
-          </a:p>
-          <a:p>
-            <a:endParaRPr lang="en-US" dirty="0"/>
+          <a:bodyPr>
+            <a:normAutofit fontScale="92500" lnSpcReduction="10000"/>
+          </a:bodyPr>
+          <a:lstStyle/>
+          <a:p>
+            <a:r>
+              <a:rPr lang="en-US" dirty="0" smtClean="0"/>
+              <a:t>Any remaining exercises or homework for Day 2.</a:t>
+            </a:r>
+          </a:p>
+          <a:p>
+            <a:r>
+              <a:rPr lang="en-US" dirty="0" smtClean="0"/>
+              <a:t>You will need to clone your fork to your home machine.</a:t>
+            </a:r>
+          </a:p>
+          <a:p>
+            <a:r>
+              <a:rPr lang="en-US" dirty="0" smtClean="0"/>
+              <a:t>Create a new folder.</a:t>
+            </a:r>
+          </a:p>
+          <a:p>
+            <a:r>
+              <a:rPr lang="en-US" dirty="0" smtClean="0"/>
+              <a:t>Put folder and files within “SQL Scripts” folder within your local repo.</a:t>
+            </a:r>
+          </a:p>
+          <a:p>
+            <a:r>
+              <a:rPr lang="en-US" dirty="0" smtClean="0"/>
+              <a:t>Commit your local changes to your fork up to GitHub.com</a:t>
+            </a:r>
+          </a:p>
+          <a:p>
+            <a:r>
+              <a:rPr lang="en-US" dirty="0" smtClean="0"/>
+              <a:t>Submit a pull request</a:t>
+            </a:r>
           </a:p>
         </p:txBody>
       </p:sp>
     </p:spTree>
     <p:extLst>
       <p:ext uri="{BB962C8B-B14F-4D97-AF65-F5344CB8AC3E}">
-        <p14:creationId xmlns:p14="http://schemas.microsoft.com/office/powerpoint/2010/main" val="4198004221"/>
+        <p14:creationId xmlns:p14="http://schemas.microsoft.com/office/powerpoint/2010/main" val="223303197"/>
       </p:ext>
     </p:extLst>
   </p:cSld>
@@ -7930,10 +7854,10 @@
           <a:lstStyle/>
           <a:p>
             <a:r>
-              <a:rPr lang="en-US" b="1" dirty="0" smtClean="0"/>
-              <a:t>Third way to INSERT</a:t>
-            </a:r>
-            <a:endParaRPr lang="en-US" b="1" dirty="0"/>
+              <a:rPr lang="en-US" dirty="0" smtClean="0"/>
+              <a:t>DAY 3</a:t>
+            </a:r>
+            <a:endParaRPr lang="en-US" dirty="0"/>
           </a:p>
         </p:txBody>
       </p:sp>
@@ -7947,126 +7871,61 @@
             <p:ph idx="1"/>
           </p:nvPr>
         </p:nvSpPr>
-        <p:spPr>
-          <a:xfrm>
-            <a:off x="457200" y="1371600"/>
-            <a:ext cx="8229600" cy="4754563"/>
-          </a:xfrm>
-        </p:spPr>
+        <p:spPr/>
         <p:txBody>
           <a:bodyPr>
             <a:normAutofit/>
           </a:bodyPr>
           <a:lstStyle/>
           <a:p>
-            <a:pPr marL="0" indent="0">
-              <a:buNone/>
-            </a:pPr>
-            <a:r>
-              <a:rPr lang="en-US" dirty="0"/>
-              <a:t>INSERT INTO </a:t>
-            </a:r>
-            <a:r>
-              <a:rPr lang="en-US" dirty="0" err="1"/>
-              <a:t>table_name</a:t>
-            </a:r>
-            <a:r>
-              <a:rPr lang="en-US" dirty="0"/>
-              <a:t> VALUES (,,,),(,,,),(,,,),…;</a:t>
-            </a:r>
-          </a:p>
-          <a:p>
-            <a:pPr marL="0" indent="0">
-              <a:buNone/>
-            </a:pPr>
-            <a:endParaRPr lang="en-US" dirty="0" smtClean="0"/>
-          </a:p>
-          <a:p>
-            <a:pPr marL="0" indent="0">
-              <a:buNone/>
-            </a:pPr>
-            <a:r>
-              <a:rPr lang="en-US" dirty="0" smtClean="0"/>
-              <a:t>And </a:t>
-            </a:r>
-            <a:r>
-              <a:rPr lang="en-US" dirty="0"/>
-              <a:t>an example would be:</a:t>
-            </a:r>
-          </a:p>
-          <a:p>
-            <a:pPr marL="0" indent="0">
-              <a:buNone/>
-            </a:pPr>
-            <a:endParaRPr lang="en-US" dirty="0" smtClean="0"/>
-          </a:p>
-          <a:p>
-            <a:pPr marL="0" indent="0">
-              <a:buNone/>
-            </a:pPr>
-            <a:r>
-              <a:rPr lang="en-US" dirty="0" smtClean="0"/>
-              <a:t>INSERT </a:t>
-            </a:r>
-            <a:r>
-              <a:rPr lang="en-US" dirty="0"/>
-              <a:t>INTO Individual VALUES </a:t>
-            </a:r>
-            <a:endParaRPr lang="en-US" dirty="0" smtClean="0"/>
-          </a:p>
-          <a:p>
-            <a:pPr marL="0" indent="0">
-              <a:buNone/>
-            </a:pPr>
-            <a:r>
-              <a:rPr lang="en-US" dirty="0" smtClean="0"/>
-              <a:t>(‘</a:t>
-            </a:r>
-            <a:r>
-              <a:rPr lang="en-US" dirty="0"/>
-              <a:t>Jagger’, ‘Mick’, ‘1943-07-26</a:t>
-            </a:r>
-            <a:r>
-              <a:rPr lang="en-US" dirty="0" smtClean="0"/>
-              <a:t>’)</a:t>
-            </a:r>
-          </a:p>
-          <a:p>
-            <a:pPr marL="0" indent="0">
-              <a:buNone/>
-            </a:pPr>
-            <a:r>
-              <a:rPr lang="en-US" dirty="0" smtClean="0"/>
-              <a:t>, </a:t>
-            </a:r>
-            <a:r>
-              <a:rPr lang="en-US" dirty="0"/>
-              <a:t>(‘Zimmerman’, ‘Robert’, ‘1942-05-25</a:t>
-            </a:r>
-            <a:r>
-              <a:rPr lang="en-US" dirty="0" smtClean="0"/>
-              <a:t>’)</a:t>
-            </a:r>
-          </a:p>
-          <a:p>
-            <a:pPr marL="0" indent="0">
-              <a:buNone/>
-            </a:pPr>
-            <a:r>
-              <a:rPr lang="en-US" dirty="0" smtClean="0"/>
-              <a:t>, (‘</a:t>
-            </a:r>
-            <a:r>
-              <a:rPr lang="en-US" dirty="0"/>
-              <a:t>Cobain’, ‘Kurt’, ‘1967-02-20’);</a:t>
-            </a:r>
+            <a:r>
+              <a:rPr lang="en-US" dirty="0" smtClean="0"/>
+              <a:t>INSERT</a:t>
+            </a:r>
+          </a:p>
+          <a:p>
+            <a:r>
+              <a:rPr lang="en-US" dirty="0" smtClean="0"/>
+              <a:t>DELETE</a:t>
+            </a:r>
+          </a:p>
+          <a:p>
+            <a:r>
+              <a:rPr lang="en-US" dirty="0" smtClean="0"/>
+              <a:t>UPDATE</a:t>
+            </a:r>
+          </a:p>
+          <a:p>
+            <a:r>
+              <a:rPr lang="en-US" dirty="0" smtClean="0"/>
+              <a:t>VIEWS</a:t>
+            </a:r>
+          </a:p>
+          <a:p>
+            <a:r>
+              <a:rPr lang="en-US" dirty="0" smtClean="0"/>
+              <a:t>DISTINCT ROWS</a:t>
+            </a:r>
+          </a:p>
+          <a:p>
+            <a:r>
+              <a:rPr lang="en-US" dirty="0" smtClean="0"/>
+              <a:t>COLUMN ALIASES</a:t>
+            </a:r>
+          </a:p>
+          <a:p>
+            <a:r>
+              <a:rPr lang="en-US" dirty="0" smtClean="0"/>
+              <a:t>OPERATORS AND FUNCTIONS</a:t>
+            </a:r>
+            <a:endParaRPr lang="en-US" dirty="0"/>
           </a:p>
         </p:txBody>
       </p:sp>
     </p:spTree>
     <p:extLst>
       <p:ext uri="{BB962C8B-B14F-4D97-AF65-F5344CB8AC3E}">
-        <p14:creationId xmlns:p14="http://schemas.microsoft.com/office/powerpoint/2010/main" val="3613386218"/>
+        <p14:creationId xmlns:p14="http://schemas.microsoft.com/office/powerpoint/2010/main" val="2134087041"/>
       </p:ext>
     </p:extLst>
   </p:cSld>
@@ -8110,26 +7969,16 @@
             <p:ph type="title"/>
           </p:nvPr>
         </p:nvSpPr>
-        <p:spPr>
-          <a:xfrm>
-            <a:off x="457200" y="457200"/>
-            <a:ext cx="8229600" cy="1143000"/>
-          </a:xfrm>
-        </p:spPr>
-        <p:txBody>
-          <a:bodyPr>
-            <a:normAutofit fontScale="90000"/>
-          </a:bodyPr>
-          <a:lstStyle/>
-          <a:p>
-            <a:r>
-              <a:rPr lang="en-US" b="1" i="1" cap="all" dirty="0"/>
-              <a:t>Exercise:  Add an Individual to a Band</a:t>
-            </a:r>
-            <a:br>
-              <a:rPr lang="en-US" b="1" i="1" cap="all" dirty="0"/>
-            </a:br>
-            <a:endParaRPr lang="en-US" i="1" dirty="0"/>
+        <p:spPr/>
+        <p:txBody>
+          <a:bodyPr/>
+          <a:lstStyle/>
+          <a:p>
+            <a:r>
+              <a:rPr lang="en-US" dirty="0" smtClean="0"/>
+              <a:t>INSERT INTO</a:t>
+            </a:r>
+            <a:endParaRPr lang="en-US" dirty="0"/>
           </a:p>
         </p:txBody>
       </p:sp>
@@ -8148,14 +7997,35 @@
           <a:bodyPr/>
           <a:lstStyle/>
           <a:p>
-            <a:endParaRPr lang="en-US"/>
+            <a:r>
+              <a:rPr lang="en-US" b="1" dirty="0"/>
+              <a:t>INSERT INTO </a:t>
+            </a:r>
+            <a:r>
+              <a:rPr lang="en-US" b="1" dirty="0" err="1"/>
+              <a:t>tablename</a:t>
+            </a:r>
+            <a:r>
+              <a:rPr lang="en-US" b="1" dirty="0"/>
+              <a:t> (Col1, Col2, Col3, ...) VALUES (Value1, Value2, Value3, </a:t>
+            </a:r>
+            <a:r>
+              <a:rPr lang="en-US" b="1" dirty="0" smtClean="0"/>
+              <a:t>…)</a:t>
+            </a:r>
+          </a:p>
+          <a:p>
+            <a:r>
+              <a:rPr lang="en-US" dirty="0"/>
+              <a:t>The order of the values should correspond to the column names.</a:t>
+            </a:r>
           </a:p>
         </p:txBody>
       </p:sp>
     </p:spTree>
     <p:extLst>
       <p:ext uri="{BB962C8B-B14F-4D97-AF65-F5344CB8AC3E}">
-        <p14:creationId xmlns:p14="http://schemas.microsoft.com/office/powerpoint/2010/main" val="2278350733"/>
+        <p14:creationId xmlns:p14="http://schemas.microsoft.com/office/powerpoint/2010/main" val="3325655844"/>
       </p:ext>
     </p:extLst>
   </p:cSld>
@@ -8199,23 +8069,26 @@
             <p:ph type="title"/>
           </p:nvPr>
         </p:nvSpPr>
-        <p:spPr/>
-        <p:txBody>
-          <a:bodyPr/>
-          <a:lstStyle/>
-          <a:p>
-            <a:r>
-              <a:rPr lang="en-US" dirty="0"/>
-              <a:t>A</a:t>
-            </a:r>
-            <a:r>
-              <a:rPr lang="en-US" dirty="0" smtClean="0"/>
-              <a:t>dd </a:t>
-            </a:r>
-            <a:r>
-              <a:rPr lang="en-US" dirty="0"/>
-              <a:t>multiple records at once</a:t>
-            </a:r>
+        <p:spPr>
+          <a:xfrm>
+            <a:off x="457200" y="457200"/>
+            <a:ext cx="8229600" cy="1143000"/>
+          </a:xfrm>
+        </p:spPr>
+        <p:txBody>
+          <a:bodyPr>
+            <a:normAutofit fontScale="90000"/>
+          </a:bodyPr>
+          <a:lstStyle/>
+          <a:p>
+            <a:r>
+              <a:rPr lang="en-US" cap="all" dirty="0"/>
+              <a:t>INSERT Statements Add Rows to a Table</a:t>
+            </a:r>
+            <a:br>
+              <a:rPr lang="en-US" cap="all" dirty="0"/>
+            </a:br>
+            <a:endParaRPr lang="en-US" dirty="0"/>
           </a:p>
         </p:txBody>
       </p:sp>
@@ -8229,130 +8102,125 @@
             <p:ph idx="1"/>
           </p:nvPr>
         </p:nvSpPr>
-        <p:spPr/>
+        <p:spPr>
+          <a:xfrm>
+            <a:off x="457200" y="1371600"/>
+            <a:ext cx="8229600" cy="4525963"/>
+          </a:xfrm>
+        </p:spPr>
         <p:txBody>
           <a:bodyPr>
-            <a:normAutofit fontScale="92500" lnSpcReduction="20000"/>
+            <a:normAutofit fontScale="77500" lnSpcReduction="20000"/>
           </a:bodyPr>
           <a:lstStyle/>
           <a:p>
             <a:r>
-              <a:rPr lang="en-US" dirty="0"/>
-              <a:t>Each data set is wrapped in parenthesis and </a:t>
-            </a:r>
-            <a:r>
-              <a:rPr lang="en-US" dirty="0" smtClean="0"/>
-              <a:t>separated </a:t>
-            </a:r>
-            <a:r>
-              <a:rPr lang="en-US" dirty="0"/>
-              <a:t>by a </a:t>
-            </a:r>
-            <a:r>
-              <a:rPr lang="en-US" dirty="0" smtClean="0"/>
-              <a:t>comma</a:t>
-            </a:r>
+              <a:rPr lang="en-US" dirty="0" smtClean="0"/>
+              <a:t>Use SQL to add rows to a table</a:t>
+            </a:r>
+          </a:p>
+          <a:p>
+            <a:r>
+              <a:rPr lang="en-US" dirty="0" smtClean="0"/>
+              <a:t>INSERT statement </a:t>
+            </a:r>
+          </a:p>
+          <a:p>
+            <a:r>
+              <a:rPr lang="en-US" dirty="0" smtClean="0"/>
+              <a:t>With </a:t>
+            </a:r>
+            <a:r>
+              <a:rPr lang="en-US" dirty="0"/>
+              <a:t>this </a:t>
+            </a:r>
+            <a:r>
+              <a:rPr lang="en-US" dirty="0" smtClean="0"/>
+              <a:t>syntax, values </a:t>
+            </a:r>
+            <a:r>
+              <a:rPr lang="en-US" dirty="0"/>
+              <a:t>must contain a value for each column.  </a:t>
+            </a:r>
+            <a:endParaRPr lang="en-US" dirty="0" smtClean="0"/>
+          </a:p>
+          <a:p>
+            <a:r>
+              <a:rPr lang="en-US" dirty="0"/>
+              <a:t>V</a:t>
+            </a:r>
+            <a:r>
+              <a:rPr lang="en-US" dirty="0" smtClean="0"/>
+              <a:t>alues </a:t>
+            </a:r>
+            <a:r>
+              <a:rPr lang="en-US" dirty="0"/>
+              <a:t>should be in the order in which you created the </a:t>
+            </a:r>
+            <a:r>
+              <a:rPr lang="en-US" dirty="0" smtClean="0"/>
+              <a:t>table:</a:t>
+            </a:r>
+          </a:p>
+          <a:p>
+            <a:endParaRPr lang="en-US" dirty="0"/>
           </a:p>
           <a:p>
             <a:pPr marL="0" indent="0">
               <a:buNone/>
             </a:pPr>
             <a:r>
-              <a:rPr lang="en-US" b="1" dirty="0"/>
-              <a:t>INSERT INTO Band</a:t>
-            </a:r>
-            <a:endParaRPr lang="en-US" dirty="0"/>
+              <a:rPr lang="en-US" dirty="0"/>
+              <a:t>INSERT INTO </a:t>
+            </a:r>
+            <a:r>
+              <a:rPr lang="en-US" dirty="0" err="1"/>
+              <a:t>table_name</a:t>
+            </a:r>
+            <a:r>
+              <a:rPr lang="en-US" dirty="0"/>
+              <a:t> VALUES (value1, value2,…);</a:t>
+            </a:r>
           </a:p>
           <a:p>
             <a:pPr marL="0" indent="0">
               <a:buNone/>
             </a:pPr>
-            <a:r>
-              <a:rPr lang="en-US" b="1" dirty="0"/>
-              <a:t>(</a:t>
-            </a:r>
-            <a:r>
-              <a:rPr lang="en-US" b="1" dirty="0" err="1"/>
-              <a:t>Name,YearFormed,IsTogether,Genre</a:t>
-            </a:r>
-            <a:r>
-              <a:rPr lang="en-US" b="1" dirty="0"/>
-              <a:t>)</a:t>
-            </a:r>
-            <a:endParaRPr lang="en-US" dirty="0"/>
+            <a:endParaRPr lang="en-US" dirty="0" smtClean="0"/>
           </a:p>
           <a:p>
             <a:pPr marL="0" indent="0">
               <a:buNone/>
             </a:pPr>
             <a:r>
-              <a:rPr lang="en-US" b="1" dirty="0"/>
-              <a:t>VALUES</a:t>
-            </a:r>
-            <a:endParaRPr lang="en-US" dirty="0"/>
+              <a:rPr lang="en-US" dirty="0" smtClean="0"/>
+              <a:t>An </a:t>
+            </a:r>
+            <a:r>
+              <a:rPr lang="en-US" dirty="0"/>
+              <a:t>example would be:</a:t>
+            </a:r>
           </a:p>
           <a:p>
             <a:pPr marL="0" indent="0">
               <a:buNone/>
             </a:pPr>
-            <a:r>
-              <a:rPr lang="en-US" b="1" dirty="0"/>
-              <a:t>('Rolling Stones', '1962', 1, 'Rock')</a:t>
-            </a:r>
-            <a:endParaRPr lang="en-US" dirty="0"/>
+            <a:endParaRPr lang="en-US" dirty="0" smtClean="0"/>
           </a:p>
           <a:p>
             <a:pPr marL="0" indent="0">
               <a:buNone/>
             </a:pPr>
             <a:r>
-              <a:rPr lang="en-US" b="1" dirty="0"/>
-              <a:t>, ('Beatles', '1960', 0, 'Rock')</a:t>
-            </a:r>
-            <a:endParaRPr lang="en-US" dirty="0"/>
-          </a:p>
-          <a:p>
-            <a:pPr marL="0" indent="0">
-              <a:buNone/>
-            </a:pPr>
-            <a:r>
-              <a:rPr lang="en-US" b="1" dirty="0"/>
-              <a:t>, ('Traveling </a:t>
-            </a:r>
-            <a:r>
-              <a:rPr lang="en-US" b="1" dirty="0" err="1"/>
-              <a:t>Wilburys</a:t>
-            </a:r>
-            <a:r>
-              <a:rPr lang="en-US" b="1" dirty="0"/>
-              <a:t>', '1988', 0, 'Rock')</a:t>
-            </a:r>
-            <a:endParaRPr lang="en-US" dirty="0"/>
-          </a:p>
-          <a:p>
-            <a:pPr marL="0" indent="0">
-              <a:buNone/>
-            </a:pPr>
-            <a:r>
-              <a:rPr lang="en-US" b="1" dirty="0"/>
-              <a:t>, ('Nirvana', '1987', 0, 'Grunge');</a:t>
-            </a:r>
-            <a:endParaRPr lang="en-US" dirty="0"/>
-          </a:p>
-          <a:p>
-            <a:pPr marL="0" indent="0">
-              <a:buNone/>
-            </a:pPr>
-            <a:r>
-              <a:rPr lang="en-US" b="1" dirty="0"/>
-              <a:t>, ('REM', '1980', 0, 'Alternative');</a:t>
-            </a:r>
-            <a:endParaRPr lang="en-US" dirty="0"/>
-          </a:p>
-          <a:p>
-            <a:pPr marL="0" indent="0">
-              <a:buNone/>
-            </a:pPr>
+              <a:rPr lang="en-US" dirty="0" smtClean="0"/>
+              <a:t>INSERT </a:t>
+            </a:r>
+            <a:r>
+              <a:rPr lang="en-US" dirty="0"/>
+              <a:t>INTO Individual Values (’Hendrix’,’Jimi’,’1942-11-27’);</a:t>
+            </a:r>
+          </a:p>
+          <a:p>
             <a:endParaRPr lang="en-US" dirty="0"/>
           </a:p>
         </p:txBody>
@@ -8360,7 +8228,7 @@
     </p:spTree>
     <p:extLst>
       <p:ext uri="{BB962C8B-B14F-4D97-AF65-F5344CB8AC3E}">
-        <p14:creationId xmlns:p14="http://schemas.microsoft.com/office/powerpoint/2010/main" val="1339365369"/>
+        <p14:creationId xmlns:p14="http://schemas.microsoft.com/office/powerpoint/2010/main" val="1371765716"/>
       </p:ext>
     </p:extLst>
   </p:cSld>
@@ -8404,155 +8272,121 @@
             <p:ph type="title"/>
           </p:nvPr>
         </p:nvSpPr>
-        <p:spPr>
-          <a:xfrm>
-            <a:off x="457200" y="990600"/>
-            <a:ext cx="8229600" cy="1143000"/>
-          </a:xfrm>
-        </p:spPr>
-        <p:txBody>
-          <a:bodyPr>
-            <a:normAutofit fontScale="90000"/>
-          </a:bodyPr>
-          <a:lstStyle/>
-          <a:p>
-            <a:r>
-              <a:rPr lang="en-US" i="1" dirty="0"/>
-              <a:t> </a:t>
-            </a:r>
-            <a:br>
-              <a:rPr lang="en-US" i="1" dirty="0"/>
-            </a:br>
-            <a:r>
-              <a:rPr lang="en-US" b="1" i="1" cap="all" dirty="0"/>
-              <a:t>Exercise:  More than one way to INSERT INTO</a:t>
-            </a:r>
-            <a:br>
-              <a:rPr lang="en-US" b="1" i="1" cap="all" dirty="0"/>
-            </a:br>
-            <a:endParaRPr lang="en-US" i="1" dirty="0"/>
-          </a:p>
-        </p:txBody>
-      </p:sp>
-      <p:sp>
-        <p:nvSpPr>
-          <p:cNvPr id="4" name="Title 1"/>
-          <p:cNvSpPr txBox="1">
-            <a:spLocks/>
-          </p:cNvSpPr>
-          <p:nvPr/>
-        </p:nvSpPr>
-        <p:spPr>
-          <a:xfrm>
-            <a:off x="286871" y="2561665"/>
-            <a:ext cx="8229600" cy="1143000"/>
-          </a:xfrm>
-          <a:prstGeom prst="rect">
-            <a:avLst/>
-          </a:prstGeom>
-        </p:spPr>
-        <p:txBody>
-          <a:bodyPr vert="horz" lIns="91440" tIns="45720" rIns="91440" bIns="45720" rtlCol="0" anchor="ctr">
-            <a:noAutofit/>
-          </a:bodyPr>
-          <a:lstStyle>
-            <a:lvl1pPr algn="ctr" defTabSz="914400" rtl="0" eaLnBrk="1" latinLnBrk="0" hangingPunct="1">
-              <a:spcBef>
-                <a:spcPct val="0"/>
-              </a:spcBef>
-              <a:buNone/>
-              <a:defRPr sz="4400" kern="1200">
-                <a:solidFill>
-                  <a:schemeClr val="tx1"/>
-                </a:solidFill>
-                <a:latin typeface="+mj-lt"/>
-                <a:ea typeface="+mj-ea"/>
-                <a:cs typeface="+mj-cs"/>
-              </a:defRPr>
-            </a:lvl1pPr>
-          </a:lstStyle>
-          <a:p>
-            <a:r>
-              <a:rPr lang="en-US" sz="4000" i="1" dirty="0" smtClean="0"/>
-              <a:t> </a:t>
-            </a:r>
-            <a:br>
-              <a:rPr lang="en-US" sz="4000" i="1" dirty="0" smtClean="0"/>
-            </a:br>
-            <a:r>
-              <a:rPr lang="en-US" sz="4000" b="1" i="1" cap="all" dirty="0"/>
-              <a:t>Exercise:  INSERT INTO SELECT </a:t>
-            </a:r>
-            <a:r>
-              <a:rPr lang="en-US" sz="4000" b="1" i="1" cap="all" dirty="0" smtClean="0"/>
-              <a:t/>
-            </a:r>
-            <a:br>
-              <a:rPr lang="en-US" sz="4000" b="1" i="1" cap="all" dirty="0" smtClean="0"/>
-            </a:br>
-            <a:endParaRPr lang="en-US" sz="4000" i="1" dirty="0"/>
-          </a:p>
-        </p:txBody>
-      </p:sp>
-      <p:sp>
-        <p:nvSpPr>
-          <p:cNvPr id="5" name="Title 1"/>
-          <p:cNvSpPr txBox="1">
-            <a:spLocks/>
-          </p:cNvSpPr>
-          <p:nvPr/>
-        </p:nvSpPr>
-        <p:spPr>
-          <a:xfrm>
-            <a:off x="439271" y="4870076"/>
-            <a:ext cx="8229600" cy="1143000"/>
-          </a:xfrm>
-          <a:prstGeom prst="rect">
-            <a:avLst/>
-          </a:prstGeom>
-        </p:spPr>
-        <p:txBody>
-          <a:bodyPr vert="horz" lIns="91440" tIns="45720" rIns="91440" bIns="45720" rtlCol="0" anchor="ctr">
-            <a:noAutofit/>
-          </a:bodyPr>
-          <a:lstStyle>
-            <a:lvl1pPr algn="ctr" defTabSz="914400" rtl="0" eaLnBrk="1" latinLnBrk="0" hangingPunct="1">
-              <a:spcBef>
-                <a:spcPct val="0"/>
-              </a:spcBef>
-              <a:buNone/>
-              <a:defRPr sz="4400" kern="1200">
-                <a:solidFill>
-                  <a:schemeClr val="tx1"/>
-                </a:solidFill>
-                <a:latin typeface="+mj-lt"/>
-                <a:ea typeface="+mj-ea"/>
-                <a:cs typeface="+mj-cs"/>
-              </a:defRPr>
-            </a:lvl1pPr>
-          </a:lstStyle>
-          <a:p>
-            <a:r>
-              <a:rPr lang="en-US" sz="4000" b="1" cap="all" dirty="0"/>
-              <a:t>Exercise:  inserting a row and discovering the value for the last inserted ID</a:t>
-            </a:r>
-          </a:p>
-          <a:p>
-            <a:r>
-              <a:rPr lang="en-US" sz="4000" b="1" i="1" cap="all" dirty="0" smtClean="0"/>
-              <a:t/>
-            </a:r>
-            <a:br>
-              <a:rPr lang="en-US" sz="4000" b="1" i="1" cap="all" dirty="0" smtClean="0"/>
-            </a:br>
-            <a:endParaRPr lang="en-US" sz="4000" i="1" dirty="0"/>
+        <p:spPr/>
+        <p:txBody>
+          <a:bodyPr/>
+          <a:lstStyle/>
+          <a:p>
+            <a:r>
+              <a:rPr lang="en-US" dirty="0" smtClean="0"/>
+              <a:t>Another INSERT Syntax</a:t>
+            </a:r>
+            <a:endParaRPr lang="en-US" dirty="0"/>
+          </a:p>
+        </p:txBody>
+      </p:sp>
+      <p:sp>
+        <p:nvSpPr>
+          <p:cNvPr id="3" name="Content Placeholder 2"/>
+          <p:cNvSpPr>
+            <a:spLocks noGrp="1"/>
+          </p:cNvSpPr>
+          <p:nvPr>
+            <p:ph idx="1"/>
+          </p:nvPr>
+        </p:nvSpPr>
+        <p:spPr/>
+        <p:txBody>
+          <a:bodyPr/>
+          <a:lstStyle/>
+          <a:p>
+            <a:pPr marL="0" indent="0">
+              <a:buNone/>
+            </a:pPr>
+            <a:r>
+              <a:rPr lang="en-US" dirty="0"/>
+              <a:t>INSERT INTO </a:t>
+            </a:r>
+            <a:r>
+              <a:rPr lang="en-US" dirty="0" err="1"/>
+              <a:t>table_name</a:t>
+            </a:r>
+            <a:r>
+              <a:rPr lang="en-US" dirty="0"/>
+              <a:t> (Column1, Column2, Column3,…) Values (value1, value2, value3,…);</a:t>
+            </a:r>
+          </a:p>
+          <a:p>
+            <a:pPr marL="0" indent="0">
+              <a:buNone/>
+            </a:pPr>
+            <a:endParaRPr lang="en-US" dirty="0" smtClean="0"/>
+          </a:p>
+          <a:p>
+            <a:pPr marL="0" indent="0">
+              <a:buNone/>
+            </a:pPr>
+            <a:r>
+              <a:rPr lang="en-US" dirty="0" smtClean="0"/>
+              <a:t>An </a:t>
+            </a:r>
+            <a:r>
+              <a:rPr lang="en-US" dirty="0"/>
+              <a:t>example would be</a:t>
+            </a:r>
+            <a:r>
+              <a:rPr lang="en-US" dirty="0" smtClean="0"/>
+              <a:t>:</a:t>
+            </a:r>
+          </a:p>
+          <a:p>
+            <a:pPr marL="0" indent="0">
+              <a:buNone/>
+            </a:pPr>
+            <a:endParaRPr lang="en-US" dirty="0"/>
+          </a:p>
+          <a:p>
+            <a:pPr marL="0" indent="0">
+              <a:buNone/>
+            </a:pPr>
+            <a:r>
+              <a:rPr lang="en-US" dirty="0"/>
+              <a:t>INSERT INTO Individual (</a:t>
+            </a:r>
+            <a:r>
+              <a:rPr lang="en-US" dirty="0" err="1"/>
+              <a:t>LastName</a:t>
+            </a:r>
+            <a:r>
+              <a:rPr lang="en-US" dirty="0"/>
+              <a:t>, </a:t>
+            </a:r>
+            <a:r>
+              <a:rPr lang="en-US" dirty="0" err="1"/>
+              <a:t>FirstName</a:t>
+            </a:r>
+            <a:r>
+              <a:rPr lang="en-US" dirty="0"/>
+              <a:t>, </a:t>
+            </a:r>
+            <a:r>
+              <a:rPr lang="en-US" dirty="0" err="1"/>
+              <a:t>BirthDate</a:t>
+            </a:r>
+            <a:r>
+              <a:rPr lang="en-US" dirty="0"/>
+              <a:t>) VALUES (‘Jagger’, ‘Mick’, ‘1943-07-26’);</a:t>
+            </a:r>
+          </a:p>
+          <a:p>
+            <a:endParaRPr lang="en-US" dirty="0"/>
           </a:p>
         </p:txBody>
       </p:sp>
     </p:spTree>
     <p:extLst>
       <p:ext uri="{BB962C8B-B14F-4D97-AF65-F5344CB8AC3E}">
-        <p14:creationId xmlns:p14="http://schemas.microsoft.com/office/powerpoint/2010/main" val="1344268218"/>
+        <p14:creationId xmlns:p14="http://schemas.microsoft.com/office/powerpoint/2010/main" val="4198004221"/>
       </p:ext>
     </p:extLst>
   </p:cSld>
@@ -8602,9 +8436,10 @@
           <a:lstStyle/>
           <a:p>
             <a:r>
-              <a:rPr lang="en-US" dirty="0"/>
-              <a:t>DELETE Statement</a:t>
-            </a:r>
+              <a:rPr lang="en-US" b="1" dirty="0" smtClean="0"/>
+              <a:t>Third way to INSERT</a:t>
+            </a:r>
+            <a:endParaRPr lang="en-US" b="1" dirty="0"/>
           </a:p>
         </p:txBody>
       </p:sp>
@@ -8618,87 +8453,126 @@
             <p:ph idx="1"/>
           </p:nvPr>
         </p:nvSpPr>
-        <p:spPr/>
+        <p:spPr>
+          <a:xfrm>
+            <a:off x="457200" y="1371600"/>
+            <a:ext cx="8229600" cy="4754563"/>
+          </a:xfrm>
+        </p:spPr>
         <p:txBody>
           <a:bodyPr>
-            <a:normAutofit lnSpcReduction="10000"/>
+            <a:normAutofit/>
           </a:bodyPr>
           <a:lstStyle/>
           <a:p>
-            <a:r>
-              <a:rPr lang="en-US" dirty="0" smtClean="0"/>
-              <a:t>DELETE removes row from a table.</a:t>
-            </a:r>
-          </a:p>
-          <a:p>
-            <a:r>
-              <a:rPr lang="en-US" dirty="0" smtClean="0"/>
-              <a:t>DANGER, YOU REALLY NEED A WHERE CLAUSE!</a:t>
-            </a:r>
-          </a:p>
-          <a:p>
-            <a:r>
-              <a:rPr lang="en-US" dirty="0" smtClean="0"/>
-              <a:t>Try SELECT before DELETE to verify rows affected</a:t>
-            </a:r>
-          </a:p>
-          <a:p>
-            <a:r>
-              <a:rPr lang="en-US" dirty="0" smtClean="0"/>
-              <a:t>Dangerous:</a:t>
-            </a:r>
-          </a:p>
-          <a:p>
-            <a:pPr lvl="1"/>
-            <a:r>
-              <a:rPr lang="en-US" b="1" dirty="0"/>
-              <a:t>DELETE FROM &lt;</a:t>
-            </a:r>
-            <a:r>
-              <a:rPr lang="en-US" b="1" dirty="0" err="1"/>
+            <a:pPr marL="0" indent="0">
+              <a:buNone/>
+            </a:pPr>
+            <a:r>
+              <a:rPr lang="en-US" dirty="0"/>
+              <a:t>INSERT INTO </a:t>
+            </a:r>
+            <a:r>
+              <a:rPr lang="en-US" dirty="0" err="1"/>
               <a:t>table_name</a:t>
             </a:r>
             <a:r>
-              <a:rPr lang="en-US" b="1" dirty="0"/>
-              <a:t>&gt;;  </a:t>
-            </a:r>
-            <a:endParaRPr lang="en-US" b="1" dirty="0" smtClean="0"/>
-          </a:p>
-          <a:p>
-            <a:r>
-              <a:rPr lang="en-US" b="1" dirty="0" smtClean="0"/>
-              <a:t>Much, much better</a:t>
-            </a:r>
-          </a:p>
-          <a:p>
-            <a:pPr lvl="1"/>
-            <a:r>
-              <a:rPr lang="en-US" b="1" dirty="0" smtClean="0"/>
-              <a:t>DELETE FROM </a:t>
-            </a:r>
-            <a:r>
-              <a:rPr lang="en-US" b="1" dirty="0"/>
-              <a:t>&lt;</a:t>
-            </a:r>
-            <a:r>
-              <a:rPr lang="en-US" b="1" dirty="0" err="1"/>
-              <a:t>table_name</a:t>
-            </a:r>
-            <a:r>
-              <a:rPr lang="en-US" b="1" dirty="0" smtClean="0"/>
-              <a:t>&gt; WHERE ID = 234;</a:t>
-            </a:r>
-            <a:endParaRPr lang="en-US" dirty="0"/>
-          </a:p>
-          <a:p>
-            <a:endParaRPr lang="en-US" dirty="0"/>
+              <a:rPr lang="en-US" dirty="0"/>
+              <a:t> VALUES (,,,),(,,,),(,,,),…;</a:t>
+            </a:r>
+          </a:p>
+          <a:p>
+            <a:pPr marL="0" indent="0">
+              <a:buNone/>
+            </a:pPr>
+            <a:endParaRPr lang="en-US" dirty="0" smtClean="0"/>
+          </a:p>
+          <a:p>
+            <a:pPr marL="0" indent="0">
+              <a:buNone/>
+            </a:pPr>
+            <a:r>
+              <a:rPr lang="en-US" dirty="0" smtClean="0"/>
+              <a:t>And </a:t>
+            </a:r>
+            <a:r>
+              <a:rPr lang="en-US" dirty="0"/>
+              <a:t>an example would be:</a:t>
+            </a:r>
+          </a:p>
+          <a:p>
+            <a:pPr marL="0" indent="0">
+              <a:buNone/>
+            </a:pPr>
+            <a:endParaRPr lang="en-US" dirty="0" smtClean="0"/>
+          </a:p>
+          <a:p>
+            <a:pPr marL="0" indent="0">
+              <a:buNone/>
+            </a:pPr>
+            <a:r>
+              <a:rPr lang="en-US" dirty="0" smtClean="0"/>
+              <a:t>INSERT </a:t>
+            </a:r>
+            <a:r>
+              <a:rPr lang="en-US" dirty="0"/>
+              <a:t>INTO Individual VALUES </a:t>
+            </a:r>
+            <a:endParaRPr lang="en-US" dirty="0" smtClean="0"/>
+          </a:p>
+          <a:p>
+            <a:pPr marL="0" indent="0">
+              <a:buNone/>
+            </a:pPr>
+            <a:r>
+              <a:rPr lang="en-US" dirty="0" smtClean="0"/>
+              <a:t>(‘</a:t>
+            </a:r>
+            <a:r>
+              <a:rPr lang="en-US" dirty="0"/>
+              <a:t>Jagger’, ‘Mick’, ‘1943-07-26</a:t>
+            </a:r>
+            <a:r>
+              <a:rPr lang="en-US" dirty="0" smtClean="0"/>
+              <a:t>’)</a:t>
+            </a:r>
+          </a:p>
+          <a:p>
+            <a:pPr marL="0" indent="0">
+              <a:buNone/>
+            </a:pPr>
+            <a:r>
+              <a:rPr lang="en-US" dirty="0" smtClean="0"/>
+              <a:t>, </a:t>
+            </a:r>
+            <a:r>
+              <a:rPr lang="en-US" dirty="0"/>
+              <a:t>(‘Zimmerman’, ‘Robert’, ‘1942-05-25</a:t>
+            </a:r>
+            <a:r>
+              <a:rPr lang="en-US" dirty="0" smtClean="0"/>
+              <a:t>’)</a:t>
+            </a:r>
+          </a:p>
+          <a:p>
+            <a:pPr marL="0" indent="0">
+              <a:buNone/>
+            </a:pPr>
+            <a:r>
+              <a:rPr lang="en-US" dirty="0" smtClean="0"/>
+              <a:t>, (‘</a:t>
+            </a:r>
+            <a:r>
+              <a:rPr lang="en-US" dirty="0"/>
+              <a:t>Cobain’, ‘Kurt’, ‘1967-02-20’);</a:t>
+            </a:r>
           </a:p>
         </p:txBody>
       </p:sp>
     </p:spTree>
     <p:extLst>
       <p:ext uri="{BB962C8B-B14F-4D97-AF65-F5344CB8AC3E}">
-        <p14:creationId xmlns:p14="http://schemas.microsoft.com/office/powerpoint/2010/main" val="599712689"/>
+        <p14:creationId xmlns:p14="http://schemas.microsoft.com/office/powerpoint/2010/main" val="3613386218"/>
       </p:ext>
     </p:extLst>
   </p:cSld>
@@ -8742,51 +8616,52 @@
             <p:ph type="title"/>
           </p:nvPr>
         </p:nvSpPr>
+        <p:spPr>
+          <a:xfrm>
+            <a:off x="457200" y="457200"/>
+            <a:ext cx="8229600" cy="1143000"/>
+          </a:xfrm>
+        </p:spPr>
+        <p:txBody>
+          <a:bodyPr>
+            <a:normAutofit fontScale="90000"/>
+          </a:bodyPr>
+          <a:lstStyle/>
+          <a:p>
+            <a:r>
+              <a:rPr lang="en-US" b="1" i="1" cap="all" dirty="0"/>
+              <a:t>Exercise:  Add an Individual to a Band</a:t>
+            </a:r>
+            <a:br>
+              <a:rPr lang="en-US" b="1" i="1" cap="all" dirty="0"/>
+            </a:br>
+            <a:endParaRPr lang="en-US" i="1" dirty="0"/>
+          </a:p>
+        </p:txBody>
+      </p:sp>
+      <p:sp>
+        <p:nvSpPr>
+          <p:cNvPr id="3" name="Content Placeholder 2"/>
+          <p:cNvSpPr>
+            <a:spLocks noGrp="1"/>
+          </p:cNvSpPr>
+          <p:nvPr>
+            <p:ph idx="1"/>
+          </p:nvPr>
+        </p:nvSpPr>
         <p:spPr/>
         <p:txBody>
           <a:bodyPr/>
           <a:lstStyle/>
           <a:p>
-            <a:r>
-              <a:rPr lang="en-US" dirty="0" smtClean="0"/>
-              <a:t>I get nervous</a:t>
-            </a:r>
-            <a:endParaRPr lang="en-US" dirty="0"/>
-          </a:p>
-        </p:txBody>
-      </p:sp>
-      <p:sp>
-        <p:nvSpPr>
-          <p:cNvPr id="3" name="Content Placeholder 2"/>
-          <p:cNvSpPr>
-            <a:spLocks noGrp="1"/>
-          </p:cNvSpPr>
-          <p:nvPr>
-            <p:ph idx="1"/>
-          </p:nvPr>
-        </p:nvSpPr>
-        <p:spPr/>
-        <p:txBody>
-          <a:bodyPr/>
-          <a:lstStyle/>
-          <a:p>
-            <a:r>
-              <a:rPr lang="en-US" dirty="0" smtClean="0"/>
-              <a:t>Whenever I use delete without a WHERE clause that identifies rows by the primary key</a:t>
-            </a:r>
-          </a:p>
-          <a:p>
-            <a:pPr marL="0" indent="0">
-              <a:buNone/>
-            </a:pPr>
-            <a:endParaRPr lang="en-US" dirty="0"/>
+            <a:endParaRPr lang="en-US"/>
           </a:p>
         </p:txBody>
       </p:sp>
     </p:spTree>
     <p:extLst>
       <p:ext uri="{BB962C8B-B14F-4D97-AF65-F5344CB8AC3E}">
-        <p14:creationId xmlns:p14="http://schemas.microsoft.com/office/powerpoint/2010/main" val="3750836300"/>
+        <p14:creationId xmlns:p14="http://schemas.microsoft.com/office/powerpoint/2010/main" val="2278350733"/>
       </p:ext>
     </p:extLst>
   </p:cSld>
@@ -8830,66 +8705,96 @@
             <p:ph type="title"/>
           </p:nvPr>
         </p:nvSpPr>
-        <p:spPr>
-          <a:xfrm>
-            <a:off x="457200" y="152400"/>
-            <a:ext cx="8229600" cy="715962"/>
-          </a:xfrm>
-        </p:spPr>
+        <p:spPr/>
+        <p:txBody>
+          <a:bodyPr/>
+          <a:lstStyle/>
+          <a:p>
+            <a:r>
+              <a:rPr lang="en-US" dirty="0"/>
+              <a:t>A</a:t>
+            </a:r>
+            <a:r>
+              <a:rPr lang="en-US" dirty="0" smtClean="0"/>
+              <a:t>dd </a:t>
+            </a:r>
+            <a:r>
+              <a:rPr lang="en-US" dirty="0"/>
+              <a:t>multiple records at once</a:t>
+            </a:r>
+          </a:p>
+        </p:txBody>
+      </p:sp>
+      <p:sp>
+        <p:nvSpPr>
+          <p:cNvPr id="3" name="Content Placeholder 2"/>
+          <p:cNvSpPr>
+            <a:spLocks noGrp="1"/>
+          </p:cNvSpPr>
+          <p:nvPr>
+            <p:ph idx="1"/>
+          </p:nvPr>
+        </p:nvSpPr>
+        <p:spPr/>
         <p:txBody>
           <a:bodyPr>
-            <a:normAutofit fontScale="90000"/>
+            <a:normAutofit fontScale="92500" lnSpcReduction="20000"/>
           </a:bodyPr>
           <a:lstStyle/>
           <a:p>
             <a:r>
-              <a:rPr lang="en-US" dirty="0" smtClean="0"/>
-              <a:t>Using the IN Operator</a:t>
+              <a:rPr lang="en-US" dirty="0"/>
+              <a:t>Each data set is wrapped in parenthesis and </a:t>
+            </a:r>
+            <a:r>
+              <a:rPr lang="en-US" dirty="0" smtClean="0"/>
+              <a:t>separated </a:t>
+            </a:r>
+            <a:r>
+              <a:rPr lang="en-US" dirty="0"/>
+              <a:t>by a </a:t>
+            </a:r>
+            <a:r>
+              <a:rPr lang="en-US" dirty="0" smtClean="0"/>
+              <a:t>comma</a:t>
+            </a:r>
+          </a:p>
+          <a:p>
+            <a:pPr marL="0" indent="0">
+              <a:buNone/>
+            </a:pPr>
+            <a:r>
+              <a:rPr lang="en-US" b="1" dirty="0"/>
+              <a:t>INSERT INTO Band</a:t>
             </a:r>
             <a:endParaRPr lang="en-US" dirty="0"/>
           </a:p>
-        </p:txBody>
-      </p:sp>
-      <p:sp>
-        <p:nvSpPr>
-          <p:cNvPr id="3" name="Content Placeholder 2"/>
-          <p:cNvSpPr>
-            <a:spLocks noGrp="1"/>
-          </p:cNvSpPr>
-          <p:nvPr>
-            <p:ph idx="1"/>
-          </p:nvPr>
-        </p:nvSpPr>
-        <p:spPr>
-          <a:xfrm>
-            <a:off x="457200" y="914400"/>
-            <a:ext cx="8229600" cy="5211763"/>
-          </a:xfrm>
-        </p:spPr>
-        <p:txBody>
-          <a:bodyPr>
-            <a:normAutofit fontScale="85000" lnSpcReduction="20000"/>
-          </a:bodyPr>
-          <a:lstStyle/>
-          <a:p>
-            <a:r>
-              <a:rPr lang="en-US" dirty="0"/>
-              <a:t>The </a:t>
-            </a:r>
+          <a:p>
+            <a:pPr marL="0" indent="0">
+              <a:buNone/>
+            </a:pPr>
             <a:r>
               <a:rPr lang="en-US" b="1" dirty="0"/>
-              <a:t>IN</a:t>
-            </a:r>
-            <a:r>
-              <a:rPr lang="en-US" dirty="0"/>
-              <a:t> operation is used to test whether or not a value is ‘in’ the list.  </a:t>
-            </a:r>
-            <a:endParaRPr lang="en-US" dirty="0" smtClean="0"/>
+              <a:t>(</a:t>
+            </a:r>
+            <a:r>
+              <a:rPr lang="en-US" b="1" dirty="0" err="1"/>
+              <a:t>Name,YearFormed,IsTogether,Genre</a:t>
+            </a:r>
+            <a:r>
+              <a:rPr lang="en-US" b="1" dirty="0"/>
+              <a:t>)</a:t>
+            </a:r>
+            <a:endParaRPr lang="en-US" dirty="0"/>
           </a:p>
           <a:p>
             <a:pPr marL="0" indent="0">
               <a:buNone/>
             </a:pPr>
+            <a:r>
+              <a:rPr lang="en-US" b="1" dirty="0"/>
+              <a:t>VALUES</a:t>
+            </a:r>
             <a:endParaRPr lang="en-US" dirty="0"/>
           </a:p>
           <a:p>
@@ -8898,27 +8803,35 @@
             </a:pPr>
             <a:r>
               <a:rPr lang="en-US" b="1" dirty="0"/>
-              <a:t>S</a:t>
-            </a:r>
-            <a:r>
-              <a:rPr lang="en-US" b="1" dirty="0" smtClean="0"/>
-              <a:t>ELECT </a:t>
-            </a:r>
+              <a:t>('Rolling Stones', '1962', 1, 'Rock')</a:t>
+            </a:r>
+            <a:endParaRPr lang="en-US" dirty="0"/>
+          </a:p>
+          <a:p>
+            <a:pPr marL="0" indent="0">
+              <a:buNone/>
+            </a:pPr>
             <a:r>
               <a:rPr lang="en-US" b="1" dirty="0"/>
-              <a:t>ID, </a:t>
+              <a:t>, ('Beatles', '1960', 0, 'Rock')</a:t>
+            </a:r>
+            <a:endParaRPr lang="en-US" dirty="0"/>
+          </a:p>
+          <a:p>
+            <a:pPr marL="0" indent="0">
+              <a:buNone/>
+            </a:pPr>
+            <a:r>
+              <a:rPr lang="en-US" b="1" dirty="0"/>
+              <a:t>, ('Traveling </a:t>
             </a:r>
             <a:r>
               <a:rPr lang="en-US" b="1" dirty="0" err="1"/>
-              <a:t>FirstName</a:t>
+              <a:t>Wilburys</a:t>
             </a:r>
             <a:r>
               <a:rPr lang="en-US" b="1" dirty="0"/>
-              <a:t>, </a:t>
-            </a:r>
-            <a:r>
-              <a:rPr lang="en-US" b="1" dirty="0" err="1"/>
-              <a:t>LastName</a:t>
+              <a:t>', '1988', 0, 'Rock')</a:t>
             </a:r>
             <a:endParaRPr lang="en-US" dirty="0"/>
           </a:p>
@@ -8928,7 +8841,7 @@
             </a:pPr>
             <a:r>
               <a:rPr lang="en-US" b="1" dirty="0"/>
-              <a:t>FROM Individual</a:t>
+              <a:t>, ('Nirvana', '1987', 0, 'Grunge');</a:t>
             </a:r>
             <a:endParaRPr lang="en-US" dirty="0"/>
           </a:p>
@@ -8938,108 +8851,9 @@
             </a:pPr>
             <a:r>
               <a:rPr lang="en-US" b="1" dirty="0"/>
-              <a:t>WHERE </a:t>
-            </a:r>
-            <a:r>
-              <a:rPr lang="en-US" b="1" dirty="0" err="1"/>
-              <a:t>LastName</a:t>
-            </a:r>
-            <a:r>
-              <a:rPr lang="en-US" b="1" dirty="0"/>
-              <a:t> IN (‘Ramone’, ‘</a:t>
-            </a:r>
-            <a:r>
-              <a:rPr lang="en-US" b="1" dirty="0" err="1"/>
-              <a:t>Jennings’,’Presley</a:t>
-            </a:r>
-            <a:r>
-              <a:rPr lang="en-US" b="1" dirty="0"/>
-              <a:t>’); </a:t>
-            </a:r>
-            <a:endParaRPr lang="en-US" b="1" dirty="0" smtClean="0"/>
-          </a:p>
-          <a:p>
-            <a:pPr marL="0" indent="0">
-              <a:buNone/>
-            </a:pPr>
-            <a:endParaRPr lang="en-US" dirty="0" smtClean="0"/>
-          </a:p>
-          <a:p>
-            <a:pPr marL="0" indent="0">
-              <a:buNone/>
-            </a:pPr>
-            <a:r>
-              <a:rPr lang="en-US" dirty="0" smtClean="0"/>
-              <a:t>same as:</a:t>
-            </a:r>
-          </a:p>
-          <a:p>
-            <a:pPr marL="0" indent="0">
-              <a:buNone/>
-            </a:pPr>
-            <a:endParaRPr lang="en-US" b="1" dirty="0" smtClean="0"/>
-          </a:p>
-          <a:p>
-            <a:pPr marL="0" indent="0">
-              <a:buNone/>
-            </a:pPr>
-            <a:r>
-              <a:rPr lang="en-US" b="1" dirty="0" smtClean="0"/>
-              <a:t>SELECT </a:t>
-            </a:r>
-            <a:r>
-              <a:rPr lang="en-US" b="1" dirty="0"/>
-              <a:t>ID, </a:t>
-            </a:r>
-            <a:r>
-              <a:rPr lang="en-US" b="1" dirty="0" err="1"/>
-              <a:t>FirstName</a:t>
-            </a:r>
-            <a:r>
-              <a:rPr lang="en-US" b="1" dirty="0"/>
-              <a:t>, </a:t>
-            </a:r>
-            <a:r>
-              <a:rPr lang="en-US" b="1" dirty="0" err="1"/>
-              <a:t>LastName</a:t>
-            </a:r>
-            <a:r>
-              <a:rPr lang="en-US" b="1" dirty="0"/>
-              <a:t> FROM Individual</a:t>
-            </a:r>
-          </a:p>
-          <a:p>
-            <a:pPr marL="0" indent="0">
-              <a:buNone/>
-            </a:pPr>
-            <a:r>
-              <a:rPr lang="en-US" b="1" dirty="0"/>
-              <a:t>WHERE </a:t>
-            </a:r>
-            <a:r>
-              <a:rPr lang="en-US" b="1" dirty="0" err="1"/>
-              <a:t>LastName</a:t>
-            </a:r>
-            <a:r>
-              <a:rPr lang="en-US" b="1" dirty="0"/>
-              <a:t> = 'Ramone' OR </a:t>
-            </a:r>
-            <a:r>
-              <a:rPr lang="en-US" b="1" dirty="0" err="1"/>
-              <a:t>LastName</a:t>
-            </a:r>
-            <a:r>
-              <a:rPr lang="en-US" b="1" dirty="0"/>
-              <a:t> = 'Presley' OR </a:t>
-            </a:r>
-            <a:r>
-              <a:rPr lang="en-US" b="1" dirty="0" err="1"/>
-              <a:t>LastName</a:t>
-            </a:r>
-            <a:r>
-              <a:rPr lang="en-US" b="1" dirty="0"/>
-              <a:t> = 'Jennings';</a:t>
-            </a:r>
+              <a:t>, ('REM', '1980', 0, 'Alternative');</a:t>
+            </a:r>
+            <a:endParaRPr lang="en-US" dirty="0"/>
           </a:p>
           <a:p>
             <a:pPr marL="0" indent="0">
@@ -9052,7 +8866,7 @@
     </p:spTree>
     <p:extLst>
       <p:ext uri="{BB962C8B-B14F-4D97-AF65-F5344CB8AC3E}">
-        <p14:creationId xmlns:p14="http://schemas.microsoft.com/office/powerpoint/2010/main" val="716622984"/>
+        <p14:creationId xmlns:p14="http://schemas.microsoft.com/office/powerpoint/2010/main" val="1339365369"/>
       </p:ext>
     </p:extLst>
   </p:cSld>
@@ -9096,88 +8910,155 @@
             <p:ph type="title"/>
           </p:nvPr>
         </p:nvSpPr>
-        <p:spPr/>
-        <p:txBody>
-          <a:bodyPr/>
-          <a:lstStyle/>
-          <a:p>
-            <a:r>
-              <a:rPr lang="en-US" dirty="0" smtClean="0"/>
-              <a:t>NOT IN</a:t>
-            </a:r>
-            <a:endParaRPr lang="en-US" dirty="0"/>
-          </a:p>
-        </p:txBody>
-      </p:sp>
-      <p:sp>
-        <p:nvSpPr>
-          <p:cNvPr id="3" name="Content Placeholder 2"/>
-          <p:cNvSpPr>
-            <a:spLocks noGrp="1"/>
-          </p:cNvSpPr>
-          <p:nvPr>
-            <p:ph idx="1"/>
-          </p:nvPr>
-        </p:nvSpPr>
-        <p:spPr/>
-        <p:txBody>
-          <a:bodyPr/>
-          <a:lstStyle/>
-          <a:p>
-            <a:r>
-              <a:rPr lang="en-US" dirty="0"/>
-              <a:t>U</a:t>
-            </a:r>
-            <a:r>
-              <a:rPr lang="en-US" dirty="0" smtClean="0"/>
-              <a:t>se</a:t>
-            </a:r>
-            <a:r>
-              <a:rPr lang="en-US" dirty="0"/>
+        <p:spPr>
+          <a:xfrm>
+            <a:off x="457200" y="990600"/>
+            <a:ext cx="8229600" cy="1143000"/>
+          </a:xfrm>
+        </p:spPr>
+        <p:txBody>
+          <a:bodyPr>
+            <a:normAutofit fontScale="90000"/>
+          </a:bodyPr>
+          <a:lstStyle/>
+          <a:p>
+            <a:r>
+              <a:rPr lang="en-US" i="1" dirty="0"/>
               <a:t> </a:t>
             </a:r>
-            <a:r>
-              <a:rPr lang="en-US" b="1" dirty="0"/>
-              <a:t>NOT IN</a:t>
-            </a:r>
-            <a:r>
-              <a:rPr lang="en-US" dirty="0"/>
-              <a:t> to exclude the rows in your list</a:t>
-            </a:r>
-            <a:endParaRPr lang="en-US" dirty="0" smtClean="0"/>
-          </a:p>
-          <a:p>
-            <a:r>
-              <a:rPr lang="en-US" dirty="0" smtClean="0"/>
-              <a:t>SELECT </a:t>
-            </a:r>
-            <a:r>
-              <a:rPr lang="en-US" dirty="0"/>
-              <a:t>ID, LASTNAME FROM Individual WHERE ID </a:t>
-            </a:r>
-            <a:r>
-              <a:rPr lang="en-US" b="1" dirty="0"/>
-              <a:t>NOT</a:t>
-            </a:r>
-            <a:r>
-              <a:rPr lang="en-US" dirty="0"/>
-              <a:t> </a:t>
-            </a:r>
-            <a:r>
-              <a:rPr lang="en-US" b="1" dirty="0"/>
-              <a:t>IN</a:t>
-            </a:r>
-            <a:r>
-              <a:rPr lang="en-US" dirty="0"/>
-              <a:t> ('50','51','52','53');</a:t>
-            </a:r>
+            <a:br>
+              <a:rPr lang="en-US" i="1" dirty="0"/>
+            </a:br>
+            <a:r>
+              <a:rPr lang="en-US" b="1" i="1" cap="all" dirty="0"/>
+              <a:t>Exercise:  More than one way to INSERT INTO</a:t>
+            </a:r>
+            <a:br>
+              <a:rPr lang="en-US" b="1" i="1" cap="all" dirty="0"/>
+            </a:br>
+            <a:endParaRPr lang="en-US" i="1" dirty="0"/>
+          </a:p>
+        </p:txBody>
+      </p:sp>
+      <p:sp>
+        <p:nvSpPr>
+          <p:cNvPr id="4" name="Title 1"/>
+          <p:cNvSpPr txBox="1">
+            <a:spLocks/>
+          </p:cNvSpPr>
+          <p:nvPr/>
+        </p:nvSpPr>
+        <p:spPr>
+          <a:xfrm>
+            <a:off x="286871" y="2561665"/>
+            <a:ext cx="8229600" cy="1143000"/>
+          </a:xfrm>
+          <a:prstGeom prst="rect">
+            <a:avLst/>
+          </a:prstGeom>
+        </p:spPr>
+        <p:txBody>
+          <a:bodyPr vert="horz" lIns="91440" tIns="45720" rIns="91440" bIns="45720" rtlCol="0" anchor="ctr">
+            <a:noAutofit/>
+          </a:bodyPr>
+          <a:lstStyle>
+            <a:lvl1pPr algn="ctr" defTabSz="914400" rtl="0" eaLnBrk="1" latinLnBrk="0" hangingPunct="1">
+              <a:spcBef>
+                <a:spcPct val="0"/>
+              </a:spcBef>
+              <a:buNone/>
+              <a:defRPr sz="4400" kern="1200">
+                <a:solidFill>
+                  <a:schemeClr val="tx1"/>
+                </a:solidFill>
+                <a:latin typeface="+mj-lt"/>
+                <a:ea typeface="+mj-ea"/>
+                <a:cs typeface="+mj-cs"/>
+              </a:defRPr>
+            </a:lvl1pPr>
+          </a:lstStyle>
+          <a:p>
+            <a:r>
+              <a:rPr lang="en-US" sz="4000" i="1" dirty="0" smtClean="0"/>
+              <a:t> </a:t>
+            </a:r>
+            <a:br>
+              <a:rPr lang="en-US" sz="4000" i="1" dirty="0" smtClean="0"/>
+            </a:br>
+            <a:r>
+              <a:rPr lang="en-US" sz="4000" b="1" i="1" cap="all" dirty="0"/>
+              <a:t>Exercise:  INSERT INTO SELECT </a:t>
+            </a:r>
+            <a:r>
+              <a:rPr lang="en-US" sz="4000" b="1" i="1" cap="all" dirty="0" smtClean="0"/>
+              <a:t/>
+            </a:r>
+            <a:br>
+              <a:rPr lang="en-US" sz="4000" b="1" i="1" cap="all" dirty="0" smtClean="0"/>
+            </a:br>
+            <a:endParaRPr lang="en-US" sz="4000" i="1" dirty="0"/>
+          </a:p>
+        </p:txBody>
+      </p:sp>
+      <p:sp>
+        <p:nvSpPr>
+          <p:cNvPr id="5" name="Title 1"/>
+          <p:cNvSpPr txBox="1">
+            <a:spLocks/>
+          </p:cNvSpPr>
+          <p:nvPr/>
+        </p:nvSpPr>
+        <p:spPr>
+          <a:xfrm>
+            <a:off x="439271" y="4870076"/>
+            <a:ext cx="8229600" cy="1143000"/>
+          </a:xfrm>
+          <a:prstGeom prst="rect">
+            <a:avLst/>
+          </a:prstGeom>
+        </p:spPr>
+        <p:txBody>
+          <a:bodyPr vert="horz" lIns="91440" tIns="45720" rIns="91440" bIns="45720" rtlCol="0" anchor="ctr">
+            <a:noAutofit/>
+          </a:bodyPr>
+          <a:lstStyle>
+            <a:lvl1pPr algn="ctr" defTabSz="914400" rtl="0" eaLnBrk="1" latinLnBrk="0" hangingPunct="1">
+              <a:spcBef>
+                <a:spcPct val="0"/>
+              </a:spcBef>
+              <a:buNone/>
+              <a:defRPr sz="4400" kern="1200">
+                <a:solidFill>
+                  <a:schemeClr val="tx1"/>
+                </a:solidFill>
+                <a:latin typeface="+mj-lt"/>
+                <a:ea typeface="+mj-ea"/>
+                <a:cs typeface="+mj-cs"/>
+              </a:defRPr>
+            </a:lvl1pPr>
+          </a:lstStyle>
+          <a:p>
+            <a:r>
+              <a:rPr lang="en-US" sz="4000" b="1" cap="all" dirty="0"/>
+              <a:t>Exercise:  inserting a row and discovering the value for the last inserted ID</a:t>
+            </a:r>
+          </a:p>
+          <a:p>
+            <a:r>
+              <a:rPr lang="en-US" sz="4000" b="1" i="1" cap="all" dirty="0" smtClean="0"/>
+              <a:t/>
+            </a:r>
+            <a:br>
+              <a:rPr lang="en-US" sz="4000" b="1" i="1" cap="all" dirty="0" smtClean="0"/>
+            </a:br>
+            <a:endParaRPr lang="en-US" sz="4000" i="1" dirty="0"/>
           </a:p>
         </p:txBody>
       </p:sp>
     </p:spTree>
     <p:extLst>
       <p:ext uri="{BB962C8B-B14F-4D97-AF65-F5344CB8AC3E}">
-        <p14:creationId xmlns:p14="http://schemas.microsoft.com/office/powerpoint/2010/main" val="399072544"/>
+        <p14:creationId xmlns:p14="http://schemas.microsoft.com/office/powerpoint/2010/main" val="1344268218"/>
       </p:ext>
     </p:extLst>
   </p:cSld>
@@ -9221,33 +9102,10 @@
             <p:ph type="title"/>
           </p:nvPr>
         </p:nvSpPr>
-        <p:spPr/>
-        <p:txBody>
-          <a:bodyPr/>
-          <a:lstStyle/>
-          <a:p>
-            <a:r>
-              <a:rPr lang="en-US" dirty="0" smtClean="0"/>
-              <a:t>Create a DB from a script</a:t>
-            </a:r>
-            <a:endParaRPr lang="en-US" dirty="0"/>
-          </a:p>
-        </p:txBody>
-      </p:sp>
-      <p:sp>
-        <p:nvSpPr>
-          <p:cNvPr id="3" name="Content Placeholder 2"/>
-          <p:cNvSpPr>
-            <a:spLocks noGrp="1"/>
-          </p:cNvSpPr>
-          <p:nvPr>
-            <p:ph idx="1"/>
-          </p:nvPr>
-        </p:nvSpPr>
         <p:spPr>
           <a:xfrm>
-            <a:off x="457200" y="1600201"/>
-            <a:ext cx="8229600" cy="3810000"/>
+            <a:off x="457200" y="152400"/>
+            <a:ext cx="8229600" cy="944562"/>
           </a:xfrm>
         </p:spPr>
         <p:txBody>
@@ -9255,121 +9113,274 @@
           <a:lstStyle/>
           <a:p>
             <a:r>
-              <a:rPr lang="en-US" dirty="0" smtClean="0"/>
-              <a:t>Create </a:t>
-            </a:r>
-            <a:r>
-              <a:rPr lang="en-US" dirty="0"/>
-              <a:t>a new database named </a:t>
-            </a:r>
-            <a:r>
-              <a:rPr lang="en-US" dirty="0" smtClean="0"/>
-              <a:t>RockStarDay2</a:t>
-            </a:r>
-          </a:p>
-          <a:p>
-            <a:r>
-              <a:rPr lang="en-US" dirty="0"/>
-              <a:t>C</a:t>
-            </a:r>
-            <a:r>
-              <a:rPr lang="en-US" dirty="0" smtClean="0"/>
-              <a:t>reate </a:t>
-            </a:r>
-            <a:r>
-              <a:rPr lang="en-US" dirty="0"/>
-              <a:t>tables within the </a:t>
-            </a:r>
-            <a:r>
-              <a:rPr lang="en-US" dirty="0" smtClean="0"/>
-              <a:t>database </a:t>
-            </a:r>
-            <a:r>
-              <a:rPr lang="en-US" dirty="0"/>
-              <a:t>and populate the tables with data.  </a:t>
-            </a:r>
-            <a:endParaRPr lang="en-US" dirty="0" smtClean="0"/>
-          </a:p>
-          <a:p>
-            <a:r>
-              <a:rPr lang="en-US" dirty="0" smtClean="0"/>
-              <a:t>.</a:t>
-            </a:r>
-            <a:r>
-              <a:rPr lang="en-US" dirty="0" err="1"/>
-              <a:t>sql</a:t>
-            </a:r>
-            <a:r>
-              <a:rPr lang="en-US" dirty="0"/>
-              <a:t> script file that contains a series of SQL commands.  </a:t>
-            </a:r>
-            <a:endParaRPr lang="en-US" dirty="0" smtClean="0"/>
-          </a:p>
-          <a:p>
-            <a:r>
-              <a:rPr lang="en-US" dirty="0" smtClean="0"/>
-              <a:t>We </a:t>
-            </a:r>
-            <a:r>
-              <a:rPr lang="en-US" dirty="0"/>
-              <a:t>will pipe the instructions stored within a file named </a:t>
-            </a:r>
-            <a:r>
-              <a:rPr lang="en-US" dirty="0" err="1"/>
-              <a:t>rockstar.sql</a:t>
-            </a:r>
-            <a:r>
-              <a:rPr lang="en-US" dirty="0"/>
-              <a:t>. </a:t>
-            </a:r>
-          </a:p>
-        </p:txBody>
-      </p:sp>
-      <p:sp>
-        <p:nvSpPr>
-          <p:cNvPr id="4" name="Rectangle 3"/>
-          <p:cNvSpPr/>
-          <p:nvPr/>
+              <a:rPr lang="en-US" dirty="0" err="1" smtClean="0"/>
+              <a:t>GitHub</a:t>
+            </a:r>
+            <a:r>
+              <a:rPr lang="en-US" dirty="0" smtClean="0"/>
+              <a:t> Steps</a:t>
+            </a:r>
+            <a:endParaRPr lang="en-US" dirty="0"/>
+          </a:p>
+        </p:txBody>
+      </p:sp>
+      <p:sp>
+        <p:nvSpPr>
+          <p:cNvPr id="3" name="Content Placeholder 2"/>
+          <p:cNvSpPr>
+            <a:spLocks noGrp="1"/>
+          </p:cNvSpPr>
+          <p:nvPr>
+            <p:ph idx="1"/>
+          </p:nvPr>
         </p:nvSpPr>
         <p:spPr>
           <a:xfrm>
-            <a:off x="381000" y="5638800"/>
-            <a:ext cx="8382000" cy="923330"/>
+            <a:off x="457200" y="1219200"/>
+            <a:ext cx="8229600" cy="5410200"/>
           </a:xfrm>
-          <a:prstGeom prst="rect">
-            <a:avLst/>
-          </a:prstGeom>
         </p:spPr>
         <p:txBody>
-          <a:bodyPr wrap="square">
-            <a:spAutoFit/>
+          <a:bodyPr>
+            <a:normAutofit fontScale="62500" lnSpcReduction="20000"/>
           </a:bodyPr>
           <a:lstStyle/>
           <a:p>
-            <a:r>
-              <a:rPr lang="en-US" dirty="0"/>
-              <a:t>$ mysql &lt; C:\Users\tripot\Dropbox\CharlestonCodes\MySQL\SQLScripts\RockStar\rockstar.sql -u root –p</a:t>
-            </a:r>
+            <a:pPr lvl="0"/>
+            <a:r>
+              <a:rPr lang="en-US" dirty="0"/>
+              <a:t>Open your </a:t>
+            </a:r>
+            <a:r>
+              <a:rPr lang="en-US" dirty="0" err="1"/>
+              <a:t>GitHub</a:t>
+            </a:r>
+            <a:r>
+              <a:rPr lang="en-US" dirty="0"/>
+              <a:t> GUI client</a:t>
+            </a:r>
+          </a:p>
+          <a:p>
+            <a:pPr lvl="0"/>
+            <a:r>
+              <a:rPr lang="en-US" dirty="0"/>
+              <a:t>Within the GUI client, </a:t>
+            </a:r>
+            <a:r>
+              <a:rPr lang="en-US" sz="3800" b="1" dirty="0"/>
+              <a:t>open your [</a:t>
+            </a:r>
+            <a:r>
+              <a:rPr lang="en-US" sz="3800" b="1" dirty="0" err="1"/>
+              <a:t>GitHub</a:t>
+            </a:r>
+            <a:r>
+              <a:rPr lang="en-US" sz="3800" b="1" dirty="0"/>
+              <a:t> user name]/mysql101 </a:t>
+            </a:r>
+            <a:r>
+              <a:rPr lang="en-US" dirty="0"/>
+              <a:t>repository.  </a:t>
+            </a:r>
+            <a:endParaRPr lang="en-US" dirty="0" smtClean="0"/>
+          </a:p>
+          <a:p>
+            <a:pPr lvl="1"/>
+            <a:r>
+              <a:rPr lang="en-US" dirty="0" smtClean="0"/>
+              <a:t>This </a:t>
+            </a:r>
+            <a:r>
+              <a:rPr lang="en-US" dirty="0"/>
+              <a:t>is the repo that you forked from the instructor’s </a:t>
+            </a:r>
+            <a:r>
+              <a:rPr lang="en-US" b="1" dirty="0" err="1"/>
+              <a:t>chscodecamp</a:t>
+            </a:r>
+            <a:r>
+              <a:rPr lang="en-US" b="1" dirty="0"/>
+              <a:t>/mysql101</a:t>
+            </a:r>
+            <a:r>
+              <a:rPr lang="en-US" dirty="0"/>
+              <a:t> repository in the first class.</a:t>
+            </a:r>
+          </a:p>
+          <a:p>
+            <a:pPr lvl="0"/>
+            <a:r>
+              <a:rPr lang="en-US" dirty="0"/>
+              <a:t>From the </a:t>
+            </a:r>
+            <a:r>
+              <a:rPr lang="en-US" dirty="0" err="1"/>
+              <a:t>GitHub</a:t>
+            </a:r>
+            <a:r>
+              <a:rPr lang="en-US" dirty="0"/>
+              <a:t> GUI client, </a:t>
+            </a:r>
+            <a:r>
+              <a:rPr lang="en-US" sz="3800" b="1" dirty="0"/>
+              <a:t>open the </a:t>
+            </a:r>
+            <a:r>
+              <a:rPr lang="en-US" sz="3800" b="1" dirty="0" err="1"/>
+              <a:t>Git</a:t>
+            </a:r>
+            <a:r>
+              <a:rPr lang="en-US" sz="3800" b="1" dirty="0"/>
+              <a:t> shell application</a:t>
+            </a:r>
+            <a:r>
+              <a:rPr lang="en-US" dirty="0"/>
+              <a:t>.  This will open a separate shell application in a separate window.</a:t>
+            </a:r>
+          </a:p>
+          <a:p>
+            <a:r>
+              <a:rPr lang="en-US" b="1" dirty="0"/>
+              <a:t>The Setup</a:t>
+            </a:r>
+            <a:endParaRPr lang="en-US" dirty="0"/>
+          </a:p>
+          <a:p>
+            <a:pPr lvl="1"/>
+            <a:r>
+              <a:rPr lang="en-US" dirty="0"/>
+              <a:t>Before you can sync, you need to add a remote that points to the upstream repository. You may have done this when you originally forked.</a:t>
+            </a:r>
+          </a:p>
+          <a:p>
+            <a:pPr lvl="0"/>
+            <a:r>
+              <a:rPr lang="en-US" dirty="0"/>
+              <a:t>From within the shell application, enter the following command. This will list your current remotes. </a:t>
+            </a:r>
+            <a:endParaRPr lang="en-US" dirty="0" smtClean="0"/>
+          </a:p>
+          <a:p>
+            <a:pPr marL="0" lvl="0" indent="0">
+              <a:buNone/>
+            </a:pPr>
+            <a:r>
+              <a:rPr lang="en-US" dirty="0" smtClean="0"/>
+              <a:t> </a:t>
+            </a:r>
+            <a:endParaRPr lang="en-US" dirty="0"/>
+          </a:p>
+          <a:p>
+            <a:pPr fontAlgn="base"/>
+            <a:r>
+              <a:rPr lang="en-US" sz="4500" b="1" dirty="0"/>
+              <a:t>$ </a:t>
+            </a:r>
+            <a:r>
+              <a:rPr lang="en-US" sz="4500" b="1" dirty="0" err="1"/>
+              <a:t>git</a:t>
+            </a:r>
+            <a:r>
+              <a:rPr lang="en-US" sz="4500" b="1" dirty="0"/>
+              <a:t> remote –v</a:t>
+            </a:r>
+          </a:p>
+          <a:p>
+            <a:pPr marL="0" indent="0" fontAlgn="base">
+              <a:buNone/>
+            </a:pPr>
+            <a:r>
+              <a:rPr lang="en-US" dirty="0"/>
+              <a:t># List the current remotes</a:t>
+            </a:r>
+          </a:p>
+          <a:p>
+            <a:pPr marL="0" indent="0" fontAlgn="base">
+              <a:buNone/>
+            </a:pPr>
+            <a:r>
+              <a:rPr lang="en-US" dirty="0"/>
+              <a:t># origin  https://github.com/</a:t>
+            </a:r>
+            <a:r>
+              <a:rPr lang="en-US" i="1" dirty="0"/>
+              <a:t>your</a:t>
+            </a:r>
+            <a:r>
+              <a:rPr lang="en-US" dirty="0"/>
+              <a:t> </a:t>
+            </a:r>
+            <a:r>
+              <a:rPr lang="en-US" i="1" dirty="0" err="1"/>
+              <a:t>git</a:t>
+            </a:r>
+            <a:r>
+              <a:rPr lang="en-US" i="1" dirty="0"/>
+              <a:t> hub user name</a:t>
+            </a:r>
+            <a:r>
+              <a:rPr lang="en-US" dirty="0"/>
+              <a:t>/</a:t>
+            </a:r>
+            <a:r>
+              <a:rPr lang="en-US" i="1" dirty="0"/>
+              <a:t>mysql101</a:t>
+            </a:r>
+            <a:r>
+              <a:rPr lang="en-US" dirty="0"/>
+              <a:t>.git (fetch)</a:t>
+            </a:r>
+          </a:p>
+          <a:p>
+            <a:pPr marL="0" indent="0" fontAlgn="base">
+              <a:buNone/>
+            </a:pPr>
+            <a:r>
+              <a:rPr lang="en-US" dirty="0"/>
+              <a:t># origin  https://github.com/</a:t>
+            </a:r>
+            <a:r>
+              <a:rPr lang="en-US" i="1" dirty="0"/>
+              <a:t>your </a:t>
+            </a:r>
+            <a:r>
+              <a:rPr lang="en-US" i="1" dirty="0" err="1"/>
+              <a:t>git</a:t>
+            </a:r>
+            <a:r>
+              <a:rPr lang="en-US" i="1" dirty="0"/>
+              <a:t> hub user name </a:t>
+            </a:r>
+            <a:r>
+              <a:rPr lang="en-US" dirty="0"/>
+              <a:t>/</a:t>
+            </a:r>
+            <a:r>
+              <a:rPr lang="en-US" i="1" dirty="0"/>
+              <a:t>mysql101</a:t>
+            </a:r>
+            <a:r>
+              <a:rPr lang="en-US" dirty="0"/>
+              <a:t>.git (push</a:t>
+            </a:r>
+            <a:r>
+              <a:rPr lang="en-US" dirty="0" smtClean="0"/>
+              <a:t>)</a:t>
+            </a:r>
+            <a:endParaRPr lang="en-US" dirty="0"/>
           </a:p>
         </p:txBody>
       </p:sp>
     </p:spTree>
     <p:extLst>
       <p:ext uri="{BB962C8B-B14F-4D97-AF65-F5344CB8AC3E}">
-        <p14:creationId xmlns:p14="http://schemas.microsoft.com/office/powerpoint/2010/main" val="4194727848"/>
+        <p14:creationId xmlns:p14="http://schemas.microsoft.com/office/powerpoint/2010/main" val="1128914446"/>
       </p:ext>
     </p:extLst>
   </p:cSld>
   <p:clrMapOvr>
     <a:masterClrMapping/>
   </p:clrMapOvr>
-  <p:timing>
-    <p:tnLst>
-      <p:par>
-        <p:cTn id="1" dur="indefinite" restart="never" nodeType="tmRoot"/>
-      </p:par>
-    </p:tnLst>
-  </p:timing>
 </p:sld>
 </file>
 
@@ -9400,86 +9411,109 @@
             <p:ph type="title"/>
           </p:nvPr>
         </p:nvSpPr>
-        <p:spPr>
-          <a:xfrm>
-            <a:off x="381000" y="1295400"/>
-            <a:ext cx="8229600" cy="1143000"/>
-          </a:xfrm>
-        </p:spPr>
+        <p:spPr/>
+        <p:txBody>
+          <a:bodyPr/>
+          <a:lstStyle/>
+          <a:p>
+            <a:r>
+              <a:rPr lang="en-US" dirty="0"/>
+              <a:t>DELETE Statement</a:t>
+            </a:r>
+          </a:p>
+        </p:txBody>
+      </p:sp>
+      <p:sp>
+        <p:nvSpPr>
+          <p:cNvPr id="3" name="Content Placeholder 2"/>
+          <p:cNvSpPr>
+            <a:spLocks noGrp="1"/>
+          </p:cNvSpPr>
+          <p:nvPr>
+            <p:ph idx="1"/>
+          </p:nvPr>
+        </p:nvSpPr>
+        <p:spPr/>
         <p:txBody>
           <a:bodyPr>
-            <a:normAutofit fontScale="90000"/>
+            <a:normAutofit lnSpcReduction="10000"/>
           </a:bodyPr>
           <a:lstStyle/>
           <a:p>
             <a:r>
-              <a:rPr lang="en-US" b="1" cap="all" dirty="0"/>
-              <a:t>Exercise:  Using the DELETE </a:t>
-            </a:r>
-            <a:r>
-              <a:rPr lang="en-US" b="1" cap="all" dirty="0" smtClean="0"/>
-              <a:t>statement</a:t>
+              <a:rPr lang="en-US" dirty="0" smtClean="0"/>
+              <a:t>DELETE removes row from a table.</a:t>
+            </a:r>
+          </a:p>
+          <a:p>
+            <a:r>
+              <a:rPr lang="en-US" dirty="0" smtClean="0"/>
+              <a:t>DANGER, YOU REALLY NEED A WHERE CLAUSE!</a:t>
+            </a:r>
+          </a:p>
+          <a:p>
+            <a:r>
+              <a:rPr lang="en-US" dirty="0" smtClean="0"/>
+              <a:t>Try SELECT before DELETE to verify rows affected</a:t>
+            </a:r>
+          </a:p>
+          <a:p>
+            <a:r>
+              <a:rPr lang="en-US" dirty="0" smtClean="0"/>
+              <a:t>Dangerous:</a:t>
+            </a:r>
+          </a:p>
+          <a:p>
+            <a:pPr lvl="1"/>
+            <a:r>
+              <a:rPr lang="en-US" b="1" dirty="0"/>
+              <a:t>DELETE FROM &lt;</a:t>
+            </a:r>
+            <a:r>
+              <a:rPr lang="en-US" b="1" dirty="0" err="1"/>
+              <a:t>table_name</a:t>
+            </a:r>
+            <a:r>
+              <a:rPr lang="en-US" b="1" dirty="0"/>
+              <a:t>&gt;;  </a:t>
+            </a:r>
+            <a:endParaRPr lang="en-US" b="1" dirty="0" smtClean="0"/>
+          </a:p>
+          <a:p>
+            <a:r>
+              <a:rPr lang="en-US" b="1" dirty="0" smtClean="0"/>
+              <a:t>Much, much better</a:t>
+            </a:r>
+          </a:p>
+          <a:p>
+            <a:pPr lvl="1"/>
+            <a:r>
+              <a:rPr lang="en-US" b="1" dirty="0" smtClean="0"/>
+              <a:t>DELETE FROM </a:t>
+            </a:r>
+            <a:r>
+              <a:rPr lang="en-US" b="1" dirty="0"/>
+              <a:t>&lt;</a:t>
+            </a:r>
+            <a:r>
+              <a:rPr lang="en-US" b="1" dirty="0" err="1"/>
+              <a:t>table_name</a:t>
+            </a:r>
+            <a:r>
+              <a:rPr lang="en-US" b="1" dirty="0" smtClean="0"/>
+              <a:t>&gt; WHERE ID = 234;</a:t>
             </a:r>
             <a:endParaRPr lang="en-US" dirty="0"/>
           </a:p>
-        </p:txBody>
-      </p:sp>
-      <p:sp>
-        <p:nvSpPr>
-          <p:cNvPr id="3" name="Content Placeholder 2"/>
-          <p:cNvSpPr>
-            <a:spLocks noGrp="1"/>
-          </p:cNvSpPr>
-          <p:nvPr>
-            <p:ph idx="1"/>
-          </p:nvPr>
-        </p:nvSpPr>
-        <p:spPr>
-          <a:xfrm>
-            <a:off x="457200" y="3962400"/>
-            <a:ext cx="8229600" cy="1371600"/>
-          </a:xfrm>
-        </p:spPr>
-        <p:txBody>
-          <a:bodyPr vert="horz" lIns="91440" tIns="45720" rIns="91440" bIns="45720" rtlCol="0" anchor="ctr">
-            <a:normAutofit fontScale="90000"/>
-          </a:bodyPr>
-          <a:lstStyle/>
-          <a:p>
-            <a:pPr algn="ctr">
-              <a:spcBef>
-                <a:spcPct val="0"/>
-              </a:spcBef>
-              <a:buNone/>
-            </a:pPr>
-            <a:r>
-              <a:rPr lang="en-US" sz="4400" b="1" cap="all" dirty="0">
-                <a:latin typeface="+mj-lt"/>
-                <a:ea typeface="+mj-ea"/>
-                <a:cs typeface="+mj-cs"/>
-              </a:rPr>
-              <a:t>Exercise:  Using the IN operator to delete multiple records</a:t>
-            </a:r>
-          </a:p>
-          <a:p>
-            <a:pPr algn="ctr">
-              <a:spcBef>
-                <a:spcPct val="0"/>
-              </a:spcBef>
-              <a:buNone/>
-            </a:pPr>
-            <a:endParaRPr lang="en-US" sz="4400" b="1" cap="all" dirty="0">
-              <a:latin typeface="+mj-lt"/>
-              <a:ea typeface="+mj-ea"/>
-              <a:cs typeface="+mj-cs"/>
-            </a:endParaRPr>
+          <a:p>
+            <a:endParaRPr lang="en-US" dirty="0"/>
           </a:p>
         </p:txBody>
       </p:sp>
     </p:spTree>
     <p:extLst>
       <p:ext uri="{BB962C8B-B14F-4D97-AF65-F5344CB8AC3E}">
-        <p14:creationId xmlns:p14="http://schemas.microsoft.com/office/powerpoint/2010/main" val="853282443"/>
+        <p14:creationId xmlns:p14="http://schemas.microsoft.com/office/powerpoint/2010/main" val="599712689"/>
       </p:ext>
     </p:extLst>
   </p:cSld>
@@ -9530,6 +9564,608 @@
           <a:p>
             <a:r>
               <a:rPr lang="en-US" dirty="0" smtClean="0"/>
+              <a:t>I get nervous</a:t>
+            </a:r>
+            <a:endParaRPr lang="en-US" dirty="0"/>
+          </a:p>
+        </p:txBody>
+      </p:sp>
+      <p:sp>
+        <p:nvSpPr>
+          <p:cNvPr id="3" name="Content Placeholder 2"/>
+          <p:cNvSpPr>
+            <a:spLocks noGrp="1"/>
+          </p:cNvSpPr>
+          <p:nvPr>
+            <p:ph idx="1"/>
+          </p:nvPr>
+        </p:nvSpPr>
+        <p:spPr/>
+        <p:txBody>
+          <a:bodyPr/>
+          <a:lstStyle/>
+          <a:p>
+            <a:r>
+              <a:rPr lang="en-US" dirty="0" smtClean="0"/>
+              <a:t>Whenever I use delete without a WHERE clause that identifies rows by the primary key</a:t>
+            </a:r>
+          </a:p>
+          <a:p>
+            <a:pPr marL="0" indent="0">
+              <a:buNone/>
+            </a:pPr>
+            <a:endParaRPr lang="en-US" dirty="0"/>
+          </a:p>
+        </p:txBody>
+      </p:sp>
+    </p:spTree>
+    <p:extLst>
+      <p:ext uri="{BB962C8B-B14F-4D97-AF65-F5344CB8AC3E}">
+        <p14:creationId xmlns:p14="http://schemas.microsoft.com/office/powerpoint/2010/main" val="3750836300"/>
+      </p:ext>
+    </p:extLst>
+  </p:cSld>
+  <p:clrMapOvr>
+    <a:masterClrMapping/>
+  </p:clrMapOvr>
+  <p:timing>
+    <p:tnLst>
+      <p:par>
+        <p:cTn id="1" dur="indefinite" restart="never" nodeType="tmRoot"/>
+      </p:par>
+    </p:tnLst>
+  </p:timing>
+</p:sld>
+</file>
+
+<file path=ppt/slides/slide42.xml><?xml version="1.0" encoding="utf-8"?>
+<p:sld xmlns:a="http://schemas.openxmlformats.org/drawingml/2006/main" xmlns:r="http://schemas.openxmlformats.org/officeDocument/2006/relationships" xmlns:p="http://schemas.openxmlformats.org/presentationml/2006/main">
+  <p:cSld>
+    <p:spTree>
+      <p:nvGrpSpPr>
+        <p:cNvPr id="1" name=""/>
+        <p:cNvGrpSpPr/>
+        <p:nvPr/>
+      </p:nvGrpSpPr>
+      <p:grpSpPr>
+        <a:xfrm>
+          <a:off x="0" y="0"/>
+          <a:ext cx="0" cy="0"/>
+          <a:chOff x="0" y="0"/>
+          <a:chExt cx="0" cy="0"/>
+        </a:xfrm>
+      </p:grpSpPr>
+      <p:sp>
+        <p:nvSpPr>
+          <p:cNvPr id="2" name="Title 1"/>
+          <p:cNvSpPr>
+            <a:spLocks noGrp="1"/>
+          </p:cNvSpPr>
+          <p:nvPr>
+            <p:ph type="title"/>
+          </p:nvPr>
+        </p:nvSpPr>
+        <p:spPr>
+          <a:xfrm>
+            <a:off x="457200" y="152400"/>
+            <a:ext cx="8229600" cy="715962"/>
+          </a:xfrm>
+        </p:spPr>
+        <p:txBody>
+          <a:bodyPr>
+            <a:normAutofit fontScale="90000"/>
+          </a:bodyPr>
+          <a:lstStyle/>
+          <a:p>
+            <a:r>
+              <a:rPr lang="en-US" dirty="0" smtClean="0"/>
+              <a:t>Using the IN Operator</a:t>
+            </a:r>
+            <a:endParaRPr lang="en-US" dirty="0"/>
+          </a:p>
+        </p:txBody>
+      </p:sp>
+      <p:sp>
+        <p:nvSpPr>
+          <p:cNvPr id="3" name="Content Placeholder 2"/>
+          <p:cNvSpPr>
+            <a:spLocks noGrp="1"/>
+          </p:cNvSpPr>
+          <p:nvPr>
+            <p:ph idx="1"/>
+          </p:nvPr>
+        </p:nvSpPr>
+        <p:spPr>
+          <a:xfrm>
+            <a:off x="457200" y="914400"/>
+            <a:ext cx="8229600" cy="5211763"/>
+          </a:xfrm>
+        </p:spPr>
+        <p:txBody>
+          <a:bodyPr>
+            <a:normAutofit fontScale="85000" lnSpcReduction="20000"/>
+          </a:bodyPr>
+          <a:lstStyle/>
+          <a:p>
+            <a:r>
+              <a:rPr lang="en-US" dirty="0"/>
+              <a:t>The </a:t>
+            </a:r>
+            <a:r>
+              <a:rPr lang="en-US" b="1" dirty="0"/>
+              <a:t>IN</a:t>
+            </a:r>
+            <a:r>
+              <a:rPr lang="en-US" dirty="0"/>
+              <a:t> operation is used to test whether or not a value is ‘in’ the list.  </a:t>
+            </a:r>
+            <a:endParaRPr lang="en-US" dirty="0" smtClean="0"/>
+          </a:p>
+          <a:p>
+            <a:pPr marL="0" indent="0">
+              <a:buNone/>
+            </a:pPr>
+            <a:endParaRPr lang="en-US" dirty="0"/>
+          </a:p>
+          <a:p>
+            <a:pPr marL="0" indent="0">
+              <a:buNone/>
+            </a:pPr>
+            <a:r>
+              <a:rPr lang="en-US" b="1" dirty="0"/>
+              <a:t>S</a:t>
+            </a:r>
+            <a:r>
+              <a:rPr lang="en-US" b="1" dirty="0" smtClean="0"/>
+              <a:t>ELECT </a:t>
+            </a:r>
+            <a:r>
+              <a:rPr lang="en-US" b="1" dirty="0"/>
+              <a:t>ID, </a:t>
+            </a:r>
+            <a:r>
+              <a:rPr lang="en-US" b="1" dirty="0" err="1"/>
+              <a:t>FirstName</a:t>
+            </a:r>
+            <a:r>
+              <a:rPr lang="en-US" b="1" dirty="0"/>
+              <a:t>, </a:t>
+            </a:r>
+            <a:r>
+              <a:rPr lang="en-US" b="1" dirty="0" err="1"/>
+              <a:t>LastName</a:t>
+            </a:r>
+            <a:endParaRPr lang="en-US" dirty="0"/>
+          </a:p>
+          <a:p>
+            <a:pPr marL="0" indent="0">
+              <a:buNone/>
+            </a:pPr>
+            <a:r>
+              <a:rPr lang="en-US" b="1" dirty="0"/>
+              <a:t>FROM Individual</a:t>
+            </a:r>
+            <a:endParaRPr lang="en-US" dirty="0"/>
+          </a:p>
+          <a:p>
+            <a:pPr marL="0" indent="0">
+              <a:buNone/>
+            </a:pPr>
+            <a:r>
+              <a:rPr lang="en-US" b="1" dirty="0"/>
+              <a:t>WHERE </a:t>
+            </a:r>
+            <a:r>
+              <a:rPr lang="en-US" b="1" dirty="0" err="1"/>
+              <a:t>LastName</a:t>
+            </a:r>
+            <a:r>
+              <a:rPr lang="en-US" b="1" dirty="0"/>
+              <a:t> IN (‘Ramone’, ‘</a:t>
+            </a:r>
+            <a:r>
+              <a:rPr lang="en-US" b="1" dirty="0" err="1"/>
+              <a:t>Jennings’,’Presley</a:t>
+            </a:r>
+            <a:r>
+              <a:rPr lang="en-US" b="1" dirty="0"/>
+              <a:t>’); </a:t>
+            </a:r>
+            <a:endParaRPr lang="en-US" b="1" dirty="0" smtClean="0"/>
+          </a:p>
+          <a:p>
+            <a:pPr marL="0" indent="0">
+              <a:buNone/>
+            </a:pPr>
+            <a:endParaRPr lang="en-US" dirty="0" smtClean="0"/>
+          </a:p>
+          <a:p>
+            <a:pPr marL="0" indent="0">
+              <a:buNone/>
+            </a:pPr>
+            <a:r>
+              <a:rPr lang="en-US" dirty="0" smtClean="0"/>
+              <a:t>same as:</a:t>
+            </a:r>
+          </a:p>
+          <a:p>
+            <a:pPr marL="0" indent="0">
+              <a:buNone/>
+            </a:pPr>
+            <a:endParaRPr lang="en-US" b="1" dirty="0" smtClean="0"/>
+          </a:p>
+          <a:p>
+            <a:pPr marL="0" indent="0">
+              <a:buNone/>
+            </a:pPr>
+            <a:r>
+              <a:rPr lang="en-US" b="1" dirty="0" smtClean="0"/>
+              <a:t>SELECT </a:t>
+            </a:r>
+            <a:r>
+              <a:rPr lang="en-US" b="1" dirty="0"/>
+              <a:t>ID, </a:t>
+            </a:r>
+            <a:r>
+              <a:rPr lang="en-US" b="1" dirty="0" err="1"/>
+              <a:t>FirstName</a:t>
+            </a:r>
+            <a:r>
+              <a:rPr lang="en-US" b="1" dirty="0"/>
+              <a:t>, </a:t>
+            </a:r>
+            <a:r>
+              <a:rPr lang="en-US" b="1" dirty="0" err="1"/>
+              <a:t>LastName</a:t>
+            </a:r>
+            <a:r>
+              <a:rPr lang="en-US" b="1" dirty="0"/>
+              <a:t> FROM Individual</a:t>
+            </a:r>
+          </a:p>
+          <a:p>
+            <a:pPr marL="0" indent="0">
+              <a:buNone/>
+            </a:pPr>
+            <a:r>
+              <a:rPr lang="en-US" b="1" dirty="0"/>
+              <a:t>WHERE </a:t>
+            </a:r>
+            <a:r>
+              <a:rPr lang="en-US" b="1" dirty="0" err="1"/>
+              <a:t>LastName</a:t>
+            </a:r>
+            <a:r>
+              <a:rPr lang="en-US" b="1" dirty="0"/>
+              <a:t> = 'Ramone' OR </a:t>
+            </a:r>
+            <a:r>
+              <a:rPr lang="en-US" b="1" dirty="0" err="1"/>
+              <a:t>LastName</a:t>
+            </a:r>
+            <a:r>
+              <a:rPr lang="en-US" b="1" dirty="0"/>
+              <a:t> = 'Presley' OR </a:t>
+            </a:r>
+            <a:r>
+              <a:rPr lang="en-US" b="1" dirty="0" err="1"/>
+              <a:t>LastName</a:t>
+            </a:r>
+            <a:r>
+              <a:rPr lang="en-US" b="1" dirty="0"/>
+              <a:t> = 'Jennings';</a:t>
+            </a:r>
+          </a:p>
+          <a:p>
+            <a:pPr marL="0" indent="0">
+              <a:buNone/>
+            </a:pPr>
+            <a:endParaRPr lang="en-US" dirty="0"/>
+          </a:p>
+        </p:txBody>
+      </p:sp>
+    </p:spTree>
+    <p:extLst>
+      <p:ext uri="{BB962C8B-B14F-4D97-AF65-F5344CB8AC3E}">
+        <p14:creationId xmlns:p14="http://schemas.microsoft.com/office/powerpoint/2010/main" val="716622984"/>
+      </p:ext>
+    </p:extLst>
+  </p:cSld>
+  <p:clrMapOvr>
+    <a:masterClrMapping/>
+  </p:clrMapOvr>
+  <p:timing>
+    <p:tnLst>
+      <p:par>
+        <p:cTn id="1" dur="indefinite" restart="never" nodeType="tmRoot"/>
+      </p:par>
+    </p:tnLst>
+  </p:timing>
+</p:sld>
+</file>
+
+<file path=ppt/slides/slide43.xml><?xml version="1.0" encoding="utf-8"?>
+<p:sld xmlns:a="http://schemas.openxmlformats.org/drawingml/2006/main" xmlns:r="http://schemas.openxmlformats.org/officeDocument/2006/relationships" xmlns:p="http://schemas.openxmlformats.org/presentationml/2006/main">
+  <p:cSld>
+    <p:spTree>
+      <p:nvGrpSpPr>
+        <p:cNvPr id="1" name=""/>
+        <p:cNvGrpSpPr/>
+        <p:nvPr/>
+      </p:nvGrpSpPr>
+      <p:grpSpPr>
+        <a:xfrm>
+          <a:off x="0" y="0"/>
+          <a:ext cx="0" cy="0"/>
+          <a:chOff x="0" y="0"/>
+          <a:chExt cx="0" cy="0"/>
+        </a:xfrm>
+      </p:grpSpPr>
+      <p:sp>
+        <p:nvSpPr>
+          <p:cNvPr id="2" name="Title 1"/>
+          <p:cNvSpPr>
+            <a:spLocks noGrp="1"/>
+          </p:cNvSpPr>
+          <p:nvPr>
+            <p:ph type="title"/>
+          </p:nvPr>
+        </p:nvSpPr>
+        <p:spPr/>
+        <p:txBody>
+          <a:bodyPr/>
+          <a:lstStyle/>
+          <a:p>
+            <a:r>
+              <a:rPr lang="en-US" dirty="0" smtClean="0"/>
+              <a:t>NOT IN</a:t>
+            </a:r>
+            <a:endParaRPr lang="en-US" dirty="0"/>
+          </a:p>
+        </p:txBody>
+      </p:sp>
+      <p:sp>
+        <p:nvSpPr>
+          <p:cNvPr id="3" name="Content Placeholder 2"/>
+          <p:cNvSpPr>
+            <a:spLocks noGrp="1"/>
+          </p:cNvSpPr>
+          <p:nvPr>
+            <p:ph idx="1"/>
+          </p:nvPr>
+        </p:nvSpPr>
+        <p:spPr/>
+        <p:txBody>
+          <a:bodyPr/>
+          <a:lstStyle/>
+          <a:p>
+            <a:r>
+              <a:rPr lang="en-US" dirty="0"/>
+              <a:t>U</a:t>
+            </a:r>
+            <a:r>
+              <a:rPr lang="en-US" dirty="0" smtClean="0"/>
+              <a:t>se</a:t>
+            </a:r>
+            <a:r>
+              <a:rPr lang="en-US" dirty="0"/>
+              <a:t> </a:t>
+            </a:r>
+            <a:r>
+              <a:rPr lang="en-US" b="1" dirty="0"/>
+              <a:t>NOT IN</a:t>
+            </a:r>
+            <a:r>
+              <a:rPr lang="en-US" dirty="0"/>
+              <a:t> to exclude the rows in your list</a:t>
+            </a:r>
+            <a:endParaRPr lang="en-US" dirty="0" smtClean="0"/>
+          </a:p>
+          <a:p>
+            <a:r>
+              <a:rPr lang="en-US" dirty="0" smtClean="0"/>
+              <a:t>SELECT </a:t>
+            </a:r>
+            <a:r>
+              <a:rPr lang="en-US" dirty="0"/>
+              <a:t>ID, LASTNAME FROM Individual WHERE ID </a:t>
+            </a:r>
+            <a:r>
+              <a:rPr lang="en-US" b="1" dirty="0"/>
+              <a:t>NOT</a:t>
+            </a:r>
+            <a:r>
+              <a:rPr lang="en-US" dirty="0"/>
+              <a:t> </a:t>
+            </a:r>
+            <a:r>
+              <a:rPr lang="en-US" b="1" dirty="0"/>
+              <a:t>IN</a:t>
+            </a:r>
+            <a:r>
+              <a:rPr lang="en-US" dirty="0"/>
+              <a:t> ('50','51','52','53');</a:t>
+            </a:r>
+          </a:p>
+        </p:txBody>
+      </p:sp>
+    </p:spTree>
+    <p:extLst>
+      <p:ext uri="{BB962C8B-B14F-4D97-AF65-F5344CB8AC3E}">
+        <p14:creationId xmlns:p14="http://schemas.microsoft.com/office/powerpoint/2010/main" val="399072544"/>
+      </p:ext>
+    </p:extLst>
+  </p:cSld>
+  <p:clrMapOvr>
+    <a:masterClrMapping/>
+  </p:clrMapOvr>
+  <p:timing>
+    <p:tnLst>
+      <p:par>
+        <p:cTn id="1" dur="indefinite" restart="never" nodeType="tmRoot"/>
+      </p:par>
+    </p:tnLst>
+  </p:timing>
+</p:sld>
+</file>
+
+<file path=ppt/slides/slide44.xml><?xml version="1.0" encoding="utf-8"?>
+<p:sld xmlns:a="http://schemas.openxmlformats.org/drawingml/2006/main" xmlns:r="http://schemas.openxmlformats.org/officeDocument/2006/relationships" xmlns:p="http://schemas.openxmlformats.org/presentationml/2006/main">
+  <p:cSld>
+    <p:spTree>
+      <p:nvGrpSpPr>
+        <p:cNvPr id="1" name=""/>
+        <p:cNvGrpSpPr/>
+        <p:nvPr/>
+      </p:nvGrpSpPr>
+      <p:grpSpPr>
+        <a:xfrm>
+          <a:off x="0" y="0"/>
+          <a:ext cx="0" cy="0"/>
+          <a:chOff x="0" y="0"/>
+          <a:chExt cx="0" cy="0"/>
+        </a:xfrm>
+      </p:grpSpPr>
+      <p:sp>
+        <p:nvSpPr>
+          <p:cNvPr id="2" name="Title 1"/>
+          <p:cNvSpPr>
+            <a:spLocks noGrp="1"/>
+          </p:cNvSpPr>
+          <p:nvPr>
+            <p:ph type="title"/>
+          </p:nvPr>
+        </p:nvSpPr>
+        <p:spPr>
+          <a:xfrm>
+            <a:off x="381000" y="1295400"/>
+            <a:ext cx="8229600" cy="1143000"/>
+          </a:xfrm>
+        </p:spPr>
+        <p:txBody>
+          <a:bodyPr>
+            <a:normAutofit fontScale="90000"/>
+          </a:bodyPr>
+          <a:lstStyle/>
+          <a:p>
+            <a:r>
+              <a:rPr lang="en-US" b="1" cap="all" dirty="0"/>
+              <a:t>Exercise:  Using the DELETE </a:t>
+            </a:r>
+            <a:r>
+              <a:rPr lang="en-US" b="1" cap="all" dirty="0" smtClean="0"/>
+              <a:t>statement</a:t>
+            </a:r>
+            <a:endParaRPr lang="en-US" dirty="0"/>
+          </a:p>
+        </p:txBody>
+      </p:sp>
+      <p:sp>
+        <p:nvSpPr>
+          <p:cNvPr id="3" name="Content Placeholder 2"/>
+          <p:cNvSpPr>
+            <a:spLocks noGrp="1"/>
+          </p:cNvSpPr>
+          <p:nvPr>
+            <p:ph idx="1"/>
+          </p:nvPr>
+        </p:nvSpPr>
+        <p:spPr>
+          <a:xfrm>
+            <a:off x="457200" y="3962400"/>
+            <a:ext cx="8229600" cy="1371600"/>
+          </a:xfrm>
+        </p:spPr>
+        <p:txBody>
+          <a:bodyPr vert="horz" lIns="91440" tIns="45720" rIns="91440" bIns="45720" rtlCol="0" anchor="ctr">
+            <a:normAutofit fontScale="90000"/>
+          </a:bodyPr>
+          <a:lstStyle/>
+          <a:p>
+            <a:pPr algn="ctr">
+              <a:spcBef>
+                <a:spcPct val="0"/>
+              </a:spcBef>
+              <a:buNone/>
+            </a:pPr>
+            <a:r>
+              <a:rPr lang="en-US" sz="4400" b="1" cap="all" dirty="0">
+                <a:latin typeface="+mj-lt"/>
+                <a:ea typeface="+mj-ea"/>
+                <a:cs typeface="+mj-cs"/>
+              </a:rPr>
+              <a:t>Exercise:  Using the IN operator to delete multiple records</a:t>
+            </a:r>
+          </a:p>
+          <a:p>
+            <a:pPr algn="ctr">
+              <a:spcBef>
+                <a:spcPct val="0"/>
+              </a:spcBef>
+              <a:buNone/>
+            </a:pPr>
+            <a:endParaRPr lang="en-US" sz="4400" b="1" cap="all" dirty="0">
+              <a:latin typeface="+mj-lt"/>
+              <a:ea typeface="+mj-ea"/>
+              <a:cs typeface="+mj-cs"/>
+            </a:endParaRPr>
+          </a:p>
+        </p:txBody>
+      </p:sp>
+    </p:spTree>
+    <p:extLst>
+      <p:ext uri="{BB962C8B-B14F-4D97-AF65-F5344CB8AC3E}">
+        <p14:creationId xmlns:p14="http://schemas.microsoft.com/office/powerpoint/2010/main" val="853282443"/>
+      </p:ext>
+    </p:extLst>
+  </p:cSld>
+  <p:clrMapOvr>
+    <a:masterClrMapping/>
+  </p:clrMapOvr>
+  <p:timing>
+    <p:tnLst>
+      <p:par>
+        <p:cTn id="1" dur="indefinite" restart="never" nodeType="tmRoot"/>
+      </p:par>
+    </p:tnLst>
+  </p:timing>
+</p:sld>
+</file>
+
+<file path=ppt/slides/slide45.xml><?xml version="1.0" encoding="utf-8"?>
+<p:sld xmlns:a="http://schemas.openxmlformats.org/drawingml/2006/main" xmlns:r="http://schemas.openxmlformats.org/officeDocument/2006/relationships" xmlns:p="http://schemas.openxmlformats.org/presentationml/2006/main">
+  <p:cSld>
+    <p:spTree>
+      <p:nvGrpSpPr>
+        <p:cNvPr id="1" name=""/>
+        <p:cNvGrpSpPr/>
+        <p:nvPr/>
+      </p:nvGrpSpPr>
+      <p:grpSpPr>
+        <a:xfrm>
+          <a:off x="0" y="0"/>
+          <a:ext cx="0" cy="0"/>
+          <a:chOff x="0" y="0"/>
+          <a:chExt cx="0" cy="0"/>
+        </a:xfrm>
+      </p:grpSpPr>
+      <p:sp>
+        <p:nvSpPr>
+          <p:cNvPr id="2" name="Title 1"/>
+          <p:cNvSpPr>
+            <a:spLocks noGrp="1"/>
+          </p:cNvSpPr>
+          <p:nvPr>
+            <p:ph type="title"/>
+          </p:nvPr>
+        </p:nvSpPr>
+        <p:spPr/>
+        <p:txBody>
+          <a:bodyPr/>
+          <a:lstStyle/>
+          <a:p>
+            <a:r>
+              <a:rPr lang="en-US" dirty="0" smtClean="0"/>
               <a:t>UPDATE	</a:t>
             </a:r>
             <a:endParaRPr lang="en-US" dirty="0"/>
@@ -9671,7 +10307,7 @@
 </p:sld>
 </file>
 
-<file path=ppt/slides/slide42.xml><?xml version="1.0" encoding="utf-8"?>
+<file path=ppt/slides/slide46.xml><?xml version="1.0" encoding="utf-8"?>
 <p:sld xmlns:a="http://schemas.openxmlformats.org/drawingml/2006/main" xmlns:r="http://schemas.openxmlformats.org/officeDocument/2006/relationships" xmlns:p="http://schemas.openxmlformats.org/presentationml/2006/main">
   <p:cSld>
     <p:spTree>
@@ -9953,74 +10589,264 @@
             <p:ph type="title"/>
           </p:nvPr>
         </p:nvSpPr>
+        <p:spPr/>
+        <p:txBody>
+          <a:bodyPr>
+            <a:normAutofit/>
+          </a:bodyPr>
+          <a:lstStyle/>
+          <a:p>
+            <a:r>
+              <a:rPr lang="en-US" dirty="0" err="1" smtClean="0"/>
+              <a:t>GitHub</a:t>
+            </a:r>
+            <a:r>
+              <a:rPr lang="en-US" dirty="0" smtClean="0"/>
+              <a:t>:  remote add upstream</a:t>
+            </a:r>
+            <a:endParaRPr lang="en-US" dirty="0"/>
+          </a:p>
+        </p:txBody>
+      </p:sp>
+      <p:sp>
+        <p:nvSpPr>
+          <p:cNvPr id="3" name="Content Placeholder 2"/>
+          <p:cNvSpPr>
+            <a:spLocks noGrp="1"/>
+          </p:cNvSpPr>
+          <p:nvPr>
+            <p:ph idx="1"/>
+          </p:nvPr>
+        </p:nvSpPr>
         <p:spPr>
           <a:xfrm>
-            <a:off x="457200" y="381000"/>
-            <a:ext cx="8229600" cy="1143000"/>
+            <a:off x="457200" y="1371600"/>
+            <a:ext cx="8305800" cy="4953000"/>
           </a:xfrm>
         </p:spPr>
         <p:txBody>
           <a:bodyPr>
-            <a:normAutofit fontScale="90000"/>
+            <a:noAutofit/>
           </a:bodyPr>
           <a:lstStyle/>
           <a:p>
-            <a:r>
-              <a:rPr lang="en-US" b="1" i="1" cap="all" dirty="0" smtClean="0"/>
-              <a:t>Exercise 1:  </a:t>
-            </a:r>
-            <a:r>
-              <a:rPr lang="en-US" b="1" i="1" cap="all" dirty="0"/>
-              <a:t>Creating a Database from a .SQL Script FILE</a:t>
-            </a:r>
-          </a:p>
-        </p:txBody>
-      </p:sp>
-      <p:sp>
-        <p:nvSpPr>
-          <p:cNvPr id="3" name="Content Placeholder 2"/>
-          <p:cNvSpPr>
-            <a:spLocks noGrp="1"/>
-          </p:cNvSpPr>
-          <p:nvPr>
-            <p:ph idx="1"/>
-          </p:nvPr>
-        </p:nvSpPr>
-        <p:spPr>
-          <a:xfrm>
-            <a:off x="457200" y="1828800"/>
-            <a:ext cx="8229600" cy="4525963"/>
-          </a:xfrm>
-        </p:spPr>
-        <p:txBody>
-          <a:bodyPr/>
-          <a:lstStyle/>
-          <a:p>
-            <a:r>
-              <a:rPr lang="en-US" dirty="0" smtClean="0"/>
-              <a:t>Page 26</a:t>
-            </a:r>
-            <a:endParaRPr lang="en-US" dirty="0"/>
+            <a:pPr lvl="0"/>
+            <a:r>
+              <a:rPr lang="en-US" sz="2000" dirty="0"/>
+              <a:t>Add a remote that points to the upstream repository</a:t>
+            </a:r>
+          </a:p>
+          <a:p>
+            <a:r>
+              <a:rPr lang="en-US" sz="2000" b="1" dirty="0"/>
+              <a:t>Tip</a:t>
+            </a:r>
+            <a:r>
+              <a:rPr lang="en-US" sz="2000" dirty="0"/>
+              <a:t>: Syncing your fork only updates your local copy of the repository to the changes that the instructor made to his </a:t>
+            </a:r>
+            <a:r>
+              <a:rPr lang="en-US" sz="2000" b="1" dirty="0" err="1"/>
+              <a:t>chscodecamp</a:t>
+            </a:r>
+            <a:r>
+              <a:rPr lang="en-US" sz="2000" b="1" dirty="0"/>
+              <a:t>/mysql101</a:t>
+            </a:r>
+            <a:r>
+              <a:rPr lang="en-US" sz="2000" dirty="0"/>
+              <a:t> repository; it does </a:t>
+            </a:r>
+            <a:r>
+              <a:rPr lang="en-US" sz="2000" b="1" dirty="0"/>
+              <a:t>not</a:t>
+            </a:r>
+            <a:r>
+              <a:rPr lang="en-US" sz="2000" dirty="0"/>
+              <a:t> update your repository on GitHub.com. </a:t>
+            </a:r>
+          </a:p>
+          <a:p>
+            <a:pPr fontAlgn="base"/>
+            <a:r>
+              <a:rPr lang="en-US" sz="2800" b="1" dirty="0"/>
+              <a:t>$  </a:t>
+            </a:r>
+            <a:r>
+              <a:rPr lang="en-US" sz="2800" b="1" dirty="0" err="1"/>
+              <a:t>git</a:t>
+            </a:r>
+            <a:r>
+              <a:rPr lang="en-US" sz="2800" b="1" dirty="0"/>
+              <a:t> remote add upstream https://github.com/chscodecamp/mysql101.git</a:t>
+            </a:r>
+            <a:r>
+              <a:rPr lang="en-US" sz="2800" b="1" dirty="0"/>
+              <a:t> </a:t>
+            </a:r>
+            <a:endParaRPr lang="en-US" sz="2800" b="1" dirty="0" smtClean="0"/>
+          </a:p>
+          <a:p>
+            <a:pPr fontAlgn="base"/>
+            <a:r>
+              <a:rPr lang="en-US" sz="2800" b="1" dirty="0" smtClean="0"/>
+              <a:t>$ </a:t>
+            </a:r>
+            <a:r>
+              <a:rPr lang="en-US" sz="2800" b="1" dirty="0" err="1"/>
+              <a:t>git</a:t>
+            </a:r>
+            <a:r>
+              <a:rPr lang="en-US" sz="2800" b="1" dirty="0"/>
+              <a:t> remote -v</a:t>
+            </a:r>
+          </a:p>
+          <a:p>
+            <a:pPr marL="0" indent="0" fontAlgn="base">
+              <a:buNone/>
+            </a:pPr>
+            <a:r>
+              <a:rPr lang="en-US" sz="2000" dirty="0"/>
+              <a:t># Verify new remote</a:t>
+            </a:r>
+          </a:p>
+          <a:p>
+            <a:pPr marL="0" indent="0" fontAlgn="base">
+              <a:buNone/>
+            </a:pPr>
+            <a:r>
+              <a:rPr lang="en-US" sz="2000" dirty="0"/>
+              <a:t># origin  https://github.com/</a:t>
+            </a:r>
+            <a:r>
+              <a:rPr lang="en-US" sz="2000" i="1" dirty="0"/>
+              <a:t>your</a:t>
+            </a:r>
+            <a:r>
+              <a:rPr lang="en-US" sz="2000" dirty="0"/>
+              <a:t> </a:t>
+            </a:r>
+            <a:r>
+              <a:rPr lang="en-US" sz="2000" i="1" dirty="0" err="1"/>
+              <a:t>git</a:t>
+            </a:r>
+            <a:r>
+              <a:rPr lang="en-US" sz="2000" i="1" dirty="0"/>
+              <a:t> hub user name</a:t>
+            </a:r>
+            <a:r>
+              <a:rPr lang="en-US" sz="2000" dirty="0"/>
+              <a:t>/</a:t>
+            </a:r>
+            <a:r>
+              <a:rPr lang="en-US" sz="2000" i="1" dirty="0"/>
+              <a:t>mysql101</a:t>
+            </a:r>
+            <a:r>
+              <a:rPr lang="en-US" sz="2000" dirty="0"/>
+              <a:t>.git (fetch)</a:t>
+            </a:r>
+          </a:p>
+          <a:p>
+            <a:pPr marL="0" indent="0" fontAlgn="base">
+              <a:buNone/>
+            </a:pPr>
+            <a:r>
+              <a:rPr lang="en-US" sz="2000" dirty="0"/>
+              <a:t># origin  https://github.com/</a:t>
+            </a:r>
+            <a:r>
+              <a:rPr lang="en-US" sz="2000" i="1" dirty="0"/>
+              <a:t>your </a:t>
+            </a:r>
+            <a:r>
+              <a:rPr lang="en-US" sz="2000" i="1" dirty="0" err="1"/>
+              <a:t>git</a:t>
+            </a:r>
+            <a:r>
+              <a:rPr lang="en-US" sz="2000" i="1" dirty="0"/>
+              <a:t> hub user name </a:t>
+            </a:r>
+            <a:r>
+              <a:rPr lang="en-US" sz="2000" dirty="0"/>
+              <a:t>/</a:t>
+            </a:r>
+            <a:r>
+              <a:rPr lang="en-US" sz="2000" i="1" dirty="0"/>
+              <a:t>mysql101</a:t>
+            </a:r>
+            <a:r>
+              <a:rPr lang="en-US" sz="2000" dirty="0"/>
+              <a:t>.git (push)</a:t>
+            </a:r>
+          </a:p>
+          <a:p>
+            <a:pPr marL="0" indent="0" fontAlgn="base">
+              <a:buNone/>
+            </a:pPr>
+            <a:r>
+              <a:rPr lang="en-US" sz="2000" dirty="0"/>
+              <a:t># upstream  https://github.com/</a:t>
+            </a:r>
+            <a:r>
+              <a:rPr lang="en-US" sz="2000" i="1" dirty="0"/>
+              <a:t>chscodecamp</a:t>
+            </a:r>
+            <a:r>
+              <a:rPr lang="en-US" sz="2000" dirty="0"/>
+              <a:t>/</a:t>
+            </a:r>
+            <a:r>
+              <a:rPr lang="en-US" sz="2000" i="1" dirty="0"/>
+              <a:t> mysql101</a:t>
+            </a:r>
+            <a:r>
+              <a:rPr lang="en-US" sz="2000" dirty="0"/>
+              <a:t>.git (fetch)</a:t>
+            </a:r>
+          </a:p>
+          <a:p>
+            <a:pPr marL="0" indent="0" fontAlgn="base">
+              <a:buNone/>
+            </a:pPr>
+            <a:r>
+              <a:rPr lang="en-US" sz="2000" dirty="0"/>
+              <a:t># upstream  https://github.com/</a:t>
+            </a:r>
+            <a:r>
+              <a:rPr lang="en-US" sz="2000" i="1" dirty="0"/>
+              <a:t>chscodecamp</a:t>
+            </a:r>
+            <a:r>
+              <a:rPr lang="en-US" sz="2000" dirty="0"/>
+              <a:t>/</a:t>
+            </a:r>
+            <a:r>
+              <a:rPr lang="en-US" sz="2000" i="1" dirty="0"/>
+              <a:t> mysql101</a:t>
+            </a:r>
+            <a:r>
+              <a:rPr lang="en-US" sz="2000" dirty="0"/>
+              <a:t>.git (push</a:t>
+            </a:r>
+            <a:r>
+              <a:rPr lang="en-US" sz="2000" dirty="0" smtClean="0"/>
+              <a:t>)</a:t>
+            </a:r>
+            <a:endParaRPr lang="en-US" sz="2000" dirty="0"/>
           </a:p>
         </p:txBody>
       </p:sp>
     </p:spTree>
     <p:extLst>
       <p:ext uri="{BB962C8B-B14F-4D97-AF65-F5344CB8AC3E}">
-        <p14:creationId xmlns:p14="http://schemas.microsoft.com/office/powerpoint/2010/main" val="2503379177"/>
+        <p14:creationId xmlns:p14="http://schemas.microsoft.com/office/powerpoint/2010/main" val="1217090241"/>
       </p:ext>
     </p:extLst>
   </p:cSld>
   <p:clrMapOvr>
     <a:masterClrMapping/>
   </p:clrMapOvr>
-  <p:timing>
-    <p:tnLst>
-      <p:par>
-        <p:cTn id="1" dur="indefinite" restart="never" nodeType="tmRoot"/>
-      </p:par>
-    </p:tnLst>
-  </p:timing>
 </p:sld>
 </file>
 
@@ -10053,109 +10879,143 @@
         </p:nvSpPr>
         <p:spPr/>
         <p:txBody>
+          <a:bodyPr/>
+          <a:lstStyle/>
+          <a:p>
+            <a:r>
+              <a:rPr lang="en-US" dirty="0" err="1" smtClean="0"/>
+              <a:t>GitHub</a:t>
+            </a:r>
+            <a:r>
+              <a:rPr lang="en-US" dirty="0" smtClean="0"/>
+              <a:t>: Fetch</a:t>
+            </a:r>
+            <a:endParaRPr lang="en-US" dirty="0"/>
+          </a:p>
+        </p:txBody>
+      </p:sp>
+      <p:sp>
+        <p:nvSpPr>
+          <p:cNvPr id="3" name="Content Placeholder 2"/>
+          <p:cNvSpPr>
+            <a:spLocks noGrp="1"/>
+          </p:cNvSpPr>
+          <p:nvPr>
+            <p:ph idx="1"/>
+          </p:nvPr>
+        </p:nvSpPr>
+        <p:spPr>
+          <a:xfrm>
+            <a:off x="457200" y="1600200"/>
+            <a:ext cx="8229600" cy="5105400"/>
+          </a:xfrm>
+        </p:spPr>
+        <p:txBody>
           <a:bodyPr>
-            <a:normAutofit/>
+            <a:normAutofit fontScale="70000" lnSpcReduction="20000"/>
           </a:bodyPr>
           <a:lstStyle/>
           <a:p>
             <a:r>
-              <a:rPr lang="en-US" b="1" cap="all" dirty="0"/>
-              <a:t>Select </a:t>
-            </a:r>
-            <a:r>
-              <a:rPr lang="en-US" b="1" cap="all" dirty="0" smtClean="0"/>
-              <a:t>Statements</a:t>
-            </a:r>
+              <a:rPr lang="en-US" dirty="0"/>
+              <a:t>There are two steps required to sync your repository with the upstream: </a:t>
+            </a:r>
+          </a:p>
+          <a:p>
+            <a:pPr lvl="1"/>
+            <a:r>
+              <a:rPr lang="en-US" dirty="0"/>
+              <a:t>Fetch from the remote repository</a:t>
+            </a:r>
+          </a:p>
+          <a:p>
+            <a:pPr lvl="1"/>
+            <a:r>
+              <a:rPr lang="en-US" dirty="0"/>
+              <a:t>M</a:t>
+            </a:r>
+            <a:r>
+              <a:rPr lang="en-US" dirty="0" smtClean="0"/>
+              <a:t>erge </a:t>
+            </a:r>
+            <a:r>
+              <a:rPr lang="en-US" dirty="0"/>
+              <a:t>the desired branch into your local branch.</a:t>
+            </a:r>
+          </a:p>
+          <a:p>
+            <a:r>
+              <a:rPr lang="en-US" b="1" dirty="0"/>
+              <a:t>Fetching</a:t>
+            </a:r>
+            <a:r>
+              <a:rPr lang="en-US" dirty="0"/>
+              <a:t> from the remote (the instructor’s </a:t>
+            </a:r>
+            <a:r>
+              <a:rPr lang="en-US" b="1" dirty="0" err="1"/>
+              <a:t>chscodecamp</a:t>
+            </a:r>
+            <a:r>
+              <a:rPr lang="en-US" b="1" dirty="0"/>
+              <a:t>/mysql101</a:t>
+            </a:r>
+            <a:r>
+              <a:rPr lang="en-US" dirty="0"/>
+              <a:t>) repository will bring in its branches and their respective commits (new, changed, deleted files). So, this will bring down the latest docs, presentations, </a:t>
+            </a:r>
+            <a:r>
+              <a:rPr lang="en-US" dirty="0" err="1"/>
+              <a:t>sql</a:t>
+            </a:r>
+            <a:r>
+              <a:rPr lang="en-US" dirty="0"/>
+              <a:t> script files, text files, etc.  These will be stored in your local repository under special branches.</a:t>
+            </a:r>
+          </a:p>
+          <a:p>
+            <a:pPr lvl="0"/>
+            <a:r>
+              <a:rPr lang="en-US" dirty="0"/>
+              <a:t>Enter the following command to fetch the instructor’s remote repository.</a:t>
+            </a:r>
+          </a:p>
+          <a:p>
+            <a:r>
+              <a:rPr lang="en-US" sz="4000" b="1" dirty="0"/>
+              <a:t>$ </a:t>
+            </a:r>
+            <a:r>
+              <a:rPr lang="en-US" sz="4000" b="1" dirty="0" err="1"/>
+              <a:t>git</a:t>
+            </a:r>
+            <a:r>
+              <a:rPr lang="en-US" sz="4000" b="1" dirty="0"/>
+              <a:t> fetch upstream</a:t>
+            </a:r>
+            <a:endParaRPr lang="en-US" sz="4000" b="1" dirty="0"/>
+          </a:p>
+          <a:p>
+            <a:r>
+              <a:rPr lang="en-US" dirty="0"/>
+              <a:t>We now have the upstream (instructor’s master branch) stored in a local branch, upstream/master</a:t>
+            </a:r>
+          </a:p>
+          <a:p>
             <a:endParaRPr lang="en-US" dirty="0"/>
-          </a:p>
-        </p:txBody>
-      </p:sp>
-      <p:sp>
-        <p:nvSpPr>
-          <p:cNvPr id="3" name="Content Placeholder 2"/>
-          <p:cNvSpPr>
-            <a:spLocks noGrp="1"/>
-          </p:cNvSpPr>
-          <p:nvPr>
-            <p:ph idx="1"/>
-          </p:nvPr>
-        </p:nvSpPr>
-        <p:spPr/>
-        <p:txBody>
-          <a:bodyPr/>
-          <a:lstStyle/>
-          <a:p>
-            <a:r>
-              <a:rPr lang="en-US" dirty="0" smtClean="0"/>
-              <a:t>Using </a:t>
-            </a:r>
-            <a:r>
-              <a:rPr lang="en-US" dirty="0"/>
-              <a:t>SQL you can retrieve data and even change </a:t>
-            </a:r>
-            <a:r>
-              <a:rPr lang="en-US" dirty="0" smtClean="0"/>
-              <a:t>data</a:t>
-            </a:r>
-          </a:p>
-          <a:p>
-            <a:pPr lvl="1"/>
-            <a:r>
-              <a:rPr lang="en-US" dirty="0"/>
-              <a:t>Data Manipulation Language statements (DML</a:t>
-            </a:r>
-            <a:r>
-              <a:rPr lang="en-US" dirty="0" smtClean="0"/>
-              <a:t>)</a:t>
-            </a:r>
-          </a:p>
-          <a:p>
-            <a:pPr lvl="1"/>
-            <a:r>
-              <a:rPr lang="en-US" dirty="0" smtClean="0"/>
-              <a:t>Ex: SELECT * FROM CUSTOMER</a:t>
-            </a:r>
-          </a:p>
-          <a:p>
-            <a:r>
-              <a:rPr lang="en-US" dirty="0" smtClean="0"/>
-              <a:t>define </a:t>
-            </a:r>
-            <a:r>
-              <a:rPr lang="en-US" dirty="0"/>
-              <a:t>the data </a:t>
-            </a:r>
-            <a:r>
-              <a:rPr lang="en-US" dirty="0" smtClean="0"/>
-              <a:t>structures i.e. create tables</a:t>
-            </a:r>
-          </a:p>
-          <a:p>
-            <a:pPr lvl="1"/>
-            <a:r>
-              <a:rPr lang="en-US" dirty="0"/>
-              <a:t>Data Definition Language (DDL)</a:t>
-            </a:r>
           </a:p>
         </p:txBody>
       </p:sp>
     </p:spTree>
     <p:extLst>
       <p:ext uri="{BB962C8B-B14F-4D97-AF65-F5344CB8AC3E}">
-        <p14:creationId xmlns:p14="http://schemas.microsoft.com/office/powerpoint/2010/main" val="1351389207"/>
+        <p14:creationId xmlns:p14="http://schemas.microsoft.com/office/powerpoint/2010/main" val="2435036004"/>
       </p:ext>
     </p:extLst>
   </p:cSld>
   <p:clrMapOvr>
     <a:masterClrMapping/>
   </p:clrMapOvr>
-  <p:timing>
-    <p:tnLst>
-      <p:par>
-        <p:cTn id="1" dur="indefinite" restart="never" nodeType="tmRoot"/>
-      </p:par>
-    </p:tnLst>
-  </p:timing>
 </p:sld>
 </file>
 
@@ -10188,113 +11048,122 @@
         </p:nvSpPr>
         <p:spPr/>
         <p:txBody>
+          <a:bodyPr/>
+          <a:lstStyle/>
+          <a:p>
+            <a:r>
+              <a:rPr lang="en-US" dirty="0" err="1" smtClean="0"/>
+              <a:t>GitHub</a:t>
+            </a:r>
+            <a:r>
+              <a:rPr lang="en-US" dirty="0" smtClean="0"/>
+              <a:t>: Merge</a:t>
+            </a:r>
+            <a:endParaRPr lang="en-US" dirty="0"/>
+          </a:p>
+        </p:txBody>
+      </p:sp>
+      <p:sp>
+        <p:nvSpPr>
+          <p:cNvPr id="3" name="Content Placeholder 2"/>
+          <p:cNvSpPr>
+            <a:spLocks noGrp="1"/>
+          </p:cNvSpPr>
+          <p:nvPr>
+            <p:ph idx="1"/>
+          </p:nvPr>
+        </p:nvSpPr>
+        <p:spPr/>
+        <p:txBody>
           <a:bodyPr>
-            <a:normAutofit/>
+            <a:normAutofit fontScale="77500" lnSpcReduction="20000"/>
           </a:bodyPr>
           <a:lstStyle/>
           <a:p>
             <a:r>
-              <a:rPr lang="en-US" b="1" cap="all" dirty="0"/>
-              <a:t>The SELECT </a:t>
-            </a:r>
-            <a:r>
-              <a:rPr lang="en-US" b="1" cap="all" dirty="0" smtClean="0"/>
-              <a:t>Clause</a:t>
+              <a:rPr lang="en-US" b="1" dirty="0"/>
+              <a:t>Merging</a:t>
             </a:r>
             <a:endParaRPr lang="en-US" dirty="0"/>
           </a:p>
-        </p:txBody>
-      </p:sp>
-      <p:sp>
-        <p:nvSpPr>
-          <p:cNvPr id="3" name="Content Placeholder 2"/>
-          <p:cNvSpPr>
-            <a:spLocks noGrp="1"/>
-          </p:cNvSpPr>
-          <p:nvPr>
-            <p:ph idx="1"/>
-          </p:nvPr>
-        </p:nvSpPr>
-        <p:spPr/>
-        <p:txBody>
-          <a:bodyPr>
-            <a:normAutofit fontScale="92500" lnSpcReduction="10000"/>
-          </a:bodyPr>
-          <a:lstStyle/>
-          <a:p>
-            <a:r>
-              <a:rPr lang="en-US" dirty="0" smtClean="0"/>
-              <a:t>Use the SELECT clause to retrieve data</a:t>
-            </a:r>
-          </a:p>
-          <a:p>
-            <a:r>
-              <a:rPr lang="en-US" dirty="0" smtClean="0"/>
-              <a:t>Use * to grab all the columns.  Not usually a good idea.</a:t>
-            </a:r>
-          </a:p>
-          <a:p>
-            <a:r>
-              <a:rPr lang="en-US" dirty="0" smtClean="0"/>
-              <a:t>Specify columns in SELECT </a:t>
-            </a:r>
-          </a:p>
-          <a:p>
-            <a:r>
-              <a:rPr lang="en-US" b="1" dirty="0"/>
-              <a:t>SELECT ID, </a:t>
-            </a:r>
-            <a:r>
-              <a:rPr lang="en-US" b="1" dirty="0" err="1"/>
-              <a:t>FirstName</a:t>
-            </a:r>
-            <a:r>
-              <a:rPr lang="en-US" b="1" dirty="0"/>
-              <a:t>, </a:t>
-            </a:r>
-            <a:r>
-              <a:rPr lang="en-US" b="1" dirty="0" err="1"/>
-              <a:t>LastName</a:t>
-            </a:r>
-            <a:r>
-              <a:rPr lang="en-US" b="1" dirty="0"/>
-              <a:t>, </a:t>
-            </a:r>
-            <a:r>
-              <a:rPr lang="en-US" b="1" dirty="0" err="1"/>
-              <a:t>BirthDate</a:t>
-            </a:r>
-            <a:r>
-              <a:rPr lang="en-US" b="1" dirty="0"/>
-              <a:t> FROM Individual</a:t>
-            </a:r>
-            <a:r>
-              <a:rPr lang="en-US" b="1" dirty="0" smtClean="0"/>
-              <a:t>;</a:t>
-            </a:r>
-          </a:p>
-          <a:p>
-            <a:r>
-              <a:rPr lang="en-US" dirty="0"/>
-              <a:t>U</a:t>
-            </a:r>
-            <a:r>
-              <a:rPr lang="en-US" dirty="0" smtClean="0"/>
-              <a:t>se </a:t>
-            </a:r>
-            <a:r>
-              <a:rPr lang="en-US" dirty="0"/>
-              <a:t>only use the least amount of columns in your SELECT </a:t>
-            </a:r>
-            <a:r>
-              <a:rPr lang="en-US" dirty="0" smtClean="0"/>
-              <a:t>statement</a:t>
-            </a:r>
-          </a:p>
-          <a:p>
-            <a:r>
-              <a:rPr lang="en-US" dirty="0"/>
-              <a:t>SHOW COLUMNS FROM Band</a:t>
+          <a:p>
+            <a:pPr lvl="1" fontAlgn="base"/>
+            <a:r>
+              <a:rPr lang="en-US" dirty="0"/>
+              <a:t>Now that we have fetched the upstream repository, we want to merge its changes into your local branch. This will bring your local branch into sync with the upstream, without losing our local changes.</a:t>
+            </a:r>
+          </a:p>
+          <a:p>
+            <a:pPr lvl="0" fontAlgn="base"/>
+            <a:r>
+              <a:rPr lang="en-US" dirty="0"/>
+              <a:t>Enter the following commands:</a:t>
+            </a:r>
+          </a:p>
+          <a:p>
+            <a:pPr fontAlgn="base"/>
+            <a:r>
+              <a:rPr lang="en-US" sz="3600" b="1" dirty="0"/>
+              <a:t>$ </a:t>
+            </a:r>
+            <a:r>
+              <a:rPr lang="en-US" sz="3600" b="1" dirty="0" err="1"/>
+              <a:t>git</a:t>
+            </a:r>
+            <a:r>
+              <a:rPr lang="en-US" sz="3600" b="1" dirty="0"/>
+              <a:t> checkout master</a:t>
+            </a:r>
+          </a:p>
+          <a:p>
+            <a:pPr fontAlgn="base"/>
+            <a:r>
+              <a:rPr lang="en-US" dirty="0"/>
+              <a:t># Check out our local master branch</a:t>
+            </a:r>
+          </a:p>
+          <a:p>
+            <a:pPr fontAlgn="base"/>
+            <a:r>
+              <a:rPr lang="en-US" dirty="0"/>
+              <a:t># Switched to branch 'master'</a:t>
+            </a:r>
+          </a:p>
+          <a:p>
+            <a:pPr fontAlgn="base"/>
+            <a:r>
+              <a:rPr lang="en-US" dirty="0"/>
+              <a:t> </a:t>
+            </a:r>
+          </a:p>
+          <a:p>
+            <a:pPr fontAlgn="base"/>
+            <a:r>
+              <a:rPr lang="en-US" sz="3600" b="1" dirty="0"/>
+              <a:t>$ </a:t>
+            </a:r>
+            <a:r>
+              <a:rPr lang="en-US" sz="3600" b="1" dirty="0" err="1"/>
+              <a:t>git</a:t>
+            </a:r>
+            <a:r>
+              <a:rPr lang="en-US" sz="3600" b="1" dirty="0"/>
+              <a:t> merge upstream/master</a:t>
+            </a:r>
+          </a:p>
+          <a:p>
+            <a:pPr fontAlgn="base"/>
+            <a:r>
+              <a:rPr lang="en-US" dirty="0"/>
+              <a:t># Merge </a:t>
+            </a:r>
+            <a:r>
+              <a:rPr lang="en-US" dirty="0" err="1"/>
+              <a:t>upstream's</a:t>
+            </a:r>
+            <a:r>
+              <a:rPr lang="en-US" dirty="0"/>
+              <a:t> master into our own</a:t>
             </a:r>
           </a:p>
           <a:p>
@@ -10305,20 +11174,13 @@
     </p:spTree>
     <p:extLst>
       <p:ext uri="{BB962C8B-B14F-4D97-AF65-F5344CB8AC3E}">
-        <p14:creationId xmlns:p14="http://schemas.microsoft.com/office/powerpoint/2010/main" val="2114644828"/>
+        <p14:creationId xmlns:p14="http://schemas.microsoft.com/office/powerpoint/2010/main" val="1214349030"/>
       </p:ext>
     </p:extLst>
   </p:cSld>
   <p:clrMapOvr>
     <a:masterClrMapping/>
   </p:clrMapOvr>
-  <p:timing>
-    <p:tnLst>
-      <p:par>
-        <p:cTn id="1" dur="indefinite" restart="never" nodeType="tmRoot"/>
-      </p:par>
-    </p:tnLst>
-  </p:timing>
 </p:sld>
 </file>
 
@@ -10349,78 +11211,142 @@
             <p:ph type="title"/>
           </p:nvPr>
         </p:nvSpPr>
+        <p:spPr/>
+        <p:txBody>
+          <a:bodyPr/>
+          <a:lstStyle/>
+          <a:p>
+            <a:r>
+              <a:rPr lang="en-US" dirty="0" smtClean="0"/>
+              <a:t>Create a DB from a script</a:t>
+            </a:r>
+            <a:endParaRPr lang="en-US" dirty="0"/>
+          </a:p>
+        </p:txBody>
+      </p:sp>
+      <p:sp>
+        <p:nvSpPr>
+          <p:cNvPr id="3" name="Content Placeholder 2"/>
+          <p:cNvSpPr>
+            <a:spLocks noGrp="1"/>
+          </p:cNvSpPr>
+          <p:nvPr>
+            <p:ph idx="1"/>
+          </p:nvPr>
+        </p:nvSpPr>
         <p:spPr>
           <a:xfrm>
-            <a:off x="457200" y="533400"/>
-            <a:ext cx="8229600" cy="1143000"/>
+            <a:off x="457200" y="1600201"/>
+            <a:ext cx="8229600" cy="3810000"/>
           </a:xfrm>
         </p:spPr>
         <p:txBody>
-          <a:bodyPr>
-            <a:normAutofit fontScale="90000"/>
+          <a:bodyPr/>
+          <a:lstStyle/>
+          <a:p>
+            <a:r>
+              <a:rPr lang="en-US" dirty="0" smtClean="0"/>
+              <a:t>Create </a:t>
+            </a:r>
+            <a:r>
+              <a:rPr lang="en-US" dirty="0"/>
+              <a:t>a new database named </a:t>
+            </a:r>
+            <a:r>
+              <a:rPr lang="en-US" dirty="0" smtClean="0"/>
+              <a:t>RockStarDay2</a:t>
+            </a:r>
+          </a:p>
+          <a:p>
+            <a:r>
+              <a:rPr lang="en-US" dirty="0"/>
+              <a:t>C</a:t>
+            </a:r>
+            <a:r>
+              <a:rPr lang="en-US" dirty="0" smtClean="0"/>
+              <a:t>reate </a:t>
+            </a:r>
+            <a:r>
+              <a:rPr lang="en-US" dirty="0"/>
+              <a:t>tables within the </a:t>
+            </a:r>
+            <a:r>
+              <a:rPr lang="en-US" dirty="0" smtClean="0"/>
+              <a:t>database </a:t>
+            </a:r>
+            <a:r>
+              <a:rPr lang="en-US" dirty="0"/>
+              <a:t>and populate the tables with data.  </a:t>
+            </a:r>
+            <a:endParaRPr lang="en-US" dirty="0" smtClean="0"/>
+          </a:p>
+          <a:p>
+            <a:r>
+              <a:rPr lang="en-US" dirty="0" smtClean="0"/>
+              <a:t>.</a:t>
+            </a:r>
+            <a:r>
+              <a:rPr lang="en-US" dirty="0" err="1"/>
+              <a:t>sql</a:t>
+            </a:r>
+            <a:r>
+              <a:rPr lang="en-US" dirty="0"/>
+              <a:t> script file that contains a series of SQL commands.  </a:t>
+            </a:r>
+            <a:endParaRPr lang="en-US" dirty="0" smtClean="0"/>
+          </a:p>
+          <a:p>
+            <a:r>
+              <a:rPr lang="en-US" dirty="0" smtClean="0"/>
+              <a:t>We </a:t>
+            </a:r>
+            <a:r>
+              <a:rPr lang="en-US" dirty="0"/>
+              <a:t>will pipe the instructions stored within a file named </a:t>
+            </a:r>
+            <a:r>
+              <a:rPr lang="en-US" dirty="0" err="1"/>
+              <a:t>rockstar.sql</a:t>
+            </a:r>
+            <a:r>
+              <a:rPr lang="en-US" dirty="0"/>
+              <a:t>. </a:t>
+            </a:r>
+          </a:p>
+        </p:txBody>
+      </p:sp>
+      <p:sp>
+        <p:nvSpPr>
+          <p:cNvPr id="4" name="Rectangle 3"/>
+          <p:cNvSpPr/>
+          <p:nvPr/>
+        </p:nvSpPr>
+        <p:spPr>
+          <a:xfrm>
+            <a:off x="381000" y="5638800"/>
+            <a:ext cx="8382000" cy="923330"/>
+          </a:xfrm>
+          <a:prstGeom prst="rect">
+            <a:avLst/>
+          </a:prstGeom>
+        </p:spPr>
+        <p:txBody>
+          <a:bodyPr wrap="square">
+            <a:spAutoFit/>
           </a:bodyPr>
           <a:lstStyle/>
           <a:p>
             <a:r>
-              <a:rPr lang="en-US" b="1" i="1" cap="all" dirty="0" smtClean="0"/>
-              <a:t>Exercise 2:  </a:t>
-            </a:r>
-            <a:r>
-              <a:rPr lang="en-US" b="1" i="1" cap="all" dirty="0"/>
-              <a:t>Building a SELECT Statement</a:t>
-            </a:r>
-            <a:r>
-              <a:rPr lang="en-US" b="1" cap="all" dirty="0"/>
-              <a:t/>
-            </a:r>
-            <a:br>
-              <a:rPr lang="en-US" b="1" cap="all" dirty="0"/>
-            </a:br>
-            <a:r>
-              <a:rPr lang="en-US" b="1" cap="all" dirty="0" smtClean="0"/>
-              <a:t> </a:t>
-            </a:r>
-            <a:endParaRPr lang="en-US" dirty="0"/>
-          </a:p>
-        </p:txBody>
-      </p:sp>
-      <p:sp>
-        <p:nvSpPr>
-          <p:cNvPr id="3" name="Content Placeholder 2"/>
-          <p:cNvSpPr>
-            <a:spLocks noGrp="1"/>
-          </p:cNvSpPr>
-          <p:nvPr>
-            <p:ph idx="1"/>
-          </p:nvPr>
-        </p:nvSpPr>
-        <p:spPr/>
-        <p:txBody>
-          <a:bodyPr/>
-          <a:lstStyle/>
-          <a:p>
-            <a:r>
-              <a:rPr lang="en-US" b="1" dirty="0"/>
-              <a:t>USE RockStarDay2;</a:t>
-            </a:r>
-          </a:p>
-          <a:p>
-            <a:r>
-              <a:rPr lang="en-US" b="1" dirty="0"/>
-              <a:t>SELECT * FROM INDIVIDUAL</a:t>
-            </a:r>
-            <a:r>
-              <a:rPr lang="en-US" b="1" dirty="0" smtClean="0"/>
-              <a:t>;</a:t>
-            </a:r>
-            <a:endParaRPr lang="en-US" b="1" dirty="0" smtClean="0"/>
+              <a:rPr lang="en-US" dirty="0"/>
+              <a:t>$ mysql &lt; C:\Users\tripot\Dropbox\CharlestonCodes\MySQL\SQLScripts\RockStar\rockstar.sql -u root –p</a:t>
+            </a:r>
           </a:p>
         </p:txBody>
       </p:sp>
     </p:spTree>
     <p:extLst>
       <p:ext uri="{BB962C8B-B14F-4D97-AF65-F5344CB8AC3E}">
-        <p14:creationId xmlns:p14="http://schemas.microsoft.com/office/powerpoint/2010/main" val="3166139635"/>
+        <p14:creationId xmlns:p14="http://schemas.microsoft.com/office/powerpoint/2010/main" val="4194727848"/>
       </p:ext>
     </p:extLst>
   </p:cSld>
@@ -10464,7 +11390,12 @@
             <p:ph type="title"/>
           </p:nvPr>
         </p:nvSpPr>
-        <p:spPr/>
+        <p:spPr>
+          <a:xfrm>
+            <a:off x="457200" y="381000"/>
+            <a:ext cx="8229600" cy="1143000"/>
+          </a:xfrm>
+        </p:spPr>
         <p:txBody>
           <a:bodyPr>
             <a:normAutofit fontScale="90000"/>
@@ -10472,14 +11403,13 @@
           <a:lstStyle/>
           <a:p>
             <a:r>
-              <a:rPr lang="en-US" b="1" cap="all" dirty="0"/>
-              <a:t>Restricting the Rows </a:t>
-            </a:r>
-            <a:r>
-              <a:rPr lang="en-US" b="1" cap="all" dirty="0" smtClean="0"/>
-              <a:t>Returned</a:t>
-            </a:r>
-            <a:endParaRPr lang="en-US" dirty="0"/>
+              <a:rPr lang="en-US" b="1" i="1" cap="all" dirty="0" smtClean="0"/>
+              <a:t>Exercise 1:  </a:t>
+            </a:r>
+            <a:r>
+              <a:rPr lang="en-US" b="1" i="1" cap="all" dirty="0"/>
+              <a:t>Creating a Database from a .SQL Script FILE</a:t>
+            </a:r>
           </a:p>
         </p:txBody>
       </p:sp>
@@ -10493,20 +11423,19 @@
             <p:ph idx="1"/>
           </p:nvPr>
         </p:nvSpPr>
-        <p:spPr/>
+        <p:spPr>
+          <a:xfrm>
+            <a:off x="457200" y="1828800"/>
+            <a:ext cx="8229600" cy="4525963"/>
+          </a:xfrm>
+        </p:spPr>
         <p:txBody>
           <a:bodyPr/>
           <a:lstStyle/>
           <a:p>
             <a:r>
               <a:rPr lang="en-US" dirty="0" smtClean="0"/>
-              <a:t>SELECT identified the columns to return</a:t>
-            </a:r>
-          </a:p>
-          <a:p>
-            <a:r>
-              <a:rPr lang="en-US" dirty="0" smtClean="0"/>
-              <a:t>WHERE clause determines the rows to return</a:t>
+              <a:t>Page 26</a:t>
             </a:r>
             <a:endParaRPr lang="en-US" dirty="0"/>
           </a:p>
@@ -10515,7 +11444,7 @@
     </p:spTree>
     <p:extLst>
       <p:ext uri="{BB962C8B-B14F-4D97-AF65-F5344CB8AC3E}">
-        <p14:creationId xmlns:p14="http://schemas.microsoft.com/office/powerpoint/2010/main" val="1831350020"/>
+        <p14:creationId xmlns:p14="http://schemas.microsoft.com/office/powerpoint/2010/main" val="2503379177"/>
       </p:ext>
     </p:extLst>
   </p:cSld>
